--- a/_Template/_Tech.Base.pptx
+++ b/_Template/_Tech.Base.pptx
@@ -5,10 +5,10 @@
     <p:sldMasterId id="2147483649" r:id="rId4"/>
   </p:sldMasterIdLst>
   <p:notesMasterIdLst>
-    <p:notesMasterId r:id="rId18"/>
+    <p:notesMasterId r:id="rId20"/>
   </p:notesMasterIdLst>
   <p:handoutMasterIdLst>
-    <p:handoutMasterId r:id="rId19"/>
+    <p:handoutMasterId r:id="rId21"/>
   </p:handoutMasterIdLst>
   <p:sldIdLst>
     <p:sldId id="257" r:id="rId5"/>
@@ -19,11 +19,13 @@
     <p:sldId id="1726" r:id="rId10"/>
     <p:sldId id="1836" r:id="rId11"/>
     <p:sldId id="1835" r:id="rId12"/>
-    <p:sldId id="1795" r:id="rId13"/>
-    <p:sldId id="1838" r:id="rId14"/>
-    <p:sldId id="1716" r:id="rId15"/>
-    <p:sldId id="1839" r:id="rId16"/>
-    <p:sldId id="1789" r:id="rId17"/>
+    <p:sldId id="1840" r:id="rId13"/>
+    <p:sldId id="1841" r:id="rId14"/>
+    <p:sldId id="1795" r:id="rId15"/>
+    <p:sldId id="1838" r:id="rId16"/>
+    <p:sldId id="1716" r:id="rId17"/>
+    <p:sldId id="1839" r:id="rId18"/>
+    <p:sldId id="1789" r:id="rId19"/>
   </p:sldIdLst>
   <p:sldSz cx="12192000" cy="6858000"/>
   <p:notesSz cx="6858000" cy="9144000"/>
@@ -135,6 +137,8 @@
             <p14:sldId id="1726"/>
             <p14:sldId id="1836"/>
             <p14:sldId id="1835"/>
+            <p14:sldId id="1840"/>
+            <p14:sldId id="1841"/>
             <p14:sldId id="1795"/>
           </p14:sldIdLst>
         </p14:section>
@@ -3241,353 +3245,6 @@
     </pc:docChg>
   </pc:docChgLst>
   <pc:docChgLst>
-    <pc:chgData name="Gellenoncourt, Kevin" userId="83ce2c6d-0bd4-4cd9-955e-dd3efc6a7d5a" providerId="ADAL" clId="{A3A60514-9E58-4D9E-99F4-2C9DAB55E9EE}"/>
-    <pc:docChg chg="undo custSel addSld modSld sldOrd modSection">
-      <pc:chgData name="Gellenoncourt, Kevin" userId="83ce2c6d-0bd4-4cd9-955e-dd3efc6a7d5a" providerId="ADAL" clId="{A3A60514-9E58-4D9E-99F4-2C9DAB55E9EE}" dt="2023-04-28T08:07:53.650" v="706"/>
-      <pc:docMkLst>
-        <pc:docMk/>
-      </pc:docMkLst>
-      <pc:sldChg chg="addSp modSp mod">
-        <pc:chgData name="Gellenoncourt, Kevin" userId="83ce2c6d-0bd4-4cd9-955e-dd3efc6a7d5a" providerId="ADAL" clId="{A3A60514-9E58-4D9E-99F4-2C9DAB55E9EE}" dt="2023-04-20T12:39:41.736" v="692" actId="20577"/>
-        <pc:sldMkLst>
-          <pc:docMk/>
-          <pc:sldMk cId="1278860628" sldId="1771"/>
-        </pc:sldMkLst>
-        <pc:spChg chg="add mod">
-          <ac:chgData name="Gellenoncourt, Kevin" userId="83ce2c6d-0bd4-4cd9-955e-dd3efc6a7d5a" providerId="ADAL" clId="{A3A60514-9E58-4D9E-99F4-2C9DAB55E9EE}" dt="2023-04-19T12:35:36.076" v="548" actId="14100"/>
-          <ac:spMkLst>
-            <pc:docMk/>
-            <pc:sldMk cId="1278860628" sldId="1771"/>
-            <ac:spMk id="3" creationId="{B48AAC35-A18D-069C-DDA7-2436D2499FB8}"/>
-          </ac:spMkLst>
-        </pc:spChg>
-        <pc:spChg chg="mod">
-          <ac:chgData name="Gellenoncourt, Kevin" userId="83ce2c6d-0bd4-4cd9-955e-dd3efc6a7d5a" providerId="ADAL" clId="{A3A60514-9E58-4D9E-99F4-2C9DAB55E9EE}" dt="2023-04-20T12:39:41.736" v="692" actId="20577"/>
-          <ac:spMkLst>
-            <pc:docMk/>
-            <pc:sldMk cId="1278860628" sldId="1771"/>
-            <ac:spMk id="18" creationId="{D29CFD93-4DA2-4C5E-8607-CE2A1EFFD801}"/>
-          </ac:spMkLst>
-        </pc:spChg>
-      </pc:sldChg>
-      <pc:sldChg chg="modSp mod">
-        <pc:chgData name="Gellenoncourt, Kevin" userId="83ce2c6d-0bd4-4cd9-955e-dd3efc6a7d5a" providerId="ADAL" clId="{A3A60514-9E58-4D9E-99F4-2C9DAB55E9EE}" dt="2023-04-17T09:48:13.323" v="194" actId="14100"/>
-        <pc:sldMkLst>
-          <pc:docMk/>
-          <pc:sldMk cId="1847149617" sldId="1823"/>
-        </pc:sldMkLst>
-        <pc:spChg chg="mod">
-          <ac:chgData name="Gellenoncourt, Kevin" userId="83ce2c6d-0bd4-4cd9-955e-dd3efc6a7d5a" providerId="ADAL" clId="{A3A60514-9E58-4D9E-99F4-2C9DAB55E9EE}" dt="2023-04-17T09:47:57.162" v="193" actId="14100"/>
-          <ac:spMkLst>
-            <pc:docMk/>
-            <pc:sldMk cId="1847149617" sldId="1823"/>
-            <ac:spMk id="11" creationId="{842C7B8B-D546-5F52-8614-36B5D5B7072A}"/>
-          </ac:spMkLst>
-        </pc:spChg>
-        <pc:spChg chg="mod">
-          <ac:chgData name="Gellenoncourt, Kevin" userId="83ce2c6d-0bd4-4cd9-955e-dd3efc6a7d5a" providerId="ADAL" clId="{A3A60514-9E58-4D9E-99F4-2C9DAB55E9EE}" dt="2023-04-14T15:16:51.501" v="75" actId="20577"/>
-          <ac:spMkLst>
-            <pc:docMk/>
-            <pc:sldMk cId="1847149617" sldId="1823"/>
-            <ac:spMk id="12" creationId="{B104700F-4F00-45C5-9952-8E84D40A9556}"/>
-          </ac:spMkLst>
-        </pc:spChg>
-        <pc:spChg chg="mod">
-          <ac:chgData name="Gellenoncourt, Kevin" userId="83ce2c6d-0bd4-4cd9-955e-dd3efc6a7d5a" providerId="ADAL" clId="{A3A60514-9E58-4D9E-99F4-2C9DAB55E9EE}" dt="2023-04-14T15:15:57.774" v="67" actId="14100"/>
-          <ac:spMkLst>
-            <pc:docMk/>
-            <pc:sldMk cId="1847149617" sldId="1823"/>
-            <ac:spMk id="14" creationId="{417EBD97-910E-B0D6-C155-F9B9D1A40E38}"/>
-          </ac:spMkLst>
-        </pc:spChg>
-        <pc:spChg chg="mod">
-          <ac:chgData name="Gellenoncourt, Kevin" userId="83ce2c6d-0bd4-4cd9-955e-dd3efc6a7d5a" providerId="ADAL" clId="{A3A60514-9E58-4D9E-99F4-2C9DAB55E9EE}" dt="2023-04-17T09:48:13.323" v="194" actId="14100"/>
-          <ac:spMkLst>
-            <pc:docMk/>
-            <pc:sldMk cId="1847149617" sldId="1823"/>
-            <ac:spMk id="27" creationId="{416BE16B-1E8C-48FA-B7AE-7624496931AD}"/>
-          </ac:spMkLst>
-        </pc:spChg>
-      </pc:sldChg>
-      <pc:sldChg chg="modSp mod">
-        <pc:chgData name="Gellenoncourt, Kevin" userId="83ce2c6d-0bd4-4cd9-955e-dd3efc6a7d5a" providerId="ADAL" clId="{A3A60514-9E58-4D9E-99F4-2C9DAB55E9EE}" dt="2023-04-14T15:15:37.539" v="65" actId="13926"/>
-        <pc:sldMkLst>
-          <pc:docMk/>
-          <pc:sldMk cId="2789654304" sldId="1826"/>
-        </pc:sldMkLst>
-        <pc:spChg chg="mod">
-          <ac:chgData name="Gellenoncourt, Kevin" userId="83ce2c6d-0bd4-4cd9-955e-dd3efc6a7d5a" providerId="ADAL" clId="{A3A60514-9E58-4D9E-99F4-2C9DAB55E9EE}" dt="2023-04-14T15:15:37.539" v="65" actId="13926"/>
-          <ac:spMkLst>
-            <pc:docMk/>
-            <pc:sldMk cId="2789654304" sldId="1826"/>
-            <ac:spMk id="10" creationId="{5BEE6695-E1F4-866A-0C79-858782B14051}"/>
-          </ac:spMkLst>
-        </pc:spChg>
-        <pc:spChg chg="mod">
-          <ac:chgData name="Gellenoncourt, Kevin" userId="83ce2c6d-0bd4-4cd9-955e-dd3efc6a7d5a" providerId="ADAL" clId="{A3A60514-9E58-4D9E-99F4-2C9DAB55E9EE}" dt="2023-04-14T15:15:15.353" v="63" actId="14100"/>
-          <ac:spMkLst>
-            <pc:docMk/>
-            <pc:sldMk cId="2789654304" sldId="1826"/>
-            <ac:spMk id="13" creationId="{C083206D-4CC2-5447-AAAA-BD90521B11AA}"/>
-          </ac:spMkLst>
-        </pc:spChg>
-        <pc:spChg chg="mod">
-          <ac:chgData name="Gellenoncourt, Kevin" userId="83ce2c6d-0bd4-4cd9-955e-dd3efc6a7d5a" providerId="ADAL" clId="{A3A60514-9E58-4D9E-99F4-2C9DAB55E9EE}" dt="2023-04-14T15:14:51.233" v="54" actId="1036"/>
-          <ac:spMkLst>
-            <pc:docMk/>
-            <pc:sldMk cId="2789654304" sldId="1826"/>
-            <ac:spMk id="14" creationId="{FAD498DE-6D7E-4853-FCE8-768C1D49C1F6}"/>
-          </ac:spMkLst>
-        </pc:spChg>
-        <pc:spChg chg="mod">
-          <ac:chgData name="Gellenoncourt, Kevin" userId="83ce2c6d-0bd4-4cd9-955e-dd3efc6a7d5a" providerId="ADAL" clId="{A3A60514-9E58-4D9E-99F4-2C9DAB55E9EE}" dt="2023-04-14T15:14:37.857" v="50" actId="20577"/>
-          <ac:spMkLst>
-            <pc:docMk/>
-            <pc:sldMk cId="2789654304" sldId="1826"/>
-            <ac:spMk id="19" creationId="{1F95986F-431B-E99B-9C26-4159CCAC4D58}"/>
-          </ac:spMkLst>
-        </pc:spChg>
-        <pc:spChg chg="mod">
-          <ac:chgData name="Gellenoncourt, Kevin" userId="83ce2c6d-0bd4-4cd9-955e-dd3efc6a7d5a" providerId="ADAL" clId="{A3A60514-9E58-4D9E-99F4-2C9DAB55E9EE}" dt="2023-04-14T15:15:27.401" v="64" actId="20577"/>
-          <ac:spMkLst>
-            <pc:docMk/>
-            <pc:sldMk cId="2789654304" sldId="1826"/>
-            <ac:spMk id="20" creationId="{B547579E-0297-7065-3C2B-B32E8777C39F}"/>
-          </ac:spMkLst>
-        </pc:spChg>
-      </pc:sldChg>
-      <pc:sldChg chg="delSp modSp mod modCm">
-        <pc:chgData name="Gellenoncourt, Kevin" userId="83ce2c6d-0bd4-4cd9-955e-dd3efc6a7d5a" providerId="ADAL" clId="{A3A60514-9E58-4D9E-99F4-2C9DAB55E9EE}" dt="2023-04-28T08:07:18.472" v="702" actId="20577"/>
-        <pc:sldMkLst>
-          <pc:docMk/>
-          <pc:sldMk cId="394559105" sldId="1828"/>
-        </pc:sldMkLst>
-        <pc:spChg chg="mod">
-          <ac:chgData name="Gellenoncourt, Kevin" userId="83ce2c6d-0bd4-4cd9-955e-dd3efc6a7d5a" providerId="ADAL" clId="{A3A60514-9E58-4D9E-99F4-2C9DAB55E9EE}" dt="2023-04-28T08:07:18.472" v="702" actId="20577"/>
-          <ac:spMkLst>
-            <pc:docMk/>
-            <pc:sldMk cId="394559105" sldId="1828"/>
-            <ac:spMk id="2" creationId="{81B4020D-2DE6-4B6C-822C-676A9E68ECFA}"/>
-          </ac:spMkLst>
-        </pc:spChg>
-        <pc:spChg chg="mod">
-          <ac:chgData name="Gellenoncourt, Kevin" userId="83ce2c6d-0bd4-4cd9-955e-dd3efc6a7d5a" providerId="ADAL" clId="{A3A60514-9E58-4D9E-99F4-2C9DAB55E9EE}" dt="2023-04-13T12:14:55.972" v="37" actId="14100"/>
-          <ac:spMkLst>
-            <pc:docMk/>
-            <pc:sldMk cId="394559105" sldId="1828"/>
-            <ac:spMk id="4" creationId="{A0E49883-BD02-0EF4-758D-0FF455BDA027}"/>
-          </ac:spMkLst>
-        </pc:spChg>
-        <pc:spChg chg="mod">
-          <ac:chgData name="Gellenoncourt, Kevin" userId="83ce2c6d-0bd4-4cd9-955e-dd3efc6a7d5a" providerId="ADAL" clId="{A3A60514-9E58-4D9E-99F4-2C9DAB55E9EE}" dt="2023-04-14T15:12:37.127" v="38" actId="20577"/>
-          <ac:spMkLst>
-            <pc:docMk/>
-            <pc:sldMk cId="394559105" sldId="1828"/>
-            <ac:spMk id="9" creationId="{77C3B844-E6D7-3624-1D88-491DC7FBE73F}"/>
-          </ac:spMkLst>
-        </pc:spChg>
-        <pc:spChg chg="mod">
-          <ac:chgData name="Gellenoncourt, Kevin" userId="83ce2c6d-0bd4-4cd9-955e-dd3efc6a7d5a" providerId="ADAL" clId="{A3A60514-9E58-4D9E-99F4-2C9DAB55E9EE}" dt="2023-04-13T12:14:45.162" v="21" actId="14100"/>
-          <ac:spMkLst>
-            <pc:docMk/>
-            <pc:sldMk cId="394559105" sldId="1828"/>
-            <ac:spMk id="11" creationId="{41A27570-4EE7-B3BA-F6CB-2BF7908DDCBF}"/>
-          </ac:spMkLst>
-        </pc:spChg>
-        <pc:spChg chg="mod">
-          <ac:chgData name="Gellenoncourt, Kevin" userId="83ce2c6d-0bd4-4cd9-955e-dd3efc6a7d5a" providerId="ADAL" clId="{A3A60514-9E58-4D9E-99F4-2C9DAB55E9EE}" dt="2023-04-13T12:14:51.807" v="35" actId="1035"/>
-          <ac:spMkLst>
-            <pc:docMk/>
-            <pc:sldMk cId="394559105" sldId="1828"/>
-            <ac:spMk id="15" creationId="{9D7E702D-19C2-2F3F-70B5-73F6CC7B90B0}"/>
-          </ac:spMkLst>
-        </pc:spChg>
-        <pc:spChg chg="mod">
-          <ac:chgData name="Gellenoncourt, Kevin" userId="83ce2c6d-0bd4-4cd9-955e-dd3efc6a7d5a" providerId="ADAL" clId="{A3A60514-9E58-4D9E-99F4-2C9DAB55E9EE}" dt="2023-04-13T12:14:53.671" v="36" actId="14100"/>
-          <ac:spMkLst>
-            <pc:docMk/>
-            <pc:sldMk cId="394559105" sldId="1828"/>
-            <ac:spMk id="16" creationId="{193E23CE-10D3-6AF3-8769-9A0DD9180317}"/>
-          </ac:spMkLst>
-        </pc:spChg>
-        <pc:spChg chg="mod">
-          <ac:chgData name="Gellenoncourt, Kevin" userId="83ce2c6d-0bd4-4cd9-955e-dd3efc6a7d5a" providerId="ADAL" clId="{A3A60514-9E58-4D9E-99F4-2C9DAB55E9EE}" dt="2023-04-17T09:49:12.005" v="238" actId="14100"/>
-          <ac:spMkLst>
-            <pc:docMk/>
-            <pc:sldMk cId="394559105" sldId="1828"/>
-            <ac:spMk id="23" creationId="{D45C1964-3199-AEA8-A302-B7CC89E83D1C}"/>
-          </ac:spMkLst>
-        </pc:spChg>
-        <pc:spChg chg="del mod">
-          <ac:chgData name="Gellenoncourt, Kevin" userId="83ce2c6d-0bd4-4cd9-955e-dd3efc6a7d5a" providerId="ADAL" clId="{A3A60514-9E58-4D9E-99F4-2C9DAB55E9EE}" dt="2023-04-17T09:49:08.618" v="237" actId="21"/>
-          <ac:spMkLst>
-            <pc:docMk/>
-            <pc:sldMk cId="394559105" sldId="1828"/>
-            <ac:spMk id="25" creationId="{1F44828C-2473-8027-6E16-DD3C9C323280}"/>
-          </ac:spMkLst>
-        </pc:spChg>
-      </pc:sldChg>
-      <pc:sldChg chg="addSp modSp mod ord">
-        <pc:chgData name="Gellenoncourt, Kevin" userId="83ce2c6d-0bd4-4cd9-955e-dd3efc6a7d5a" providerId="ADAL" clId="{A3A60514-9E58-4D9E-99F4-2C9DAB55E9EE}" dt="2023-04-28T08:07:29.764" v="704"/>
-        <pc:sldMkLst>
-          <pc:docMk/>
-          <pc:sldMk cId="1931217021" sldId="1830"/>
-        </pc:sldMkLst>
-        <pc:spChg chg="mod">
-          <ac:chgData name="Gellenoncourt, Kevin" userId="83ce2c6d-0bd4-4cd9-955e-dd3efc6a7d5a" providerId="ADAL" clId="{A3A60514-9E58-4D9E-99F4-2C9DAB55E9EE}" dt="2023-04-20T08:30:01.275" v="573" actId="20577"/>
-          <ac:spMkLst>
-            <pc:docMk/>
-            <pc:sldMk cId="1931217021" sldId="1830"/>
-            <ac:spMk id="3" creationId="{968DACCB-6332-4C26-39F2-2D374711D2B0}"/>
-          </ac:spMkLst>
-        </pc:spChg>
-        <pc:spChg chg="add mod">
-          <ac:chgData name="Gellenoncourt, Kevin" userId="83ce2c6d-0bd4-4cd9-955e-dd3efc6a7d5a" providerId="ADAL" clId="{A3A60514-9E58-4D9E-99F4-2C9DAB55E9EE}" dt="2023-04-20T08:30:58.508" v="610" actId="14100"/>
-          <ac:spMkLst>
-            <pc:docMk/>
-            <pc:sldMk cId="1931217021" sldId="1830"/>
-            <ac:spMk id="5" creationId="{70270940-53A9-A871-FF5F-3D0FED83C951}"/>
-          </ac:spMkLst>
-        </pc:spChg>
-      </pc:sldChg>
-      <pc:sldChg chg="addSp delSp modSp add mod ord delCm modCm">
-        <pc:chgData name="Gellenoncourt, Kevin" userId="83ce2c6d-0bd4-4cd9-955e-dd3efc6a7d5a" providerId="ADAL" clId="{A3A60514-9E58-4D9E-99F4-2C9DAB55E9EE}" dt="2023-04-28T08:07:53.650" v="706"/>
-        <pc:sldMkLst>
-          <pc:docMk/>
-          <pc:sldMk cId="3334357831" sldId="1831"/>
-        </pc:sldMkLst>
-        <pc:spChg chg="mod">
-          <ac:chgData name="Gellenoncourt, Kevin" userId="83ce2c6d-0bd4-4cd9-955e-dd3efc6a7d5a" providerId="ADAL" clId="{A3A60514-9E58-4D9E-99F4-2C9DAB55E9EE}" dt="2023-04-18T16:05:25.425" v="420" actId="20577"/>
-          <ac:spMkLst>
-            <pc:docMk/>
-            <pc:sldMk cId="3334357831" sldId="1831"/>
-            <ac:spMk id="3" creationId="{C3167168-4490-6A90-9CBD-B650CA1D9D85}"/>
-          </ac:spMkLst>
-        </pc:spChg>
-        <pc:spChg chg="mod">
-          <ac:chgData name="Gellenoncourt, Kevin" userId="83ce2c6d-0bd4-4cd9-955e-dd3efc6a7d5a" providerId="ADAL" clId="{A3A60514-9E58-4D9E-99F4-2C9DAB55E9EE}" dt="2023-04-17T09:48:50.093" v="236" actId="20577"/>
-          <ac:spMkLst>
-            <pc:docMk/>
-            <pc:sldMk cId="3334357831" sldId="1831"/>
-            <ac:spMk id="7" creationId="{F13AB203-EAC6-E49A-83BD-3061EAD28268}"/>
-          </ac:spMkLst>
-        </pc:spChg>
-        <pc:spChg chg="add mod">
-          <ac:chgData name="Gellenoncourt, Kevin" userId="83ce2c6d-0bd4-4cd9-955e-dd3efc6a7d5a" providerId="ADAL" clId="{A3A60514-9E58-4D9E-99F4-2C9DAB55E9EE}" dt="2023-04-18T16:04:37.975" v="395" actId="14100"/>
-          <ac:spMkLst>
-            <pc:docMk/>
-            <pc:sldMk cId="3334357831" sldId="1831"/>
-            <ac:spMk id="10" creationId="{2825B4BF-40B3-9FBF-C859-DA93D2777B60}"/>
-          </ac:spMkLst>
-        </pc:spChg>
-        <pc:spChg chg="mod">
-          <ac:chgData name="Gellenoncourt, Kevin" userId="83ce2c6d-0bd4-4cd9-955e-dd3efc6a7d5a" providerId="ADAL" clId="{A3A60514-9E58-4D9E-99F4-2C9DAB55E9EE}" dt="2023-04-18T16:05:36.979" v="436" actId="20577"/>
-          <ac:spMkLst>
-            <pc:docMk/>
-            <pc:sldMk cId="3334357831" sldId="1831"/>
-            <ac:spMk id="11" creationId="{842C7B8B-D546-5F52-8614-36B5D5B7072A}"/>
-          </ac:spMkLst>
-        </pc:spChg>
-        <pc:spChg chg="mod">
-          <ac:chgData name="Gellenoncourt, Kevin" userId="83ce2c6d-0bd4-4cd9-955e-dd3efc6a7d5a" providerId="ADAL" clId="{A3A60514-9E58-4D9E-99F4-2C9DAB55E9EE}" dt="2023-04-17T09:46:44.785" v="160" actId="14100"/>
-          <ac:spMkLst>
-            <pc:docMk/>
-            <pc:sldMk cId="3334357831" sldId="1831"/>
-            <ac:spMk id="12" creationId="{B104700F-4F00-45C5-9952-8E84D40A9556}"/>
-          </ac:spMkLst>
-        </pc:spChg>
-        <pc:spChg chg="add mod">
-          <ac:chgData name="Gellenoncourt, Kevin" userId="83ce2c6d-0bd4-4cd9-955e-dd3efc6a7d5a" providerId="ADAL" clId="{A3A60514-9E58-4D9E-99F4-2C9DAB55E9EE}" dt="2023-04-18T16:04:50.715" v="400" actId="14100"/>
-          <ac:spMkLst>
-            <pc:docMk/>
-            <pc:sldMk cId="3334357831" sldId="1831"/>
-            <ac:spMk id="13" creationId="{7BDA3FE1-028D-4F92-3CCF-B587021596BC}"/>
-          </ac:spMkLst>
-        </pc:spChg>
-        <pc:spChg chg="mod">
-          <ac:chgData name="Gellenoncourt, Kevin" userId="83ce2c6d-0bd4-4cd9-955e-dd3efc6a7d5a" providerId="ADAL" clId="{A3A60514-9E58-4D9E-99F4-2C9DAB55E9EE}" dt="2023-04-18T16:01:27.465" v="308" actId="20577"/>
-          <ac:spMkLst>
-            <pc:docMk/>
-            <pc:sldMk cId="3334357831" sldId="1831"/>
-            <ac:spMk id="14" creationId="{417EBD97-910E-B0D6-C155-F9B9D1A40E38}"/>
-          </ac:spMkLst>
-        </pc:spChg>
-        <pc:spChg chg="mod">
-          <ac:chgData name="Gellenoncourt, Kevin" userId="83ce2c6d-0bd4-4cd9-955e-dd3efc6a7d5a" providerId="ADAL" clId="{A3A60514-9E58-4D9E-99F4-2C9DAB55E9EE}" dt="2023-04-18T16:05:05.593" v="404" actId="20577"/>
-          <ac:spMkLst>
-            <pc:docMk/>
-            <pc:sldMk cId="3334357831" sldId="1831"/>
-            <ac:spMk id="15" creationId="{C7C48C59-B55F-8595-05E0-5A4B5D311AD4}"/>
-          </ac:spMkLst>
-        </pc:spChg>
-        <pc:spChg chg="add mod">
-          <ac:chgData name="Gellenoncourt, Kevin" userId="83ce2c6d-0bd4-4cd9-955e-dd3efc6a7d5a" providerId="ADAL" clId="{A3A60514-9E58-4D9E-99F4-2C9DAB55E9EE}" dt="2023-04-18T07:45:25.921" v="301" actId="3626"/>
-          <ac:spMkLst>
-            <pc:docMk/>
-            <pc:sldMk cId="3334357831" sldId="1831"/>
-            <ac:spMk id="16" creationId="{81C3B5F2-BA6E-CA36-C55C-CF4E663B99D6}"/>
-          </ac:spMkLst>
-        </pc:spChg>
-        <pc:spChg chg="add mod">
-          <ac:chgData name="Gellenoncourt, Kevin" userId="83ce2c6d-0bd4-4cd9-955e-dd3efc6a7d5a" providerId="ADAL" clId="{A3A60514-9E58-4D9E-99F4-2C9DAB55E9EE}" dt="2023-04-18T16:04:17.494" v="388" actId="1076"/>
-          <ac:spMkLst>
-            <pc:docMk/>
-            <pc:sldMk cId="3334357831" sldId="1831"/>
-            <ac:spMk id="17" creationId="{62072801-7EBE-BFDE-4B12-69A8A9B2A3BF}"/>
-          </ac:spMkLst>
-        </pc:spChg>
-        <pc:spChg chg="add mod">
-          <ac:chgData name="Gellenoncourt, Kevin" userId="83ce2c6d-0bd4-4cd9-955e-dd3efc6a7d5a" providerId="ADAL" clId="{A3A60514-9E58-4D9E-99F4-2C9DAB55E9EE}" dt="2023-04-18T16:04:31.819" v="394" actId="14100"/>
-          <ac:spMkLst>
-            <pc:docMk/>
-            <pc:sldMk cId="3334357831" sldId="1831"/>
-            <ac:spMk id="18" creationId="{12AF2180-CD55-EF16-53B3-15E6809EC565}"/>
-          </ac:spMkLst>
-        </pc:spChg>
-        <pc:spChg chg="del">
-          <ac:chgData name="Gellenoncourt, Kevin" userId="83ce2c6d-0bd4-4cd9-955e-dd3efc6a7d5a" providerId="ADAL" clId="{A3A60514-9E58-4D9E-99F4-2C9DAB55E9EE}" dt="2023-04-17T09:46:36.095" v="158" actId="478"/>
-          <ac:spMkLst>
-            <pc:docMk/>
-            <pc:sldMk cId="3334357831" sldId="1831"/>
-            <ac:spMk id="21" creationId="{7B90F373-D3ED-4A5A-81DD-11B4B5E645DB}"/>
-          </ac:spMkLst>
-        </pc:spChg>
-        <pc:spChg chg="mod">
-          <ac:chgData name="Gellenoncourt, Kevin" userId="83ce2c6d-0bd4-4cd9-955e-dd3efc6a7d5a" providerId="ADAL" clId="{A3A60514-9E58-4D9E-99F4-2C9DAB55E9EE}" dt="2023-04-18T16:02:45.718" v="344" actId="14100"/>
-          <ac:spMkLst>
-            <pc:docMk/>
-            <pc:sldMk cId="3334357831" sldId="1831"/>
-            <ac:spMk id="27" creationId="{416BE16B-1E8C-48FA-B7AE-7624496931AD}"/>
-          </ac:spMkLst>
-        </pc:spChg>
-      </pc:sldChg>
-    </pc:docChg>
-  </pc:docChgLst>
-  <pc:docChgLst>
-    <pc:chgData name="Gellenoncourt, Kevin" userId="S::kevin.gellenoncourt@baloise.lu::83ce2c6d-0bd4-4cd9-955e-dd3efc6a7d5a" providerId="AD" clId="Web-{D2663519-9D01-FDB8-251D-BAF415C6E9C5}"/>
-    <pc:docChg chg="modSld">
-      <pc:chgData name="Gellenoncourt, Kevin" userId="S::kevin.gellenoncourt@baloise.lu::83ce2c6d-0bd4-4cd9-955e-dd3efc6a7d5a" providerId="AD" clId="Web-{D2663519-9D01-FDB8-251D-BAF415C6E9C5}" dt="2022-12-08T15:22:13.238" v="139"/>
-      <pc:docMkLst>
-        <pc:docMk/>
-      </pc:docMkLst>
-      <pc:sldChg chg="modSp">
-        <pc:chgData name="Gellenoncourt, Kevin" userId="S::kevin.gellenoncourt@baloise.lu::83ce2c6d-0bd4-4cd9-955e-dd3efc6a7d5a" providerId="AD" clId="Web-{D2663519-9D01-FDB8-251D-BAF415C6E9C5}" dt="2022-12-08T15:22:13.238" v="139"/>
-        <pc:sldMkLst>
-          <pc:docMk/>
-          <pc:sldMk cId="2268762651" sldId="1802"/>
-        </pc:sldMkLst>
-        <pc:graphicFrameChg chg="mod modGraphic">
-          <ac:chgData name="Gellenoncourt, Kevin" userId="S::kevin.gellenoncourt@baloise.lu::83ce2c6d-0bd4-4cd9-955e-dd3efc6a7d5a" providerId="AD" clId="Web-{D2663519-9D01-FDB8-251D-BAF415C6E9C5}" dt="2022-12-08T15:22:13.238" v="139"/>
-          <ac:graphicFrameMkLst>
-            <pc:docMk/>
-            <pc:sldMk cId="2268762651" sldId="1802"/>
-            <ac:graphicFrameMk id="7" creationId="{E8DCD3DC-67BD-4479-85F9-70E2CF8D4037}"/>
-          </ac:graphicFrameMkLst>
-        </pc:graphicFrameChg>
-      </pc:sldChg>
-    </pc:docChg>
-  </pc:docChgLst>
-  <pc:docChgLst>
     <pc:chgData name="Gellenoncourt, Kevin" userId="83ce2c6d-0bd4-4cd9-955e-dd3efc6a7d5a" providerId="ADAL" clId="{C9839D59-2972-4323-A767-4B90EFEABC06}"/>
     <pc:docChg chg="undo redo custSel addSld delSld modSld sldOrd modMainMaster addSection delSection modSection">
       <pc:chgData name="Gellenoncourt, Kevin" userId="83ce2c6d-0bd4-4cd9-955e-dd3efc6a7d5a" providerId="ADAL" clId="{C9839D59-2972-4323-A767-4B90EFEABC06}" dt="2023-02-13T08:21:11.424" v="54716" actId="1076"/>
@@ -14484,6 +14141,353 @@
           </pc:spChg>
         </pc:sldLayoutChg>
       </pc:sldMasterChg>
+    </pc:docChg>
+  </pc:docChgLst>
+  <pc:docChgLst>
+    <pc:chgData name="Gellenoncourt, Kevin" userId="S::kevin.gellenoncourt@baloise.lu::83ce2c6d-0bd4-4cd9-955e-dd3efc6a7d5a" providerId="AD" clId="Web-{D2663519-9D01-FDB8-251D-BAF415C6E9C5}"/>
+    <pc:docChg chg="modSld">
+      <pc:chgData name="Gellenoncourt, Kevin" userId="S::kevin.gellenoncourt@baloise.lu::83ce2c6d-0bd4-4cd9-955e-dd3efc6a7d5a" providerId="AD" clId="Web-{D2663519-9D01-FDB8-251D-BAF415C6E9C5}" dt="2022-12-08T15:22:13.238" v="139"/>
+      <pc:docMkLst>
+        <pc:docMk/>
+      </pc:docMkLst>
+      <pc:sldChg chg="modSp">
+        <pc:chgData name="Gellenoncourt, Kevin" userId="S::kevin.gellenoncourt@baloise.lu::83ce2c6d-0bd4-4cd9-955e-dd3efc6a7d5a" providerId="AD" clId="Web-{D2663519-9D01-FDB8-251D-BAF415C6E9C5}" dt="2022-12-08T15:22:13.238" v="139"/>
+        <pc:sldMkLst>
+          <pc:docMk/>
+          <pc:sldMk cId="2268762651" sldId="1802"/>
+        </pc:sldMkLst>
+        <pc:graphicFrameChg chg="mod modGraphic">
+          <ac:chgData name="Gellenoncourt, Kevin" userId="S::kevin.gellenoncourt@baloise.lu::83ce2c6d-0bd4-4cd9-955e-dd3efc6a7d5a" providerId="AD" clId="Web-{D2663519-9D01-FDB8-251D-BAF415C6E9C5}" dt="2022-12-08T15:22:13.238" v="139"/>
+          <ac:graphicFrameMkLst>
+            <pc:docMk/>
+            <pc:sldMk cId="2268762651" sldId="1802"/>
+            <ac:graphicFrameMk id="7" creationId="{E8DCD3DC-67BD-4479-85F9-70E2CF8D4037}"/>
+          </ac:graphicFrameMkLst>
+        </pc:graphicFrameChg>
+      </pc:sldChg>
+    </pc:docChg>
+  </pc:docChgLst>
+  <pc:docChgLst>
+    <pc:chgData name="Gellenoncourt, Kevin" userId="83ce2c6d-0bd4-4cd9-955e-dd3efc6a7d5a" providerId="ADAL" clId="{A3A60514-9E58-4D9E-99F4-2C9DAB55E9EE}"/>
+    <pc:docChg chg="undo custSel addSld modSld sldOrd modSection">
+      <pc:chgData name="Gellenoncourt, Kevin" userId="83ce2c6d-0bd4-4cd9-955e-dd3efc6a7d5a" providerId="ADAL" clId="{A3A60514-9E58-4D9E-99F4-2C9DAB55E9EE}" dt="2023-04-28T08:07:53.650" v="706"/>
+      <pc:docMkLst>
+        <pc:docMk/>
+      </pc:docMkLst>
+      <pc:sldChg chg="addSp modSp mod">
+        <pc:chgData name="Gellenoncourt, Kevin" userId="83ce2c6d-0bd4-4cd9-955e-dd3efc6a7d5a" providerId="ADAL" clId="{A3A60514-9E58-4D9E-99F4-2C9DAB55E9EE}" dt="2023-04-20T12:39:41.736" v="692" actId="20577"/>
+        <pc:sldMkLst>
+          <pc:docMk/>
+          <pc:sldMk cId="1278860628" sldId="1771"/>
+        </pc:sldMkLst>
+        <pc:spChg chg="add mod">
+          <ac:chgData name="Gellenoncourt, Kevin" userId="83ce2c6d-0bd4-4cd9-955e-dd3efc6a7d5a" providerId="ADAL" clId="{A3A60514-9E58-4D9E-99F4-2C9DAB55E9EE}" dt="2023-04-19T12:35:36.076" v="548" actId="14100"/>
+          <ac:spMkLst>
+            <pc:docMk/>
+            <pc:sldMk cId="1278860628" sldId="1771"/>
+            <ac:spMk id="3" creationId="{B48AAC35-A18D-069C-DDA7-2436D2499FB8}"/>
+          </ac:spMkLst>
+        </pc:spChg>
+        <pc:spChg chg="mod">
+          <ac:chgData name="Gellenoncourt, Kevin" userId="83ce2c6d-0bd4-4cd9-955e-dd3efc6a7d5a" providerId="ADAL" clId="{A3A60514-9E58-4D9E-99F4-2C9DAB55E9EE}" dt="2023-04-20T12:39:41.736" v="692" actId="20577"/>
+          <ac:spMkLst>
+            <pc:docMk/>
+            <pc:sldMk cId="1278860628" sldId="1771"/>
+            <ac:spMk id="18" creationId="{D29CFD93-4DA2-4C5E-8607-CE2A1EFFD801}"/>
+          </ac:spMkLst>
+        </pc:spChg>
+      </pc:sldChg>
+      <pc:sldChg chg="modSp mod">
+        <pc:chgData name="Gellenoncourt, Kevin" userId="83ce2c6d-0bd4-4cd9-955e-dd3efc6a7d5a" providerId="ADAL" clId="{A3A60514-9E58-4D9E-99F4-2C9DAB55E9EE}" dt="2023-04-17T09:48:13.323" v="194" actId="14100"/>
+        <pc:sldMkLst>
+          <pc:docMk/>
+          <pc:sldMk cId="1847149617" sldId="1823"/>
+        </pc:sldMkLst>
+        <pc:spChg chg="mod">
+          <ac:chgData name="Gellenoncourt, Kevin" userId="83ce2c6d-0bd4-4cd9-955e-dd3efc6a7d5a" providerId="ADAL" clId="{A3A60514-9E58-4D9E-99F4-2C9DAB55E9EE}" dt="2023-04-17T09:47:57.162" v="193" actId="14100"/>
+          <ac:spMkLst>
+            <pc:docMk/>
+            <pc:sldMk cId="1847149617" sldId="1823"/>
+            <ac:spMk id="11" creationId="{842C7B8B-D546-5F52-8614-36B5D5B7072A}"/>
+          </ac:spMkLst>
+        </pc:spChg>
+        <pc:spChg chg="mod">
+          <ac:chgData name="Gellenoncourt, Kevin" userId="83ce2c6d-0bd4-4cd9-955e-dd3efc6a7d5a" providerId="ADAL" clId="{A3A60514-9E58-4D9E-99F4-2C9DAB55E9EE}" dt="2023-04-14T15:16:51.501" v="75" actId="20577"/>
+          <ac:spMkLst>
+            <pc:docMk/>
+            <pc:sldMk cId="1847149617" sldId="1823"/>
+            <ac:spMk id="12" creationId="{B104700F-4F00-45C5-9952-8E84D40A9556}"/>
+          </ac:spMkLst>
+        </pc:spChg>
+        <pc:spChg chg="mod">
+          <ac:chgData name="Gellenoncourt, Kevin" userId="83ce2c6d-0bd4-4cd9-955e-dd3efc6a7d5a" providerId="ADAL" clId="{A3A60514-9E58-4D9E-99F4-2C9DAB55E9EE}" dt="2023-04-14T15:15:57.774" v="67" actId="14100"/>
+          <ac:spMkLst>
+            <pc:docMk/>
+            <pc:sldMk cId="1847149617" sldId="1823"/>
+            <ac:spMk id="14" creationId="{417EBD97-910E-B0D6-C155-F9B9D1A40E38}"/>
+          </ac:spMkLst>
+        </pc:spChg>
+        <pc:spChg chg="mod">
+          <ac:chgData name="Gellenoncourt, Kevin" userId="83ce2c6d-0bd4-4cd9-955e-dd3efc6a7d5a" providerId="ADAL" clId="{A3A60514-9E58-4D9E-99F4-2C9DAB55E9EE}" dt="2023-04-17T09:48:13.323" v="194" actId="14100"/>
+          <ac:spMkLst>
+            <pc:docMk/>
+            <pc:sldMk cId="1847149617" sldId="1823"/>
+            <ac:spMk id="27" creationId="{416BE16B-1E8C-48FA-B7AE-7624496931AD}"/>
+          </ac:spMkLst>
+        </pc:spChg>
+      </pc:sldChg>
+      <pc:sldChg chg="modSp mod">
+        <pc:chgData name="Gellenoncourt, Kevin" userId="83ce2c6d-0bd4-4cd9-955e-dd3efc6a7d5a" providerId="ADAL" clId="{A3A60514-9E58-4D9E-99F4-2C9DAB55E9EE}" dt="2023-04-14T15:15:37.539" v="65" actId="13926"/>
+        <pc:sldMkLst>
+          <pc:docMk/>
+          <pc:sldMk cId="2789654304" sldId="1826"/>
+        </pc:sldMkLst>
+        <pc:spChg chg="mod">
+          <ac:chgData name="Gellenoncourt, Kevin" userId="83ce2c6d-0bd4-4cd9-955e-dd3efc6a7d5a" providerId="ADAL" clId="{A3A60514-9E58-4D9E-99F4-2C9DAB55E9EE}" dt="2023-04-14T15:15:37.539" v="65" actId="13926"/>
+          <ac:spMkLst>
+            <pc:docMk/>
+            <pc:sldMk cId="2789654304" sldId="1826"/>
+            <ac:spMk id="10" creationId="{5BEE6695-E1F4-866A-0C79-858782B14051}"/>
+          </ac:spMkLst>
+        </pc:spChg>
+        <pc:spChg chg="mod">
+          <ac:chgData name="Gellenoncourt, Kevin" userId="83ce2c6d-0bd4-4cd9-955e-dd3efc6a7d5a" providerId="ADAL" clId="{A3A60514-9E58-4D9E-99F4-2C9DAB55E9EE}" dt="2023-04-14T15:15:15.353" v="63" actId="14100"/>
+          <ac:spMkLst>
+            <pc:docMk/>
+            <pc:sldMk cId="2789654304" sldId="1826"/>
+            <ac:spMk id="13" creationId="{C083206D-4CC2-5447-AAAA-BD90521B11AA}"/>
+          </ac:spMkLst>
+        </pc:spChg>
+        <pc:spChg chg="mod">
+          <ac:chgData name="Gellenoncourt, Kevin" userId="83ce2c6d-0bd4-4cd9-955e-dd3efc6a7d5a" providerId="ADAL" clId="{A3A60514-9E58-4D9E-99F4-2C9DAB55E9EE}" dt="2023-04-14T15:14:51.233" v="54" actId="1036"/>
+          <ac:spMkLst>
+            <pc:docMk/>
+            <pc:sldMk cId="2789654304" sldId="1826"/>
+            <ac:spMk id="14" creationId="{FAD498DE-6D7E-4853-FCE8-768C1D49C1F6}"/>
+          </ac:spMkLst>
+        </pc:spChg>
+        <pc:spChg chg="mod">
+          <ac:chgData name="Gellenoncourt, Kevin" userId="83ce2c6d-0bd4-4cd9-955e-dd3efc6a7d5a" providerId="ADAL" clId="{A3A60514-9E58-4D9E-99F4-2C9DAB55E9EE}" dt="2023-04-14T15:14:37.857" v="50" actId="20577"/>
+          <ac:spMkLst>
+            <pc:docMk/>
+            <pc:sldMk cId="2789654304" sldId="1826"/>
+            <ac:spMk id="19" creationId="{1F95986F-431B-E99B-9C26-4159CCAC4D58}"/>
+          </ac:spMkLst>
+        </pc:spChg>
+        <pc:spChg chg="mod">
+          <ac:chgData name="Gellenoncourt, Kevin" userId="83ce2c6d-0bd4-4cd9-955e-dd3efc6a7d5a" providerId="ADAL" clId="{A3A60514-9E58-4D9E-99F4-2C9DAB55E9EE}" dt="2023-04-14T15:15:27.401" v="64" actId="20577"/>
+          <ac:spMkLst>
+            <pc:docMk/>
+            <pc:sldMk cId="2789654304" sldId="1826"/>
+            <ac:spMk id="20" creationId="{B547579E-0297-7065-3C2B-B32E8777C39F}"/>
+          </ac:spMkLst>
+        </pc:spChg>
+      </pc:sldChg>
+      <pc:sldChg chg="delSp modSp mod modCm">
+        <pc:chgData name="Gellenoncourt, Kevin" userId="83ce2c6d-0bd4-4cd9-955e-dd3efc6a7d5a" providerId="ADAL" clId="{A3A60514-9E58-4D9E-99F4-2C9DAB55E9EE}" dt="2023-04-28T08:07:18.472" v="702" actId="20577"/>
+        <pc:sldMkLst>
+          <pc:docMk/>
+          <pc:sldMk cId="394559105" sldId="1828"/>
+        </pc:sldMkLst>
+        <pc:spChg chg="mod">
+          <ac:chgData name="Gellenoncourt, Kevin" userId="83ce2c6d-0bd4-4cd9-955e-dd3efc6a7d5a" providerId="ADAL" clId="{A3A60514-9E58-4D9E-99F4-2C9DAB55E9EE}" dt="2023-04-28T08:07:18.472" v="702" actId="20577"/>
+          <ac:spMkLst>
+            <pc:docMk/>
+            <pc:sldMk cId="394559105" sldId="1828"/>
+            <ac:spMk id="2" creationId="{81B4020D-2DE6-4B6C-822C-676A9E68ECFA}"/>
+          </ac:spMkLst>
+        </pc:spChg>
+        <pc:spChg chg="mod">
+          <ac:chgData name="Gellenoncourt, Kevin" userId="83ce2c6d-0bd4-4cd9-955e-dd3efc6a7d5a" providerId="ADAL" clId="{A3A60514-9E58-4D9E-99F4-2C9DAB55E9EE}" dt="2023-04-13T12:14:55.972" v="37" actId="14100"/>
+          <ac:spMkLst>
+            <pc:docMk/>
+            <pc:sldMk cId="394559105" sldId="1828"/>
+            <ac:spMk id="4" creationId="{A0E49883-BD02-0EF4-758D-0FF455BDA027}"/>
+          </ac:spMkLst>
+        </pc:spChg>
+        <pc:spChg chg="mod">
+          <ac:chgData name="Gellenoncourt, Kevin" userId="83ce2c6d-0bd4-4cd9-955e-dd3efc6a7d5a" providerId="ADAL" clId="{A3A60514-9E58-4D9E-99F4-2C9DAB55E9EE}" dt="2023-04-14T15:12:37.127" v="38" actId="20577"/>
+          <ac:spMkLst>
+            <pc:docMk/>
+            <pc:sldMk cId="394559105" sldId="1828"/>
+            <ac:spMk id="9" creationId="{77C3B844-E6D7-3624-1D88-491DC7FBE73F}"/>
+          </ac:spMkLst>
+        </pc:spChg>
+        <pc:spChg chg="mod">
+          <ac:chgData name="Gellenoncourt, Kevin" userId="83ce2c6d-0bd4-4cd9-955e-dd3efc6a7d5a" providerId="ADAL" clId="{A3A60514-9E58-4D9E-99F4-2C9DAB55E9EE}" dt="2023-04-13T12:14:45.162" v="21" actId="14100"/>
+          <ac:spMkLst>
+            <pc:docMk/>
+            <pc:sldMk cId="394559105" sldId="1828"/>
+            <ac:spMk id="11" creationId="{41A27570-4EE7-B3BA-F6CB-2BF7908DDCBF}"/>
+          </ac:spMkLst>
+        </pc:spChg>
+        <pc:spChg chg="mod">
+          <ac:chgData name="Gellenoncourt, Kevin" userId="83ce2c6d-0bd4-4cd9-955e-dd3efc6a7d5a" providerId="ADAL" clId="{A3A60514-9E58-4D9E-99F4-2C9DAB55E9EE}" dt="2023-04-13T12:14:51.807" v="35" actId="1035"/>
+          <ac:spMkLst>
+            <pc:docMk/>
+            <pc:sldMk cId="394559105" sldId="1828"/>
+            <ac:spMk id="15" creationId="{9D7E702D-19C2-2F3F-70B5-73F6CC7B90B0}"/>
+          </ac:spMkLst>
+        </pc:spChg>
+        <pc:spChg chg="mod">
+          <ac:chgData name="Gellenoncourt, Kevin" userId="83ce2c6d-0bd4-4cd9-955e-dd3efc6a7d5a" providerId="ADAL" clId="{A3A60514-9E58-4D9E-99F4-2C9DAB55E9EE}" dt="2023-04-13T12:14:53.671" v="36" actId="14100"/>
+          <ac:spMkLst>
+            <pc:docMk/>
+            <pc:sldMk cId="394559105" sldId="1828"/>
+            <ac:spMk id="16" creationId="{193E23CE-10D3-6AF3-8769-9A0DD9180317}"/>
+          </ac:spMkLst>
+        </pc:spChg>
+        <pc:spChg chg="mod">
+          <ac:chgData name="Gellenoncourt, Kevin" userId="83ce2c6d-0bd4-4cd9-955e-dd3efc6a7d5a" providerId="ADAL" clId="{A3A60514-9E58-4D9E-99F4-2C9DAB55E9EE}" dt="2023-04-17T09:49:12.005" v="238" actId="14100"/>
+          <ac:spMkLst>
+            <pc:docMk/>
+            <pc:sldMk cId="394559105" sldId="1828"/>
+            <ac:spMk id="23" creationId="{D45C1964-3199-AEA8-A302-B7CC89E83D1C}"/>
+          </ac:spMkLst>
+        </pc:spChg>
+        <pc:spChg chg="del mod">
+          <ac:chgData name="Gellenoncourt, Kevin" userId="83ce2c6d-0bd4-4cd9-955e-dd3efc6a7d5a" providerId="ADAL" clId="{A3A60514-9E58-4D9E-99F4-2C9DAB55E9EE}" dt="2023-04-17T09:49:08.618" v="237" actId="21"/>
+          <ac:spMkLst>
+            <pc:docMk/>
+            <pc:sldMk cId="394559105" sldId="1828"/>
+            <ac:spMk id="25" creationId="{1F44828C-2473-8027-6E16-DD3C9C323280}"/>
+          </ac:spMkLst>
+        </pc:spChg>
+      </pc:sldChg>
+      <pc:sldChg chg="addSp modSp mod ord">
+        <pc:chgData name="Gellenoncourt, Kevin" userId="83ce2c6d-0bd4-4cd9-955e-dd3efc6a7d5a" providerId="ADAL" clId="{A3A60514-9E58-4D9E-99F4-2C9DAB55E9EE}" dt="2023-04-28T08:07:29.764" v="704"/>
+        <pc:sldMkLst>
+          <pc:docMk/>
+          <pc:sldMk cId="1931217021" sldId="1830"/>
+        </pc:sldMkLst>
+        <pc:spChg chg="mod">
+          <ac:chgData name="Gellenoncourt, Kevin" userId="83ce2c6d-0bd4-4cd9-955e-dd3efc6a7d5a" providerId="ADAL" clId="{A3A60514-9E58-4D9E-99F4-2C9DAB55E9EE}" dt="2023-04-20T08:30:01.275" v="573" actId="20577"/>
+          <ac:spMkLst>
+            <pc:docMk/>
+            <pc:sldMk cId="1931217021" sldId="1830"/>
+            <ac:spMk id="3" creationId="{968DACCB-6332-4C26-39F2-2D374711D2B0}"/>
+          </ac:spMkLst>
+        </pc:spChg>
+        <pc:spChg chg="add mod">
+          <ac:chgData name="Gellenoncourt, Kevin" userId="83ce2c6d-0bd4-4cd9-955e-dd3efc6a7d5a" providerId="ADAL" clId="{A3A60514-9E58-4D9E-99F4-2C9DAB55E9EE}" dt="2023-04-20T08:30:58.508" v="610" actId="14100"/>
+          <ac:spMkLst>
+            <pc:docMk/>
+            <pc:sldMk cId="1931217021" sldId="1830"/>
+            <ac:spMk id="5" creationId="{70270940-53A9-A871-FF5F-3D0FED83C951}"/>
+          </ac:spMkLst>
+        </pc:spChg>
+      </pc:sldChg>
+      <pc:sldChg chg="addSp delSp modSp add mod ord delCm modCm">
+        <pc:chgData name="Gellenoncourt, Kevin" userId="83ce2c6d-0bd4-4cd9-955e-dd3efc6a7d5a" providerId="ADAL" clId="{A3A60514-9E58-4D9E-99F4-2C9DAB55E9EE}" dt="2023-04-28T08:07:53.650" v="706"/>
+        <pc:sldMkLst>
+          <pc:docMk/>
+          <pc:sldMk cId="3334357831" sldId="1831"/>
+        </pc:sldMkLst>
+        <pc:spChg chg="mod">
+          <ac:chgData name="Gellenoncourt, Kevin" userId="83ce2c6d-0bd4-4cd9-955e-dd3efc6a7d5a" providerId="ADAL" clId="{A3A60514-9E58-4D9E-99F4-2C9DAB55E9EE}" dt="2023-04-18T16:05:25.425" v="420" actId="20577"/>
+          <ac:spMkLst>
+            <pc:docMk/>
+            <pc:sldMk cId="3334357831" sldId="1831"/>
+            <ac:spMk id="3" creationId="{C3167168-4490-6A90-9CBD-B650CA1D9D85}"/>
+          </ac:spMkLst>
+        </pc:spChg>
+        <pc:spChg chg="mod">
+          <ac:chgData name="Gellenoncourt, Kevin" userId="83ce2c6d-0bd4-4cd9-955e-dd3efc6a7d5a" providerId="ADAL" clId="{A3A60514-9E58-4D9E-99F4-2C9DAB55E9EE}" dt="2023-04-17T09:48:50.093" v="236" actId="20577"/>
+          <ac:spMkLst>
+            <pc:docMk/>
+            <pc:sldMk cId="3334357831" sldId="1831"/>
+            <ac:spMk id="7" creationId="{F13AB203-EAC6-E49A-83BD-3061EAD28268}"/>
+          </ac:spMkLst>
+        </pc:spChg>
+        <pc:spChg chg="add mod">
+          <ac:chgData name="Gellenoncourt, Kevin" userId="83ce2c6d-0bd4-4cd9-955e-dd3efc6a7d5a" providerId="ADAL" clId="{A3A60514-9E58-4D9E-99F4-2C9DAB55E9EE}" dt="2023-04-18T16:04:37.975" v="395" actId="14100"/>
+          <ac:spMkLst>
+            <pc:docMk/>
+            <pc:sldMk cId="3334357831" sldId="1831"/>
+            <ac:spMk id="10" creationId="{2825B4BF-40B3-9FBF-C859-DA93D2777B60}"/>
+          </ac:spMkLst>
+        </pc:spChg>
+        <pc:spChg chg="mod">
+          <ac:chgData name="Gellenoncourt, Kevin" userId="83ce2c6d-0bd4-4cd9-955e-dd3efc6a7d5a" providerId="ADAL" clId="{A3A60514-9E58-4D9E-99F4-2C9DAB55E9EE}" dt="2023-04-18T16:05:36.979" v="436" actId="20577"/>
+          <ac:spMkLst>
+            <pc:docMk/>
+            <pc:sldMk cId="3334357831" sldId="1831"/>
+            <ac:spMk id="11" creationId="{842C7B8B-D546-5F52-8614-36B5D5B7072A}"/>
+          </ac:spMkLst>
+        </pc:spChg>
+        <pc:spChg chg="mod">
+          <ac:chgData name="Gellenoncourt, Kevin" userId="83ce2c6d-0bd4-4cd9-955e-dd3efc6a7d5a" providerId="ADAL" clId="{A3A60514-9E58-4D9E-99F4-2C9DAB55E9EE}" dt="2023-04-17T09:46:44.785" v="160" actId="14100"/>
+          <ac:spMkLst>
+            <pc:docMk/>
+            <pc:sldMk cId="3334357831" sldId="1831"/>
+            <ac:spMk id="12" creationId="{B104700F-4F00-45C5-9952-8E84D40A9556}"/>
+          </ac:spMkLst>
+        </pc:spChg>
+        <pc:spChg chg="add mod">
+          <ac:chgData name="Gellenoncourt, Kevin" userId="83ce2c6d-0bd4-4cd9-955e-dd3efc6a7d5a" providerId="ADAL" clId="{A3A60514-9E58-4D9E-99F4-2C9DAB55E9EE}" dt="2023-04-18T16:04:50.715" v="400" actId="14100"/>
+          <ac:spMkLst>
+            <pc:docMk/>
+            <pc:sldMk cId="3334357831" sldId="1831"/>
+            <ac:spMk id="13" creationId="{7BDA3FE1-028D-4F92-3CCF-B587021596BC}"/>
+          </ac:spMkLst>
+        </pc:spChg>
+        <pc:spChg chg="mod">
+          <ac:chgData name="Gellenoncourt, Kevin" userId="83ce2c6d-0bd4-4cd9-955e-dd3efc6a7d5a" providerId="ADAL" clId="{A3A60514-9E58-4D9E-99F4-2C9DAB55E9EE}" dt="2023-04-18T16:01:27.465" v="308" actId="20577"/>
+          <ac:spMkLst>
+            <pc:docMk/>
+            <pc:sldMk cId="3334357831" sldId="1831"/>
+            <ac:spMk id="14" creationId="{417EBD97-910E-B0D6-C155-F9B9D1A40E38}"/>
+          </ac:spMkLst>
+        </pc:spChg>
+        <pc:spChg chg="mod">
+          <ac:chgData name="Gellenoncourt, Kevin" userId="83ce2c6d-0bd4-4cd9-955e-dd3efc6a7d5a" providerId="ADAL" clId="{A3A60514-9E58-4D9E-99F4-2C9DAB55E9EE}" dt="2023-04-18T16:05:05.593" v="404" actId="20577"/>
+          <ac:spMkLst>
+            <pc:docMk/>
+            <pc:sldMk cId="3334357831" sldId="1831"/>
+            <ac:spMk id="15" creationId="{C7C48C59-B55F-8595-05E0-5A4B5D311AD4}"/>
+          </ac:spMkLst>
+        </pc:spChg>
+        <pc:spChg chg="add mod">
+          <ac:chgData name="Gellenoncourt, Kevin" userId="83ce2c6d-0bd4-4cd9-955e-dd3efc6a7d5a" providerId="ADAL" clId="{A3A60514-9E58-4D9E-99F4-2C9DAB55E9EE}" dt="2023-04-18T07:45:25.921" v="301" actId="3626"/>
+          <ac:spMkLst>
+            <pc:docMk/>
+            <pc:sldMk cId="3334357831" sldId="1831"/>
+            <ac:spMk id="16" creationId="{81C3B5F2-BA6E-CA36-C55C-CF4E663B99D6}"/>
+          </ac:spMkLst>
+        </pc:spChg>
+        <pc:spChg chg="add mod">
+          <ac:chgData name="Gellenoncourt, Kevin" userId="83ce2c6d-0bd4-4cd9-955e-dd3efc6a7d5a" providerId="ADAL" clId="{A3A60514-9E58-4D9E-99F4-2C9DAB55E9EE}" dt="2023-04-18T16:04:17.494" v="388" actId="1076"/>
+          <ac:spMkLst>
+            <pc:docMk/>
+            <pc:sldMk cId="3334357831" sldId="1831"/>
+            <ac:spMk id="17" creationId="{62072801-7EBE-BFDE-4B12-69A8A9B2A3BF}"/>
+          </ac:spMkLst>
+        </pc:spChg>
+        <pc:spChg chg="add mod">
+          <ac:chgData name="Gellenoncourt, Kevin" userId="83ce2c6d-0bd4-4cd9-955e-dd3efc6a7d5a" providerId="ADAL" clId="{A3A60514-9E58-4D9E-99F4-2C9DAB55E9EE}" dt="2023-04-18T16:04:31.819" v="394" actId="14100"/>
+          <ac:spMkLst>
+            <pc:docMk/>
+            <pc:sldMk cId="3334357831" sldId="1831"/>
+            <ac:spMk id="18" creationId="{12AF2180-CD55-EF16-53B3-15E6809EC565}"/>
+          </ac:spMkLst>
+        </pc:spChg>
+        <pc:spChg chg="del">
+          <ac:chgData name="Gellenoncourt, Kevin" userId="83ce2c6d-0bd4-4cd9-955e-dd3efc6a7d5a" providerId="ADAL" clId="{A3A60514-9E58-4D9E-99F4-2C9DAB55E9EE}" dt="2023-04-17T09:46:36.095" v="158" actId="478"/>
+          <ac:spMkLst>
+            <pc:docMk/>
+            <pc:sldMk cId="3334357831" sldId="1831"/>
+            <ac:spMk id="21" creationId="{7B90F373-D3ED-4A5A-81DD-11B4B5E645DB}"/>
+          </ac:spMkLst>
+        </pc:spChg>
+        <pc:spChg chg="mod">
+          <ac:chgData name="Gellenoncourt, Kevin" userId="83ce2c6d-0bd4-4cd9-955e-dd3efc6a7d5a" providerId="ADAL" clId="{A3A60514-9E58-4D9E-99F4-2C9DAB55E9EE}" dt="2023-04-18T16:02:45.718" v="344" actId="14100"/>
+          <ac:spMkLst>
+            <pc:docMk/>
+            <pc:sldMk cId="3334357831" sldId="1831"/>
+            <ac:spMk id="27" creationId="{416BE16B-1E8C-48FA-B7AE-7624496931AD}"/>
+          </ac:spMkLst>
+        </pc:spChg>
+      </pc:sldChg>
     </pc:docChg>
   </pc:docChgLst>
   <pc:docChgLst>
@@ -22301,6 +22305,3270 @@
       </p:grpSpPr>
       <p:sp>
         <p:nvSpPr>
+          <p:cNvPr id="11" name="Text Placeholder 10">
+            <a:extLst>
+              <a:ext uri="{FF2B5EF4-FFF2-40B4-BE49-F238E27FC236}">
+                <a16:creationId xmlns:a16="http://schemas.microsoft.com/office/drawing/2014/main" id="{F15E4314-8522-26D1-DA83-D6669DA43DB3}"/>
+              </a:ext>
+            </a:extLst>
+          </p:cNvPr>
+          <p:cNvSpPr>
+            <a:spLocks noGrp="1"/>
+          </p:cNvSpPr>
+          <p:nvPr>
+            <p:ph type="body" sz="quarter" idx="19"/>
+          </p:nvPr>
+        </p:nvSpPr>
+        <p:spPr>
+          <a:xfrm>
+            <a:off x="838200" y="1089499"/>
+            <a:ext cx="5144311" cy="4889102"/>
+          </a:xfrm>
+        </p:spPr>
+        <p:txBody>
+          <a:bodyPr/>
+          <a:lstStyle/>
+          <a:p>
+            <a:pPr marL="0" indent="0" algn="ctr">
+              <a:buNone/>
+            </a:pPr>
+            <a:r>
+              <a:rPr lang="fr-FR" sz="2000" dirty="0"/>
+              <a:t>.Net Api</a:t>
+            </a:r>
+            <a:endParaRPr lang="en-US" dirty="0"/>
+          </a:p>
+        </p:txBody>
+      </p:sp>
+      <p:sp>
+        <p:nvSpPr>
+          <p:cNvPr id="6" name="Espace réservé du numéro de diapositive 5">
+            <a:extLst>
+              <a:ext uri="{FF2B5EF4-FFF2-40B4-BE49-F238E27FC236}">
+                <a16:creationId xmlns:a16="http://schemas.microsoft.com/office/drawing/2014/main" id="{4576F49A-6A7E-470D-82F5-6D36342DDF17}"/>
+              </a:ext>
+            </a:extLst>
+          </p:cNvPr>
+          <p:cNvSpPr>
+            <a:spLocks noGrp="1"/>
+          </p:cNvSpPr>
+          <p:nvPr>
+            <p:ph type="sldNum" sz="quarter" idx="10"/>
+          </p:nvPr>
+        </p:nvSpPr>
+        <p:spPr/>
+        <p:txBody>
+          <a:bodyPr/>
+          <a:lstStyle/>
+          <a:p>
+            <a:fld id="{E14D0CC5-784E-4B7E-B9F4-EE71C08DA69C}" type="slidenum">
+              <a:rPr lang="fr-FR" smtClean="0"/>
+              <a:t>10</a:t>
+            </a:fld>
+            <a:endParaRPr lang="fr-FR"/>
+          </a:p>
+        </p:txBody>
+      </p:sp>
+      <p:sp>
+        <p:nvSpPr>
+          <p:cNvPr id="7" name="Espace réservé du texte 6">
+            <a:extLst>
+              <a:ext uri="{FF2B5EF4-FFF2-40B4-BE49-F238E27FC236}">
+                <a16:creationId xmlns:a16="http://schemas.microsoft.com/office/drawing/2014/main" id="{BC9C685F-33E7-44F5-9E08-33C92172C97D}"/>
+              </a:ext>
+            </a:extLst>
+          </p:cNvPr>
+          <p:cNvSpPr>
+            <a:spLocks noGrp="1"/>
+          </p:cNvSpPr>
+          <p:nvPr>
+            <p:ph type="body" sz="quarter" idx="16"/>
+          </p:nvPr>
+        </p:nvSpPr>
+        <p:spPr/>
+        <p:txBody>
+          <a:bodyPr/>
+          <a:lstStyle/>
+          <a:p>
+            <a:r>
+              <a:rPr lang="fr-FR">
+                <a:latin typeface="Arial"/>
+                <a:cs typeface="Arial"/>
+              </a:rPr>
+              <a:t>.Net</a:t>
+            </a:r>
+            <a:endParaRPr lang="fr-FR" dirty="0"/>
+          </a:p>
+        </p:txBody>
+      </p:sp>
+      <p:sp>
+        <p:nvSpPr>
+          <p:cNvPr id="2" name="Titre 1">
+            <a:extLst>
+              <a:ext uri="{FF2B5EF4-FFF2-40B4-BE49-F238E27FC236}">
+                <a16:creationId xmlns:a16="http://schemas.microsoft.com/office/drawing/2014/main" id="{81B4020D-2DE6-4B6C-822C-676A9E68ECFA}"/>
+              </a:ext>
+            </a:extLst>
+          </p:cNvPr>
+          <p:cNvSpPr>
+            <a:spLocks noGrp="1"/>
+          </p:cNvSpPr>
+          <p:nvPr>
+            <p:ph type="title"/>
+          </p:nvPr>
+        </p:nvSpPr>
+        <p:spPr/>
+        <p:txBody>
+          <a:bodyPr/>
+          <a:lstStyle/>
+          <a:p>
+            <a:r>
+              <a:rPr lang="fr-FR" sz="3600" dirty="0"/>
+              <a:t>Spécificité</a:t>
+            </a:r>
+            <a:endParaRPr lang="fr-LU" dirty="0"/>
+          </a:p>
+        </p:txBody>
+      </p:sp>
+      <p:sp>
+        <p:nvSpPr>
+          <p:cNvPr id="19" name="Espace réservé du texte 18">
+            <a:extLst>
+              <a:ext uri="{FF2B5EF4-FFF2-40B4-BE49-F238E27FC236}">
+                <a16:creationId xmlns:a16="http://schemas.microsoft.com/office/drawing/2014/main" id="{D46EDD11-1EE5-499D-A4FC-29F62E480118}"/>
+              </a:ext>
+            </a:extLst>
+          </p:cNvPr>
+          <p:cNvSpPr>
+            <a:spLocks noGrp="1"/>
+          </p:cNvSpPr>
+          <p:nvPr>
+            <p:ph type="body" sz="quarter" idx="20"/>
+          </p:nvPr>
+        </p:nvSpPr>
+        <p:spPr>
+          <a:xfrm>
+            <a:off x="6096000" y="1088690"/>
+            <a:ext cx="5184774" cy="4889102"/>
+          </a:xfrm>
+          <a:prstGeom prst="roundRect">
+            <a:avLst>
+              <a:gd name="adj" fmla="val 5092"/>
+            </a:avLst>
+          </a:prstGeom>
+        </p:spPr>
+        <p:txBody>
+          <a:bodyPr/>
+          <a:lstStyle/>
+          <a:p>
+            <a:pPr marL="0" indent="0" algn="ctr">
+              <a:spcBef>
+                <a:spcPts val="600"/>
+              </a:spcBef>
+              <a:buNone/>
+            </a:pPr>
+            <a:r>
+              <a:rPr lang="fr-FR" dirty="0"/>
+              <a:t> </a:t>
+            </a:r>
+            <a:r>
+              <a:rPr lang="fr-FR" sz="1800" dirty="0"/>
+              <a:t>.Net Blazor</a:t>
+            </a:r>
+            <a:endParaRPr lang="fr-FR" dirty="0"/>
+          </a:p>
+        </p:txBody>
+      </p:sp>
+      <p:sp>
+        <p:nvSpPr>
+          <p:cNvPr id="14" name="Espace réservé du pied de page 5">
+            <a:extLst>
+              <a:ext uri="{FF2B5EF4-FFF2-40B4-BE49-F238E27FC236}">
+                <a16:creationId xmlns:a16="http://schemas.microsoft.com/office/drawing/2014/main" id="{70578D5F-6465-4780-BC67-4A5616A81F4F}"/>
+              </a:ext>
+            </a:extLst>
+          </p:cNvPr>
+          <p:cNvSpPr>
+            <a:spLocks noGrp="1"/>
+          </p:cNvSpPr>
+          <p:nvPr>
+            <p:ph type="ftr" sz="quarter" idx="3"/>
+          </p:nvPr>
+        </p:nvSpPr>
+        <p:spPr>
+          <a:xfrm>
+            <a:off x="838200" y="6127749"/>
+            <a:ext cx="2064798" cy="365125"/>
+          </a:xfrm>
+          <a:prstGeom prst="roundRect">
+            <a:avLst>
+              <a:gd name="adj" fmla="val 33687"/>
+            </a:avLst>
+          </a:prstGeom>
+          <a:ln w="19050">
+            <a:solidFill>
+              <a:schemeClr val="tx1"/>
+            </a:solidFill>
+          </a:ln>
+        </p:spPr>
+        <p:txBody>
+          <a:bodyPr vert="horz" lIns="91440" tIns="45720" rIns="91440" bIns="45720" rtlCol="0" anchor="ctr"/>
+          <a:lstStyle>
+            <a:lvl1pPr algn="ctr">
+              <a:defRPr lang="fr-FR" sz="1400" b="0" kern="1200" dirty="0" err="1">
+                <a:solidFill>
+                  <a:schemeClr val="tx2"/>
+                </a:solidFill>
+                <a:latin typeface="+mn-lt"/>
+                <a:ea typeface="+mn-ea"/>
+                <a:cs typeface="+mn-cs"/>
+              </a:defRPr>
+            </a:lvl1pPr>
+          </a:lstStyle>
+          <a:p>
+            <a:r>
+              <a:rPr lang="fr-LU"/>
+              <a:t>Unlocked By | K</a:t>
+            </a:r>
+            <a:endParaRPr lang="fr-FR"/>
+          </a:p>
+        </p:txBody>
+      </p:sp>
+      <p:sp>
+        <p:nvSpPr>
+          <p:cNvPr id="13" name="Espace réservé du texte 7">
+            <a:extLst>
+              <a:ext uri="{FF2B5EF4-FFF2-40B4-BE49-F238E27FC236}">
+                <a16:creationId xmlns:a16="http://schemas.microsoft.com/office/drawing/2014/main" id="{D0E59459-E94A-15E4-1BB9-C8566D2A637F}"/>
+              </a:ext>
+            </a:extLst>
+          </p:cNvPr>
+          <p:cNvSpPr txBox="1">
+            <a:spLocks/>
+          </p:cNvSpPr>
+          <p:nvPr/>
+        </p:nvSpPr>
+        <p:spPr>
+          <a:xfrm>
+            <a:off x="1162244" y="1652197"/>
+            <a:ext cx="1892098" cy="1541511"/>
+          </a:xfrm>
+          <a:prstGeom prst="roundRect">
+            <a:avLst>
+              <a:gd name="adj" fmla="val 8002"/>
+            </a:avLst>
+          </a:prstGeom>
+          <a:ln w="15875">
+            <a:solidFill>
+              <a:schemeClr val="accent1"/>
+            </a:solidFill>
+          </a:ln>
+        </p:spPr>
+        <p:txBody>
+          <a:bodyPr vert="horz" lIns="0" tIns="0" rIns="0" bIns="0" rtlCol="0" anchor="t">
+            <a:noAutofit/>
+          </a:bodyPr>
+          <a:lstStyle>
+            <a:lvl1pPr marL="360000" indent="-360000" algn="l" defTabSz="914400" rtl="0" eaLnBrk="1" latinLnBrk="0" hangingPunct="1">
+              <a:lnSpc>
+                <a:spcPct val="90000"/>
+              </a:lnSpc>
+              <a:spcBef>
+                <a:spcPts val="1000"/>
+              </a:spcBef>
+              <a:buFont typeface="Arial" panose="020B0604020202020204" pitchFamily="34" charset="0"/>
+              <a:buChar char="•"/>
+              <a:defRPr sz="2000" b="1" kern="1200">
+                <a:solidFill>
+                  <a:schemeClr val="tx1"/>
+                </a:solidFill>
+                <a:latin typeface="+mn-lt"/>
+                <a:ea typeface="+mn-ea"/>
+                <a:cs typeface="+mn-cs"/>
+              </a:defRPr>
+            </a:lvl1pPr>
+            <a:lvl2pPr marL="648000" indent="-360000" algn="l" defTabSz="914400" rtl="0" eaLnBrk="1" latinLnBrk="0" hangingPunct="1">
+              <a:lnSpc>
+                <a:spcPct val="90000"/>
+              </a:lnSpc>
+              <a:spcBef>
+                <a:spcPts val="1200"/>
+              </a:spcBef>
+              <a:buFont typeface="Arial" panose="020B0604020202020204" pitchFamily="34" charset="0"/>
+              <a:buChar char="•"/>
+              <a:defRPr sz="1800" b="1" kern="1200">
+                <a:solidFill>
+                  <a:schemeClr val="tx2"/>
+                </a:solidFill>
+                <a:latin typeface="+mn-lt"/>
+                <a:ea typeface="+mn-ea"/>
+                <a:cs typeface="+mn-cs"/>
+              </a:defRPr>
+            </a:lvl2pPr>
+            <a:lvl3pPr marL="648000" indent="-360000" algn="l" defTabSz="914400" rtl="0" eaLnBrk="1" latinLnBrk="0" hangingPunct="1">
+              <a:lnSpc>
+                <a:spcPct val="90000"/>
+              </a:lnSpc>
+              <a:spcBef>
+                <a:spcPts val="1200"/>
+              </a:spcBef>
+              <a:buFont typeface="Arial" panose="020B0604020202020204" pitchFamily="34" charset="0"/>
+              <a:buChar char="•"/>
+              <a:defRPr sz="1800" b="1" kern="1200">
+                <a:solidFill>
+                  <a:schemeClr val="bg1">
+                    <a:lumMod val="65000"/>
+                  </a:schemeClr>
+                </a:solidFill>
+                <a:latin typeface="+mn-lt"/>
+                <a:ea typeface="+mn-ea"/>
+                <a:cs typeface="+mn-cs"/>
+              </a:defRPr>
+            </a:lvl3pPr>
+            <a:lvl4pPr marL="720000" indent="-270000" algn="l" defTabSz="914400" rtl="0" eaLnBrk="1" latinLnBrk="0" hangingPunct="1">
+              <a:lnSpc>
+                <a:spcPct val="90000"/>
+              </a:lnSpc>
+              <a:spcBef>
+                <a:spcPts val="1000"/>
+              </a:spcBef>
+              <a:buFont typeface="Arial" panose="020B0604020202020204" pitchFamily="34" charset="0"/>
+              <a:buChar char="•"/>
+              <a:defRPr sz="1600" kern="1200">
+                <a:solidFill>
+                  <a:schemeClr val="tx2"/>
+                </a:solidFill>
+                <a:latin typeface="+mn-lt"/>
+                <a:ea typeface="+mn-ea"/>
+                <a:cs typeface="+mn-cs"/>
+              </a:defRPr>
+            </a:lvl4pPr>
+            <a:lvl5pPr marL="630000" indent="-270000" algn="l" defTabSz="914400" rtl="0" eaLnBrk="1" latinLnBrk="0" hangingPunct="1">
+              <a:lnSpc>
+                <a:spcPct val="90000"/>
+              </a:lnSpc>
+              <a:spcBef>
+                <a:spcPts val="1000"/>
+              </a:spcBef>
+              <a:buFont typeface="Arial" panose="020B0604020202020204" pitchFamily="34" charset="0"/>
+              <a:buChar char="•"/>
+              <a:defRPr sz="1600" kern="1200">
+                <a:solidFill>
+                  <a:schemeClr val="tx2"/>
+                </a:solidFill>
+                <a:latin typeface="+mn-lt"/>
+                <a:ea typeface="+mn-ea"/>
+                <a:cs typeface="+mn-cs"/>
+              </a:defRPr>
+            </a:lvl5pPr>
+            <a:lvl6pPr marL="2514600" indent="-228600" algn="l" defTabSz="914400" rtl="0" eaLnBrk="1" latinLnBrk="0" hangingPunct="1">
+              <a:lnSpc>
+                <a:spcPct val="90000"/>
+              </a:lnSpc>
+              <a:spcBef>
+                <a:spcPts val="500"/>
+              </a:spcBef>
+              <a:buFont typeface="Arial" panose="020B0604020202020204" pitchFamily="34" charset="0"/>
+              <a:buChar char="•"/>
+              <a:defRPr sz="1800" kern="1200">
+                <a:solidFill>
+                  <a:schemeClr val="tx1"/>
+                </a:solidFill>
+                <a:latin typeface="+mn-lt"/>
+                <a:ea typeface="+mn-ea"/>
+                <a:cs typeface="+mn-cs"/>
+              </a:defRPr>
+            </a:lvl6pPr>
+            <a:lvl7pPr marL="2971800" indent="-228600" algn="l" defTabSz="914400" rtl="0" eaLnBrk="1" latinLnBrk="0" hangingPunct="1">
+              <a:lnSpc>
+                <a:spcPct val="90000"/>
+              </a:lnSpc>
+              <a:spcBef>
+                <a:spcPts val="500"/>
+              </a:spcBef>
+              <a:buFont typeface="Arial" panose="020B0604020202020204" pitchFamily="34" charset="0"/>
+              <a:buChar char="•"/>
+              <a:defRPr sz="1800" kern="1200">
+                <a:solidFill>
+                  <a:schemeClr val="tx1"/>
+                </a:solidFill>
+                <a:latin typeface="+mn-lt"/>
+                <a:ea typeface="+mn-ea"/>
+                <a:cs typeface="+mn-cs"/>
+              </a:defRPr>
+            </a:lvl7pPr>
+            <a:lvl8pPr marL="3429000" indent="-228600" algn="l" defTabSz="914400" rtl="0" eaLnBrk="1" latinLnBrk="0" hangingPunct="1">
+              <a:lnSpc>
+                <a:spcPct val="90000"/>
+              </a:lnSpc>
+              <a:spcBef>
+                <a:spcPts val="500"/>
+              </a:spcBef>
+              <a:buFont typeface="Arial" panose="020B0604020202020204" pitchFamily="34" charset="0"/>
+              <a:buChar char="•"/>
+              <a:defRPr sz="1800" kern="1200">
+                <a:solidFill>
+                  <a:schemeClr val="tx1"/>
+                </a:solidFill>
+                <a:latin typeface="+mn-lt"/>
+                <a:ea typeface="+mn-ea"/>
+                <a:cs typeface="+mn-cs"/>
+              </a:defRPr>
+            </a:lvl8pPr>
+            <a:lvl9pPr marL="3886200" indent="-228600" algn="l" defTabSz="914400" rtl="0" eaLnBrk="1" latinLnBrk="0" hangingPunct="1">
+              <a:lnSpc>
+                <a:spcPct val="90000"/>
+              </a:lnSpc>
+              <a:spcBef>
+                <a:spcPts val="500"/>
+              </a:spcBef>
+              <a:buFont typeface="Arial" panose="020B0604020202020204" pitchFamily="34" charset="0"/>
+              <a:buChar char="•"/>
+              <a:defRPr sz="1800" kern="1200">
+                <a:solidFill>
+                  <a:schemeClr val="tx1"/>
+                </a:solidFill>
+                <a:latin typeface="+mn-lt"/>
+                <a:ea typeface="+mn-ea"/>
+                <a:cs typeface="+mn-cs"/>
+              </a:defRPr>
+            </a:lvl9pPr>
+          </a:lstStyle>
+          <a:p>
+            <a:pPr marL="0" indent="0" algn="ctr">
+              <a:spcBef>
+                <a:spcPts val="600"/>
+              </a:spcBef>
+              <a:buFont typeface="Arial" panose="020B0604020202020204" pitchFamily="34" charset="0"/>
+              <a:buNone/>
+            </a:pPr>
+            <a:r>
+              <a:rPr lang="fr-FR" sz="1600" dirty="0"/>
+              <a:t>Api</a:t>
+            </a:r>
+            <a:endParaRPr lang="fr-FR" sz="1800" dirty="0"/>
+          </a:p>
+          <a:p>
+            <a:pPr marL="287655" indent="-215900">
+              <a:spcBef>
+                <a:spcPts val="600"/>
+              </a:spcBef>
+            </a:pPr>
+            <a:r>
+              <a:rPr lang="fr-FR" sz="1400" dirty="0">
+                <a:solidFill>
+                  <a:schemeClr val="tx2"/>
+                </a:solidFill>
+                <a:ea typeface="+mn-lt"/>
+                <a:cs typeface="+mn-lt"/>
+                <a:hlinkClick r:id="rId2"/>
+              </a:rPr>
+              <a:t>Middleware</a:t>
+            </a:r>
+            <a:endParaRPr lang="fr-FR" sz="1400" b="0" dirty="0">
+              <a:solidFill>
+                <a:schemeClr val="tx2"/>
+              </a:solidFill>
+              <a:ea typeface="+mn-lt"/>
+              <a:cs typeface="+mn-lt"/>
+            </a:endParaRPr>
+          </a:p>
+          <a:p>
+            <a:pPr marL="287655" indent="-215900">
+              <a:spcBef>
+                <a:spcPts val="600"/>
+              </a:spcBef>
+            </a:pPr>
+            <a:r>
+              <a:rPr lang="fr-FR" sz="1400" b="0" dirty="0" err="1">
+                <a:solidFill>
+                  <a:schemeClr val="tx2"/>
+                </a:solidFill>
+                <a:ea typeface="+mn-lt"/>
+                <a:cs typeface="+mn-lt"/>
+              </a:rPr>
+              <a:t>Controllers</a:t>
+            </a:r>
+            <a:r>
+              <a:rPr lang="fr-FR" sz="1400" b="0" dirty="0">
+                <a:solidFill>
+                  <a:schemeClr val="tx2"/>
+                </a:solidFill>
+                <a:ea typeface="+mn-lt"/>
+                <a:cs typeface="+mn-lt"/>
+              </a:rPr>
+              <a:t> | Filters</a:t>
+            </a:r>
+          </a:p>
+          <a:p>
+            <a:pPr marL="287655" indent="-215900">
+              <a:spcBef>
+                <a:spcPts val="600"/>
+              </a:spcBef>
+            </a:pPr>
+            <a:r>
+              <a:rPr lang="fr-FR" sz="1400" dirty="0">
+                <a:ea typeface="+mn-lt"/>
+                <a:cs typeface="+mn-lt"/>
+                <a:hlinkClick r:id="rId3"/>
+              </a:rPr>
+              <a:t>Controller Resp</a:t>
+            </a:r>
+            <a:r>
+              <a:rPr lang="fr-FR" sz="1400" b="0" dirty="0">
+                <a:ea typeface="+mn-lt"/>
+                <a:cs typeface="+mn-lt"/>
+              </a:rPr>
+              <a:t> </a:t>
+            </a:r>
+          </a:p>
+          <a:p>
+            <a:pPr marL="287655" indent="-215900">
+              <a:spcBef>
+                <a:spcPts val="600"/>
+              </a:spcBef>
+            </a:pPr>
+            <a:r>
+              <a:rPr lang="fr-FR" sz="1400" b="0" dirty="0">
+                <a:solidFill>
+                  <a:schemeClr val="tx2"/>
+                </a:solidFill>
+                <a:ea typeface="+mn-lt"/>
+                <a:cs typeface="+mn-lt"/>
+              </a:rPr>
+              <a:t>Services</a:t>
+            </a:r>
+            <a:endParaRPr lang="fr-FR" dirty="0">
+              <a:solidFill>
+                <a:schemeClr val="tx2"/>
+              </a:solidFill>
+              <a:cs typeface="Arial" panose="020B0604020202020204"/>
+            </a:endParaRPr>
+          </a:p>
+        </p:txBody>
+      </p:sp>
+      <p:sp>
+        <p:nvSpPr>
+          <p:cNvPr id="16" name="Espace réservé du texte 7">
+            <a:extLst>
+              <a:ext uri="{FF2B5EF4-FFF2-40B4-BE49-F238E27FC236}">
+                <a16:creationId xmlns:a16="http://schemas.microsoft.com/office/drawing/2014/main" id="{AB83A71D-BD87-19E7-33AE-B9B36E0CC9E0}"/>
+              </a:ext>
+            </a:extLst>
+          </p:cNvPr>
+          <p:cNvSpPr txBox="1">
+            <a:spLocks/>
+          </p:cNvSpPr>
+          <p:nvPr/>
+        </p:nvSpPr>
+        <p:spPr>
+          <a:xfrm>
+            <a:off x="3530526" y="1614096"/>
+            <a:ext cx="1975800" cy="1617711"/>
+          </a:xfrm>
+          <a:prstGeom prst="roundRect">
+            <a:avLst>
+              <a:gd name="adj" fmla="val 8002"/>
+            </a:avLst>
+          </a:prstGeom>
+          <a:ln w="15875">
+            <a:solidFill>
+              <a:schemeClr val="accent1"/>
+            </a:solidFill>
+          </a:ln>
+        </p:spPr>
+        <p:txBody>
+          <a:bodyPr vert="horz" lIns="0" tIns="0" rIns="0" bIns="0" rtlCol="0" anchor="t">
+            <a:noAutofit/>
+          </a:bodyPr>
+          <a:lstStyle>
+            <a:lvl1pPr marL="360000" indent="-360000" algn="l" defTabSz="914400" rtl="0" eaLnBrk="1" latinLnBrk="0" hangingPunct="1">
+              <a:lnSpc>
+                <a:spcPct val="90000"/>
+              </a:lnSpc>
+              <a:spcBef>
+                <a:spcPts val="1000"/>
+              </a:spcBef>
+              <a:buFont typeface="Arial" panose="020B0604020202020204" pitchFamily="34" charset="0"/>
+              <a:buChar char="•"/>
+              <a:defRPr sz="2000" b="1" kern="1200">
+                <a:solidFill>
+                  <a:schemeClr val="tx1"/>
+                </a:solidFill>
+                <a:latin typeface="+mn-lt"/>
+                <a:ea typeface="+mn-ea"/>
+                <a:cs typeface="+mn-cs"/>
+              </a:defRPr>
+            </a:lvl1pPr>
+            <a:lvl2pPr marL="648000" indent="-360000" algn="l" defTabSz="914400" rtl="0" eaLnBrk="1" latinLnBrk="0" hangingPunct="1">
+              <a:lnSpc>
+                <a:spcPct val="90000"/>
+              </a:lnSpc>
+              <a:spcBef>
+                <a:spcPts val="1200"/>
+              </a:spcBef>
+              <a:buFont typeface="Arial" panose="020B0604020202020204" pitchFamily="34" charset="0"/>
+              <a:buChar char="•"/>
+              <a:defRPr sz="1800" b="1" kern="1200">
+                <a:solidFill>
+                  <a:schemeClr val="tx2"/>
+                </a:solidFill>
+                <a:latin typeface="+mn-lt"/>
+                <a:ea typeface="+mn-ea"/>
+                <a:cs typeface="+mn-cs"/>
+              </a:defRPr>
+            </a:lvl2pPr>
+            <a:lvl3pPr marL="648000" indent="-360000" algn="l" defTabSz="914400" rtl="0" eaLnBrk="1" latinLnBrk="0" hangingPunct="1">
+              <a:lnSpc>
+                <a:spcPct val="90000"/>
+              </a:lnSpc>
+              <a:spcBef>
+                <a:spcPts val="1200"/>
+              </a:spcBef>
+              <a:buFont typeface="Arial" panose="020B0604020202020204" pitchFamily="34" charset="0"/>
+              <a:buChar char="•"/>
+              <a:defRPr sz="1800" b="1" kern="1200">
+                <a:solidFill>
+                  <a:schemeClr val="bg1">
+                    <a:lumMod val="65000"/>
+                  </a:schemeClr>
+                </a:solidFill>
+                <a:latin typeface="+mn-lt"/>
+                <a:ea typeface="+mn-ea"/>
+                <a:cs typeface="+mn-cs"/>
+              </a:defRPr>
+            </a:lvl3pPr>
+            <a:lvl4pPr marL="720000" indent="-270000" algn="l" defTabSz="914400" rtl="0" eaLnBrk="1" latinLnBrk="0" hangingPunct="1">
+              <a:lnSpc>
+                <a:spcPct val="90000"/>
+              </a:lnSpc>
+              <a:spcBef>
+                <a:spcPts val="1000"/>
+              </a:spcBef>
+              <a:buFont typeface="Arial" panose="020B0604020202020204" pitchFamily="34" charset="0"/>
+              <a:buChar char="•"/>
+              <a:defRPr sz="1600" kern="1200">
+                <a:solidFill>
+                  <a:schemeClr val="tx2"/>
+                </a:solidFill>
+                <a:latin typeface="+mn-lt"/>
+                <a:ea typeface="+mn-ea"/>
+                <a:cs typeface="+mn-cs"/>
+              </a:defRPr>
+            </a:lvl4pPr>
+            <a:lvl5pPr marL="630000" indent="-270000" algn="l" defTabSz="914400" rtl="0" eaLnBrk="1" latinLnBrk="0" hangingPunct="1">
+              <a:lnSpc>
+                <a:spcPct val="90000"/>
+              </a:lnSpc>
+              <a:spcBef>
+                <a:spcPts val="1000"/>
+              </a:spcBef>
+              <a:buFont typeface="Arial" panose="020B0604020202020204" pitchFamily="34" charset="0"/>
+              <a:buChar char="•"/>
+              <a:defRPr sz="1600" kern="1200">
+                <a:solidFill>
+                  <a:schemeClr val="tx2"/>
+                </a:solidFill>
+                <a:latin typeface="+mn-lt"/>
+                <a:ea typeface="+mn-ea"/>
+                <a:cs typeface="+mn-cs"/>
+              </a:defRPr>
+            </a:lvl5pPr>
+            <a:lvl6pPr marL="2514600" indent="-228600" algn="l" defTabSz="914400" rtl="0" eaLnBrk="1" latinLnBrk="0" hangingPunct="1">
+              <a:lnSpc>
+                <a:spcPct val="90000"/>
+              </a:lnSpc>
+              <a:spcBef>
+                <a:spcPts val="500"/>
+              </a:spcBef>
+              <a:buFont typeface="Arial" panose="020B0604020202020204" pitchFamily="34" charset="0"/>
+              <a:buChar char="•"/>
+              <a:defRPr sz="1800" kern="1200">
+                <a:solidFill>
+                  <a:schemeClr val="tx1"/>
+                </a:solidFill>
+                <a:latin typeface="+mn-lt"/>
+                <a:ea typeface="+mn-ea"/>
+                <a:cs typeface="+mn-cs"/>
+              </a:defRPr>
+            </a:lvl6pPr>
+            <a:lvl7pPr marL="2971800" indent="-228600" algn="l" defTabSz="914400" rtl="0" eaLnBrk="1" latinLnBrk="0" hangingPunct="1">
+              <a:lnSpc>
+                <a:spcPct val="90000"/>
+              </a:lnSpc>
+              <a:spcBef>
+                <a:spcPts val="500"/>
+              </a:spcBef>
+              <a:buFont typeface="Arial" panose="020B0604020202020204" pitchFamily="34" charset="0"/>
+              <a:buChar char="•"/>
+              <a:defRPr sz="1800" kern="1200">
+                <a:solidFill>
+                  <a:schemeClr val="tx1"/>
+                </a:solidFill>
+                <a:latin typeface="+mn-lt"/>
+                <a:ea typeface="+mn-ea"/>
+                <a:cs typeface="+mn-cs"/>
+              </a:defRPr>
+            </a:lvl7pPr>
+            <a:lvl8pPr marL="3429000" indent="-228600" algn="l" defTabSz="914400" rtl="0" eaLnBrk="1" latinLnBrk="0" hangingPunct="1">
+              <a:lnSpc>
+                <a:spcPct val="90000"/>
+              </a:lnSpc>
+              <a:spcBef>
+                <a:spcPts val="500"/>
+              </a:spcBef>
+              <a:buFont typeface="Arial" panose="020B0604020202020204" pitchFamily="34" charset="0"/>
+              <a:buChar char="•"/>
+              <a:defRPr sz="1800" kern="1200">
+                <a:solidFill>
+                  <a:schemeClr val="tx1"/>
+                </a:solidFill>
+                <a:latin typeface="+mn-lt"/>
+                <a:ea typeface="+mn-ea"/>
+                <a:cs typeface="+mn-cs"/>
+              </a:defRPr>
+            </a:lvl8pPr>
+            <a:lvl9pPr marL="3886200" indent="-228600" algn="l" defTabSz="914400" rtl="0" eaLnBrk="1" latinLnBrk="0" hangingPunct="1">
+              <a:lnSpc>
+                <a:spcPct val="90000"/>
+              </a:lnSpc>
+              <a:spcBef>
+                <a:spcPts val="500"/>
+              </a:spcBef>
+              <a:buFont typeface="Arial" panose="020B0604020202020204" pitchFamily="34" charset="0"/>
+              <a:buChar char="•"/>
+              <a:defRPr sz="1800" kern="1200">
+                <a:solidFill>
+                  <a:schemeClr val="tx1"/>
+                </a:solidFill>
+                <a:latin typeface="+mn-lt"/>
+                <a:ea typeface="+mn-ea"/>
+                <a:cs typeface="+mn-cs"/>
+              </a:defRPr>
+            </a:lvl9pPr>
+          </a:lstStyle>
+          <a:p>
+            <a:pPr marL="0" indent="0" algn="ctr">
+              <a:spcBef>
+                <a:spcPts val="600"/>
+              </a:spcBef>
+              <a:buFont typeface="Arial" panose="020B0604020202020204" pitchFamily="34" charset="0"/>
+              <a:buNone/>
+            </a:pPr>
+            <a:r>
+              <a:rPr lang="fr-FR" sz="1600" dirty="0"/>
+              <a:t>Api</a:t>
+            </a:r>
+            <a:endParaRPr lang="fr-FR" sz="1800" dirty="0"/>
+          </a:p>
+          <a:p>
+            <a:pPr marL="287655" indent="-215900">
+              <a:spcBef>
+                <a:spcPts val="600"/>
+              </a:spcBef>
+            </a:pPr>
+            <a:r>
+              <a:rPr lang="fr-FR" sz="1400" b="0" dirty="0">
+                <a:solidFill>
+                  <a:schemeClr val="tx2"/>
+                </a:solidFill>
+                <a:ea typeface="+mn-lt"/>
+                <a:cs typeface="+mn-lt"/>
+              </a:rPr>
+              <a:t>Dtos</a:t>
+            </a:r>
+          </a:p>
+          <a:p>
+            <a:pPr marL="287655" indent="-215900">
+              <a:spcBef>
+                <a:spcPts val="600"/>
+              </a:spcBef>
+            </a:pPr>
+            <a:r>
+              <a:rPr lang="fr-FR" sz="1400" b="0" dirty="0" err="1">
+                <a:solidFill>
+                  <a:schemeClr val="tx2"/>
+                </a:solidFill>
+                <a:ea typeface="+mn-lt"/>
+                <a:cs typeface="+mn-lt"/>
+              </a:rPr>
+              <a:t>StartUp</a:t>
+            </a:r>
+            <a:r>
+              <a:rPr lang="fr-FR" sz="1400" b="0" dirty="0">
+                <a:solidFill>
+                  <a:schemeClr val="tx2"/>
+                </a:solidFill>
+                <a:ea typeface="+mn-lt"/>
+                <a:cs typeface="+mn-lt"/>
+              </a:rPr>
+              <a:t> / Program</a:t>
+            </a:r>
+          </a:p>
+          <a:p>
+            <a:pPr marL="287655" indent="-215900">
+              <a:spcBef>
+                <a:spcPts val="600"/>
+              </a:spcBef>
+            </a:pPr>
+            <a:r>
+              <a:rPr lang="fr-FR" sz="1400" b="0" dirty="0">
+                <a:solidFill>
+                  <a:schemeClr val="tx2"/>
+                </a:solidFill>
+                <a:ea typeface="+mn-lt"/>
+                <a:cs typeface="+mn-lt"/>
+              </a:rPr>
+              <a:t>ConfigureService</a:t>
+            </a:r>
+          </a:p>
+          <a:p>
+            <a:pPr marL="575945" lvl="1" indent="-215900">
+              <a:spcBef>
+                <a:spcPts val="600"/>
+              </a:spcBef>
+            </a:pPr>
+            <a:r>
+              <a:rPr lang="fr-FR" sz="1200" dirty="0">
+                <a:solidFill>
+                  <a:schemeClr val="tx2"/>
+                </a:solidFill>
+                <a:ea typeface="+mn-lt"/>
+                <a:cs typeface="+mn-lt"/>
+                <a:hlinkClick r:id="rId4"/>
+              </a:rPr>
+              <a:t>Service options</a:t>
+            </a:r>
+            <a:r>
+              <a:rPr lang="fr-FR" sz="1200" b="0" dirty="0">
+                <a:solidFill>
+                  <a:schemeClr val="tx2"/>
+                </a:solidFill>
+                <a:ea typeface="+mn-lt"/>
+                <a:cs typeface="+mn-lt"/>
+              </a:rPr>
+              <a:t> </a:t>
+            </a:r>
+          </a:p>
+          <a:p>
+            <a:pPr marL="287655" indent="-215900">
+              <a:spcBef>
+                <a:spcPts val="600"/>
+              </a:spcBef>
+            </a:pPr>
+            <a:r>
+              <a:rPr lang="fr-FR" sz="1400" b="0" dirty="0">
+                <a:solidFill>
+                  <a:schemeClr val="tx2"/>
+                </a:solidFill>
+                <a:ea typeface="+mn-lt"/>
+                <a:cs typeface="+mn-lt"/>
+              </a:rPr>
+              <a:t>Configuration</a:t>
+            </a:r>
+          </a:p>
+        </p:txBody>
+      </p:sp>
+      <p:sp>
+        <p:nvSpPr>
+          <p:cNvPr id="17" name="Espace réservé du texte 9">
+            <a:extLst>
+              <a:ext uri="{FF2B5EF4-FFF2-40B4-BE49-F238E27FC236}">
+                <a16:creationId xmlns:a16="http://schemas.microsoft.com/office/drawing/2014/main" id="{1AE1B015-6A82-A366-3694-1B08489A2852}"/>
+              </a:ext>
+            </a:extLst>
+          </p:cNvPr>
+          <p:cNvSpPr txBox="1">
+            <a:spLocks/>
+          </p:cNvSpPr>
+          <p:nvPr/>
+        </p:nvSpPr>
+        <p:spPr>
+          <a:xfrm>
+            <a:off x="6231338" y="1589458"/>
+            <a:ext cx="2158074" cy="2350805"/>
+          </a:xfrm>
+          <a:prstGeom prst="roundRect">
+            <a:avLst>
+              <a:gd name="adj" fmla="val 7290"/>
+            </a:avLst>
+          </a:prstGeom>
+          <a:ln w="15875">
+            <a:solidFill>
+              <a:schemeClr val="accent1"/>
+            </a:solidFill>
+          </a:ln>
+        </p:spPr>
+        <p:txBody>
+          <a:bodyPr vert="horz" lIns="0" tIns="0" rIns="0" bIns="0" rtlCol="0" anchor="t">
+            <a:noAutofit/>
+          </a:bodyPr>
+          <a:lstStyle>
+            <a:lvl1pPr marL="360000" indent="-360000" algn="l" defTabSz="914400" rtl="0" eaLnBrk="1" latinLnBrk="0" hangingPunct="1">
+              <a:lnSpc>
+                <a:spcPct val="90000"/>
+              </a:lnSpc>
+              <a:spcBef>
+                <a:spcPts val="1000"/>
+              </a:spcBef>
+              <a:buFont typeface="Arial" panose="020B0604020202020204" pitchFamily="34" charset="0"/>
+              <a:buChar char="•"/>
+              <a:defRPr sz="2000" b="1" kern="1200">
+                <a:solidFill>
+                  <a:schemeClr val="tx1"/>
+                </a:solidFill>
+                <a:latin typeface="+mn-lt"/>
+                <a:ea typeface="+mn-ea"/>
+                <a:cs typeface="+mn-cs"/>
+              </a:defRPr>
+            </a:lvl1pPr>
+            <a:lvl2pPr marL="648000" indent="-360000" algn="l" defTabSz="914400" rtl="0" eaLnBrk="1" latinLnBrk="0" hangingPunct="1">
+              <a:lnSpc>
+                <a:spcPct val="90000"/>
+              </a:lnSpc>
+              <a:spcBef>
+                <a:spcPts val="1200"/>
+              </a:spcBef>
+              <a:buFont typeface="Arial" panose="020B0604020202020204" pitchFamily="34" charset="0"/>
+              <a:buChar char="•"/>
+              <a:defRPr sz="1800" b="1" kern="1200">
+                <a:solidFill>
+                  <a:schemeClr val="tx2"/>
+                </a:solidFill>
+                <a:latin typeface="+mn-lt"/>
+                <a:ea typeface="+mn-ea"/>
+                <a:cs typeface="+mn-cs"/>
+              </a:defRPr>
+            </a:lvl2pPr>
+            <a:lvl3pPr marL="648000" indent="-360000" algn="l" defTabSz="914400" rtl="0" eaLnBrk="1" latinLnBrk="0" hangingPunct="1">
+              <a:lnSpc>
+                <a:spcPct val="90000"/>
+              </a:lnSpc>
+              <a:spcBef>
+                <a:spcPts val="1200"/>
+              </a:spcBef>
+              <a:buFont typeface="Arial" panose="020B0604020202020204" pitchFamily="34" charset="0"/>
+              <a:buChar char="•"/>
+              <a:defRPr sz="1800" b="1" kern="1200">
+                <a:solidFill>
+                  <a:schemeClr val="bg1">
+                    <a:lumMod val="65000"/>
+                  </a:schemeClr>
+                </a:solidFill>
+                <a:latin typeface="+mn-lt"/>
+                <a:ea typeface="+mn-ea"/>
+                <a:cs typeface="+mn-cs"/>
+              </a:defRPr>
+            </a:lvl3pPr>
+            <a:lvl4pPr marL="720000" indent="-270000" algn="l" defTabSz="914400" rtl="0" eaLnBrk="1" latinLnBrk="0" hangingPunct="1">
+              <a:lnSpc>
+                <a:spcPct val="90000"/>
+              </a:lnSpc>
+              <a:spcBef>
+                <a:spcPts val="1000"/>
+              </a:spcBef>
+              <a:buFont typeface="Arial" panose="020B0604020202020204" pitchFamily="34" charset="0"/>
+              <a:buChar char="•"/>
+              <a:defRPr sz="1600" kern="1200">
+                <a:solidFill>
+                  <a:schemeClr val="tx2"/>
+                </a:solidFill>
+                <a:latin typeface="+mn-lt"/>
+                <a:ea typeface="+mn-ea"/>
+                <a:cs typeface="+mn-cs"/>
+              </a:defRPr>
+            </a:lvl4pPr>
+            <a:lvl5pPr marL="630000" indent="-270000" algn="l" defTabSz="914400" rtl="0" eaLnBrk="1" latinLnBrk="0" hangingPunct="1">
+              <a:lnSpc>
+                <a:spcPct val="90000"/>
+              </a:lnSpc>
+              <a:spcBef>
+                <a:spcPts val="1000"/>
+              </a:spcBef>
+              <a:buFont typeface="Arial" panose="020B0604020202020204" pitchFamily="34" charset="0"/>
+              <a:buChar char="•"/>
+              <a:defRPr sz="1600" kern="1200">
+                <a:solidFill>
+                  <a:schemeClr val="tx2"/>
+                </a:solidFill>
+                <a:latin typeface="+mn-lt"/>
+                <a:ea typeface="+mn-ea"/>
+                <a:cs typeface="+mn-cs"/>
+              </a:defRPr>
+            </a:lvl5pPr>
+            <a:lvl6pPr marL="2514600" indent="-228600" algn="l" defTabSz="914400" rtl="0" eaLnBrk="1" latinLnBrk="0" hangingPunct="1">
+              <a:lnSpc>
+                <a:spcPct val="90000"/>
+              </a:lnSpc>
+              <a:spcBef>
+                <a:spcPts val="500"/>
+              </a:spcBef>
+              <a:buFont typeface="Arial" panose="020B0604020202020204" pitchFamily="34" charset="0"/>
+              <a:buChar char="•"/>
+              <a:defRPr sz="1800" kern="1200">
+                <a:solidFill>
+                  <a:schemeClr val="tx1"/>
+                </a:solidFill>
+                <a:latin typeface="+mn-lt"/>
+                <a:ea typeface="+mn-ea"/>
+                <a:cs typeface="+mn-cs"/>
+              </a:defRPr>
+            </a:lvl6pPr>
+            <a:lvl7pPr marL="2971800" indent="-228600" algn="l" defTabSz="914400" rtl="0" eaLnBrk="1" latinLnBrk="0" hangingPunct="1">
+              <a:lnSpc>
+                <a:spcPct val="90000"/>
+              </a:lnSpc>
+              <a:spcBef>
+                <a:spcPts val="500"/>
+              </a:spcBef>
+              <a:buFont typeface="Arial" panose="020B0604020202020204" pitchFamily="34" charset="0"/>
+              <a:buChar char="•"/>
+              <a:defRPr sz="1800" kern="1200">
+                <a:solidFill>
+                  <a:schemeClr val="tx1"/>
+                </a:solidFill>
+                <a:latin typeface="+mn-lt"/>
+                <a:ea typeface="+mn-ea"/>
+                <a:cs typeface="+mn-cs"/>
+              </a:defRPr>
+            </a:lvl7pPr>
+            <a:lvl8pPr marL="3429000" indent="-228600" algn="l" defTabSz="914400" rtl="0" eaLnBrk="1" latinLnBrk="0" hangingPunct="1">
+              <a:lnSpc>
+                <a:spcPct val="90000"/>
+              </a:lnSpc>
+              <a:spcBef>
+                <a:spcPts val="500"/>
+              </a:spcBef>
+              <a:buFont typeface="Arial" panose="020B0604020202020204" pitchFamily="34" charset="0"/>
+              <a:buChar char="•"/>
+              <a:defRPr sz="1800" kern="1200">
+                <a:solidFill>
+                  <a:schemeClr val="tx1"/>
+                </a:solidFill>
+                <a:latin typeface="+mn-lt"/>
+                <a:ea typeface="+mn-ea"/>
+                <a:cs typeface="+mn-cs"/>
+              </a:defRPr>
+            </a:lvl8pPr>
+            <a:lvl9pPr marL="3886200" indent="-228600" algn="l" defTabSz="914400" rtl="0" eaLnBrk="1" latinLnBrk="0" hangingPunct="1">
+              <a:lnSpc>
+                <a:spcPct val="90000"/>
+              </a:lnSpc>
+              <a:spcBef>
+                <a:spcPts val="500"/>
+              </a:spcBef>
+              <a:buFont typeface="Arial" panose="020B0604020202020204" pitchFamily="34" charset="0"/>
+              <a:buChar char="•"/>
+              <a:defRPr sz="1800" kern="1200">
+                <a:solidFill>
+                  <a:schemeClr val="tx1"/>
+                </a:solidFill>
+                <a:latin typeface="+mn-lt"/>
+                <a:ea typeface="+mn-ea"/>
+                <a:cs typeface="+mn-cs"/>
+              </a:defRPr>
+            </a:lvl9pPr>
+          </a:lstStyle>
+          <a:p>
+            <a:pPr marL="0" indent="0" algn="ctr">
+              <a:spcBef>
+                <a:spcPts val="300"/>
+              </a:spcBef>
+              <a:buFont typeface="Arial" panose="020B0604020202020204" pitchFamily="34" charset="0"/>
+              <a:buNone/>
+            </a:pPr>
+            <a:r>
+              <a:rPr lang="fr-FR" sz="1600" dirty="0"/>
+              <a:t>Component</a:t>
+            </a:r>
+            <a:endParaRPr lang="fr-FR" sz="1400" dirty="0"/>
+          </a:p>
+          <a:p>
+            <a:pPr marL="72000" indent="0" algn="ctr">
+              <a:spcBef>
+                <a:spcPts val="300"/>
+              </a:spcBef>
+              <a:buNone/>
+            </a:pPr>
+            <a:r>
+              <a:rPr lang="fr-FR" sz="1400" dirty="0">
+                <a:solidFill>
+                  <a:schemeClr val="tx2"/>
+                </a:solidFill>
+                <a:ea typeface="+mn-lt"/>
+                <a:cs typeface="+mn-lt"/>
+                <a:hlinkClick r:id="rId5"/>
+              </a:rPr>
+              <a:t>Overview</a:t>
+            </a:r>
+            <a:endParaRPr lang="fr-FR" sz="1400" dirty="0">
+              <a:solidFill>
+                <a:schemeClr val="tx2"/>
+              </a:solidFill>
+              <a:ea typeface="+mn-lt"/>
+              <a:cs typeface="+mn-lt"/>
+            </a:endParaRPr>
+          </a:p>
+          <a:p>
+            <a:pPr marL="72000" indent="0" algn="ctr">
+              <a:spcBef>
+                <a:spcPts val="300"/>
+              </a:spcBef>
+              <a:buNone/>
+            </a:pPr>
+            <a:r>
+              <a:rPr lang="fr-FR" sz="1400" dirty="0">
+                <a:solidFill>
+                  <a:schemeClr val="tx2"/>
+                </a:solidFill>
+                <a:ea typeface="+mn-lt"/>
+                <a:cs typeface="+mn-lt"/>
+              </a:rPr>
+              <a:t>Syntax</a:t>
+            </a:r>
+            <a:r>
+              <a:rPr lang="fr-FR" sz="1400" b="0" dirty="0">
+                <a:solidFill>
+                  <a:schemeClr val="tx2"/>
+                </a:solidFill>
+                <a:ea typeface="+mn-lt"/>
+                <a:cs typeface="+mn-lt"/>
+              </a:rPr>
+              <a:t>. Razor (@{})</a:t>
+            </a:r>
+            <a:endParaRPr lang="fr-FR" sz="1400" dirty="0">
+              <a:solidFill>
+                <a:schemeClr val="tx2"/>
+              </a:solidFill>
+              <a:ea typeface="+mn-lt"/>
+              <a:cs typeface="+mn-lt"/>
+            </a:endParaRPr>
+          </a:p>
+          <a:p>
+            <a:pPr marL="72000" indent="0" algn="ctr">
+              <a:spcBef>
+                <a:spcPts val="300"/>
+              </a:spcBef>
+              <a:buNone/>
+            </a:pPr>
+            <a:r>
+              <a:rPr lang="fr-FR" sz="1400" dirty="0">
+                <a:ea typeface="+mn-lt"/>
+                <a:cs typeface="+mn-lt"/>
+                <a:hlinkClick r:id="rId6"/>
+              </a:rPr>
+              <a:t>Lifecycle</a:t>
+            </a:r>
+            <a:endParaRPr lang="fr-FR" sz="1400" b="0" dirty="0">
+              <a:ea typeface="+mn-lt"/>
+              <a:cs typeface="+mn-lt"/>
+            </a:endParaRPr>
+          </a:p>
+          <a:p>
+            <a:pPr marL="72000" indent="0" algn="ctr">
+              <a:spcBef>
+                <a:spcPts val="300"/>
+              </a:spcBef>
+              <a:buNone/>
+            </a:pPr>
+            <a:r>
+              <a:rPr lang="fr-FR" sz="1400" dirty="0">
+                <a:ea typeface="+mn-lt"/>
+                <a:cs typeface="+mn-lt"/>
+                <a:hlinkClick r:id="rId7"/>
+              </a:rPr>
+              <a:t>Type Genericity</a:t>
+            </a:r>
+            <a:endParaRPr lang="fr-FR" sz="1400" dirty="0">
+              <a:solidFill>
+                <a:schemeClr val="tx2"/>
+              </a:solidFill>
+              <a:ea typeface="+mn-lt"/>
+              <a:cs typeface="+mn-lt"/>
+            </a:endParaRPr>
+          </a:p>
+          <a:p>
+            <a:pPr marL="72000" indent="0" algn="ctr">
+              <a:spcBef>
+                <a:spcPts val="300"/>
+              </a:spcBef>
+              <a:buNone/>
+            </a:pPr>
+            <a:r>
+              <a:rPr lang="fr-FR" sz="1400" dirty="0">
+                <a:solidFill>
+                  <a:schemeClr val="tx2"/>
+                </a:solidFill>
+                <a:ea typeface="+mn-lt"/>
+                <a:cs typeface="+mn-lt"/>
+                <a:hlinkClick r:id="rId8"/>
+              </a:rPr>
+              <a:t>Data Binding</a:t>
+            </a:r>
+            <a:endParaRPr lang="fr-FR" sz="1400" dirty="0"/>
+          </a:p>
+          <a:p>
+            <a:pPr marL="72000" indent="0" algn="ctr">
+              <a:spcBef>
+                <a:spcPts val="300"/>
+              </a:spcBef>
+              <a:buNone/>
+            </a:pPr>
+            <a:r>
+              <a:rPr lang="fr-FR" sz="1400" dirty="0">
+                <a:solidFill>
+                  <a:schemeClr val="tx2"/>
+                </a:solidFill>
+                <a:ea typeface="+mn-lt"/>
+                <a:cs typeface="+mn-lt"/>
+                <a:hlinkClick r:id="rId9"/>
+              </a:rPr>
+              <a:t>Event Handling</a:t>
+            </a:r>
+            <a:endParaRPr lang="fr-FR" sz="1400" dirty="0">
+              <a:solidFill>
+                <a:schemeClr val="tx2"/>
+              </a:solidFill>
+              <a:ea typeface="+mn-lt"/>
+              <a:cs typeface="+mn-lt"/>
+            </a:endParaRPr>
+          </a:p>
+          <a:p>
+            <a:pPr marL="72000" indent="0" algn="ctr">
+              <a:spcBef>
+                <a:spcPts val="300"/>
+              </a:spcBef>
+              <a:buNone/>
+            </a:pPr>
+            <a:r>
+              <a:rPr lang="fr-FR" sz="1400" dirty="0">
+                <a:solidFill>
+                  <a:schemeClr val="tx2"/>
+                </a:solidFill>
+                <a:ea typeface="+mn-lt"/>
+                <a:cs typeface="+mn-lt"/>
+                <a:hlinkClick r:id="rId10"/>
+              </a:rPr>
+              <a:t>Templated Component (=Content Projection)</a:t>
+            </a:r>
+            <a:r>
+              <a:rPr lang="fr-FR" sz="1400" b="0" dirty="0">
+                <a:solidFill>
+                  <a:schemeClr val="tx2"/>
+                </a:solidFill>
+                <a:ea typeface="+mn-lt"/>
+                <a:cs typeface="+mn-lt"/>
+              </a:rPr>
+              <a:t> </a:t>
+            </a:r>
+          </a:p>
+          <a:p>
+            <a:pPr marL="72000" indent="0" algn="ctr">
+              <a:spcBef>
+                <a:spcPts val="300"/>
+              </a:spcBef>
+              <a:buNone/>
+            </a:pPr>
+            <a:r>
+              <a:rPr lang="fr-FR" sz="1400" dirty="0">
+                <a:solidFill>
+                  <a:schemeClr val="tx2"/>
+                </a:solidFill>
+                <a:ea typeface="+mn-lt"/>
+                <a:cs typeface="+mn-lt"/>
+                <a:hlinkClick r:id="rId11"/>
+              </a:rPr>
+              <a:t>Style Isolation</a:t>
+            </a:r>
+            <a:r>
+              <a:rPr lang="fr-FR" sz="1400" b="0" dirty="0">
+                <a:solidFill>
+                  <a:schemeClr val="tx2"/>
+                </a:solidFill>
+                <a:ea typeface="+mn-lt"/>
+                <a:cs typeface="+mn-lt"/>
+              </a:rPr>
+              <a:t> (</a:t>
+            </a:r>
+            <a:r>
+              <a:rPr lang="fr-FR" sz="1400" dirty="0">
+                <a:ea typeface="+mn-lt"/>
+                <a:cs typeface="+mn-lt"/>
+                <a:hlinkClick r:id="rId12"/>
+              </a:rPr>
+              <a:t>Ex</a:t>
+            </a:r>
+            <a:r>
+              <a:rPr lang="fr-FR" sz="1400" b="0" dirty="0">
+                <a:solidFill>
+                  <a:schemeClr val="tx2"/>
+                </a:solidFill>
+                <a:ea typeface="+mn-lt"/>
+                <a:cs typeface="+mn-lt"/>
+              </a:rPr>
+              <a:t>)</a:t>
+            </a:r>
+          </a:p>
+        </p:txBody>
+      </p:sp>
+      <p:sp>
+        <p:nvSpPr>
+          <p:cNvPr id="18" name="Espace réservé du texte 7">
+            <a:extLst>
+              <a:ext uri="{FF2B5EF4-FFF2-40B4-BE49-F238E27FC236}">
+                <a16:creationId xmlns:a16="http://schemas.microsoft.com/office/drawing/2014/main" id="{C1D65B8C-90ED-CB95-2985-3CF88A354D4E}"/>
+              </a:ext>
+            </a:extLst>
+          </p:cNvPr>
+          <p:cNvSpPr txBox="1">
+            <a:spLocks/>
+          </p:cNvSpPr>
+          <p:nvPr/>
+        </p:nvSpPr>
+        <p:spPr>
+          <a:xfrm>
+            <a:off x="8484154" y="1591298"/>
+            <a:ext cx="2701877" cy="728444"/>
+          </a:xfrm>
+          <a:prstGeom prst="roundRect">
+            <a:avLst>
+              <a:gd name="adj" fmla="val 10385"/>
+            </a:avLst>
+          </a:prstGeom>
+          <a:ln w="15875">
+            <a:solidFill>
+              <a:schemeClr val="accent1"/>
+            </a:solidFill>
+          </a:ln>
+        </p:spPr>
+        <p:txBody>
+          <a:bodyPr vert="horz" lIns="0" tIns="0" rIns="0" bIns="0" rtlCol="0" anchor="t">
+            <a:noAutofit/>
+          </a:bodyPr>
+          <a:lstStyle>
+            <a:lvl1pPr marL="360000" indent="-360000" algn="l" defTabSz="914400" rtl="0" eaLnBrk="1" latinLnBrk="0" hangingPunct="1">
+              <a:lnSpc>
+                <a:spcPct val="90000"/>
+              </a:lnSpc>
+              <a:spcBef>
+                <a:spcPts val="1000"/>
+              </a:spcBef>
+              <a:buFont typeface="Arial" panose="020B0604020202020204" pitchFamily="34" charset="0"/>
+              <a:buChar char="•"/>
+              <a:defRPr sz="2000" b="1" kern="1200">
+                <a:solidFill>
+                  <a:schemeClr val="tx1"/>
+                </a:solidFill>
+                <a:latin typeface="+mn-lt"/>
+                <a:ea typeface="+mn-ea"/>
+                <a:cs typeface="+mn-cs"/>
+              </a:defRPr>
+            </a:lvl1pPr>
+            <a:lvl2pPr marL="648000" indent="-360000" algn="l" defTabSz="914400" rtl="0" eaLnBrk="1" latinLnBrk="0" hangingPunct="1">
+              <a:lnSpc>
+                <a:spcPct val="90000"/>
+              </a:lnSpc>
+              <a:spcBef>
+                <a:spcPts val="1200"/>
+              </a:spcBef>
+              <a:buFont typeface="Arial" panose="020B0604020202020204" pitchFamily="34" charset="0"/>
+              <a:buChar char="•"/>
+              <a:defRPr sz="1800" b="1" kern="1200">
+                <a:solidFill>
+                  <a:schemeClr val="tx2"/>
+                </a:solidFill>
+                <a:latin typeface="+mn-lt"/>
+                <a:ea typeface="+mn-ea"/>
+                <a:cs typeface="+mn-cs"/>
+              </a:defRPr>
+            </a:lvl2pPr>
+            <a:lvl3pPr marL="648000" indent="-360000" algn="l" defTabSz="914400" rtl="0" eaLnBrk="1" latinLnBrk="0" hangingPunct="1">
+              <a:lnSpc>
+                <a:spcPct val="90000"/>
+              </a:lnSpc>
+              <a:spcBef>
+                <a:spcPts val="1200"/>
+              </a:spcBef>
+              <a:buFont typeface="Arial" panose="020B0604020202020204" pitchFamily="34" charset="0"/>
+              <a:buChar char="•"/>
+              <a:defRPr sz="1800" b="1" kern="1200">
+                <a:solidFill>
+                  <a:schemeClr val="bg1">
+                    <a:lumMod val="65000"/>
+                  </a:schemeClr>
+                </a:solidFill>
+                <a:latin typeface="+mn-lt"/>
+                <a:ea typeface="+mn-ea"/>
+                <a:cs typeface="+mn-cs"/>
+              </a:defRPr>
+            </a:lvl3pPr>
+            <a:lvl4pPr marL="720000" indent="-270000" algn="l" defTabSz="914400" rtl="0" eaLnBrk="1" latinLnBrk="0" hangingPunct="1">
+              <a:lnSpc>
+                <a:spcPct val="90000"/>
+              </a:lnSpc>
+              <a:spcBef>
+                <a:spcPts val="1000"/>
+              </a:spcBef>
+              <a:buFont typeface="Arial" panose="020B0604020202020204" pitchFamily="34" charset="0"/>
+              <a:buChar char="•"/>
+              <a:defRPr sz="1600" kern="1200">
+                <a:solidFill>
+                  <a:schemeClr val="tx2"/>
+                </a:solidFill>
+                <a:latin typeface="+mn-lt"/>
+                <a:ea typeface="+mn-ea"/>
+                <a:cs typeface="+mn-cs"/>
+              </a:defRPr>
+            </a:lvl4pPr>
+            <a:lvl5pPr marL="630000" indent="-270000" algn="l" defTabSz="914400" rtl="0" eaLnBrk="1" latinLnBrk="0" hangingPunct="1">
+              <a:lnSpc>
+                <a:spcPct val="90000"/>
+              </a:lnSpc>
+              <a:spcBef>
+                <a:spcPts val="1000"/>
+              </a:spcBef>
+              <a:buFont typeface="Arial" panose="020B0604020202020204" pitchFamily="34" charset="0"/>
+              <a:buChar char="•"/>
+              <a:defRPr sz="1600" kern="1200">
+                <a:solidFill>
+                  <a:schemeClr val="tx2"/>
+                </a:solidFill>
+                <a:latin typeface="+mn-lt"/>
+                <a:ea typeface="+mn-ea"/>
+                <a:cs typeface="+mn-cs"/>
+              </a:defRPr>
+            </a:lvl5pPr>
+            <a:lvl6pPr marL="2514600" indent="-228600" algn="l" defTabSz="914400" rtl="0" eaLnBrk="1" latinLnBrk="0" hangingPunct="1">
+              <a:lnSpc>
+                <a:spcPct val="90000"/>
+              </a:lnSpc>
+              <a:spcBef>
+                <a:spcPts val="500"/>
+              </a:spcBef>
+              <a:buFont typeface="Arial" panose="020B0604020202020204" pitchFamily="34" charset="0"/>
+              <a:buChar char="•"/>
+              <a:defRPr sz="1800" kern="1200">
+                <a:solidFill>
+                  <a:schemeClr val="tx1"/>
+                </a:solidFill>
+                <a:latin typeface="+mn-lt"/>
+                <a:ea typeface="+mn-ea"/>
+                <a:cs typeface="+mn-cs"/>
+              </a:defRPr>
+            </a:lvl6pPr>
+            <a:lvl7pPr marL="2971800" indent="-228600" algn="l" defTabSz="914400" rtl="0" eaLnBrk="1" latinLnBrk="0" hangingPunct="1">
+              <a:lnSpc>
+                <a:spcPct val="90000"/>
+              </a:lnSpc>
+              <a:spcBef>
+                <a:spcPts val="500"/>
+              </a:spcBef>
+              <a:buFont typeface="Arial" panose="020B0604020202020204" pitchFamily="34" charset="0"/>
+              <a:buChar char="•"/>
+              <a:defRPr sz="1800" kern="1200">
+                <a:solidFill>
+                  <a:schemeClr val="tx1"/>
+                </a:solidFill>
+                <a:latin typeface="+mn-lt"/>
+                <a:ea typeface="+mn-ea"/>
+                <a:cs typeface="+mn-cs"/>
+              </a:defRPr>
+            </a:lvl7pPr>
+            <a:lvl8pPr marL="3429000" indent="-228600" algn="l" defTabSz="914400" rtl="0" eaLnBrk="1" latinLnBrk="0" hangingPunct="1">
+              <a:lnSpc>
+                <a:spcPct val="90000"/>
+              </a:lnSpc>
+              <a:spcBef>
+                <a:spcPts val="500"/>
+              </a:spcBef>
+              <a:buFont typeface="Arial" panose="020B0604020202020204" pitchFamily="34" charset="0"/>
+              <a:buChar char="•"/>
+              <a:defRPr sz="1800" kern="1200">
+                <a:solidFill>
+                  <a:schemeClr val="tx1"/>
+                </a:solidFill>
+                <a:latin typeface="+mn-lt"/>
+                <a:ea typeface="+mn-ea"/>
+                <a:cs typeface="+mn-cs"/>
+              </a:defRPr>
+            </a:lvl8pPr>
+            <a:lvl9pPr marL="3886200" indent="-228600" algn="l" defTabSz="914400" rtl="0" eaLnBrk="1" latinLnBrk="0" hangingPunct="1">
+              <a:lnSpc>
+                <a:spcPct val="90000"/>
+              </a:lnSpc>
+              <a:spcBef>
+                <a:spcPts val="500"/>
+              </a:spcBef>
+              <a:buFont typeface="Arial" panose="020B0604020202020204" pitchFamily="34" charset="0"/>
+              <a:buChar char="•"/>
+              <a:defRPr sz="1800" kern="1200">
+                <a:solidFill>
+                  <a:schemeClr val="tx1"/>
+                </a:solidFill>
+                <a:latin typeface="+mn-lt"/>
+                <a:ea typeface="+mn-ea"/>
+                <a:cs typeface="+mn-cs"/>
+              </a:defRPr>
+            </a:lvl9pPr>
+          </a:lstStyle>
+          <a:p>
+            <a:pPr marL="0" indent="0" algn="ctr">
+              <a:spcBef>
+                <a:spcPts val="600"/>
+              </a:spcBef>
+              <a:buNone/>
+            </a:pPr>
+            <a:r>
+              <a:rPr lang="fr-FR" sz="1800" dirty="0">
+                <a:ea typeface="+mn-lt"/>
+                <a:cs typeface="+mn-lt"/>
+              </a:rPr>
+              <a:t>Routing</a:t>
+            </a:r>
+            <a:endParaRPr lang="fr-FR" sz="1600" dirty="0">
+              <a:ea typeface="+mn-lt"/>
+              <a:cs typeface="+mn-lt"/>
+            </a:endParaRPr>
+          </a:p>
+          <a:p>
+            <a:pPr marL="288000" indent="-216000">
+              <a:spcBef>
+                <a:spcPts val="0"/>
+              </a:spcBef>
+            </a:pPr>
+            <a:r>
+              <a:rPr lang="en-US" sz="1400" dirty="0">
+                <a:solidFill>
+                  <a:schemeClr val="tx2"/>
+                </a:solidFill>
+                <a:hlinkClick r:id="rId13"/>
+              </a:rPr>
+              <a:t>Blazor</a:t>
+            </a:r>
+            <a:r>
+              <a:rPr lang="en-US" sz="1400" b="0" dirty="0">
+                <a:solidFill>
+                  <a:schemeClr val="tx2"/>
+                </a:solidFill>
+              </a:rPr>
+              <a:t> (Tutorial. </a:t>
+            </a:r>
+            <a:r>
+              <a:rPr lang="fr-LU" sz="1400" dirty="0">
+                <a:solidFill>
+                  <a:schemeClr val="tx2"/>
+                </a:solidFill>
+                <a:hlinkClick r:id="rId14"/>
+              </a:rPr>
+              <a:t>Codemaze</a:t>
+            </a:r>
+            <a:r>
+              <a:rPr lang="fr-LU" sz="1400" b="0" dirty="0">
+                <a:solidFill>
+                  <a:schemeClr val="tx2"/>
+                </a:solidFill>
+              </a:rPr>
+              <a:t>)</a:t>
+            </a:r>
+            <a:endParaRPr lang="en-US" sz="1400" b="0" dirty="0">
+              <a:solidFill>
+                <a:schemeClr val="tx2"/>
+              </a:solidFill>
+            </a:endParaRPr>
+          </a:p>
+          <a:p>
+            <a:pPr marL="288000" indent="-216000">
+              <a:spcBef>
+                <a:spcPts val="0"/>
+              </a:spcBef>
+            </a:pPr>
+            <a:r>
+              <a:rPr lang="en-US" sz="1400" b="0" dirty="0">
+                <a:solidFill>
+                  <a:schemeClr val="tx2"/>
+                </a:solidFill>
+              </a:rPr>
+              <a:t>Blazor </a:t>
+            </a:r>
+            <a:r>
+              <a:rPr lang="fr-LU" sz="1400" b="0" dirty="0">
+                <a:solidFill>
+                  <a:schemeClr val="tx2"/>
+                </a:solidFill>
+              </a:rPr>
+              <a:t>@page '&lt;route&gt;’</a:t>
+            </a:r>
+          </a:p>
+        </p:txBody>
+      </p:sp>
+      <p:sp>
+        <p:nvSpPr>
+          <p:cNvPr id="20" name="Espace réservé du texte 9">
+            <a:extLst>
+              <a:ext uri="{FF2B5EF4-FFF2-40B4-BE49-F238E27FC236}">
+                <a16:creationId xmlns:a16="http://schemas.microsoft.com/office/drawing/2014/main" id="{436E1811-4ABF-6294-B6E5-F9C7F6BCA097}"/>
+              </a:ext>
+            </a:extLst>
+          </p:cNvPr>
+          <p:cNvSpPr txBox="1">
+            <a:spLocks/>
+          </p:cNvSpPr>
+          <p:nvPr/>
+        </p:nvSpPr>
+        <p:spPr>
+          <a:xfrm>
+            <a:off x="8502901" y="2435362"/>
+            <a:ext cx="2662723" cy="1482045"/>
+          </a:xfrm>
+          <a:prstGeom prst="roundRect">
+            <a:avLst>
+              <a:gd name="adj" fmla="val 11216"/>
+            </a:avLst>
+          </a:prstGeom>
+          <a:ln w="15875">
+            <a:solidFill>
+              <a:schemeClr val="accent1"/>
+            </a:solidFill>
+          </a:ln>
+        </p:spPr>
+        <p:txBody>
+          <a:bodyPr vert="horz" lIns="0" tIns="0" rIns="0" bIns="0" rtlCol="0" anchor="t">
+            <a:noAutofit/>
+          </a:bodyPr>
+          <a:lstStyle>
+            <a:lvl1pPr marL="360000" indent="-360000" algn="l" defTabSz="914400" rtl="0" eaLnBrk="1" latinLnBrk="0" hangingPunct="1">
+              <a:lnSpc>
+                <a:spcPct val="90000"/>
+              </a:lnSpc>
+              <a:spcBef>
+                <a:spcPts val="1000"/>
+              </a:spcBef>
+              <a:buFont typeface="Arial" panose="020B0604020202020204" pitchFamily="34" charset="0"/>
+              <a:buChar char="•"/>
+              <a:defRPr sz="2000" b="1" kern="1200">
+                <a:solidFill>
+                  <a:schemeClr val="tx1"/>
+                </a:solidFill>
+                <a:latin typeface="+mn-lt"/>
+                <a:ea typeface="+mn-ea"/>
+                <a:cs typeface="+mn-cs"/>
+              </a:defRPr>
+            </a:lvl1pPr>
+            <a:lvl2pPr marL="648000" indent="-360000" algn="l" defTabSz="914400" rtl="0" eaLnBrk="1" latinLnBrk="0" hangingPunct="1">
+              <a:lnSpc>
+                <a:spcPct val="90000"/>
+              </a:lnSpc>
+              <a:spcBef>
+                <a:spcPts val="1200"/>
+              </a:spcBef>
+              <a:buFont typeface="Arial" panose="020B0604020202020204" pitchFamily="34" charset="0"/>
+              <a:buChar char="•"/>
+              <a:defRPr sz="1800" b="1" kern="1200">
+                <a:solidFill>
+                  <a:schemeClr val="tx2"/>
+                </a:solidFill>
+                <a:latin typeface="+mn-lt"/>
+                <a:ea typeface="+mn-ea"/>
+                <a:cs typeface="+mn-cs"/>
+              </a:defRPr>
+            </a:lvl2pPr>
+            <a:lvl3pPr marL="648000" indent="-360000" algn="l" defTabSz="914400" rtl="0" eaLnBrk="1" latinLnBrk="0" hangingPunct="1">
+              <a:lnSpc>
+                <a:spcPct val="90000"/>
+              </a:lnSpc>
+              <a:spcBef>
+                <a:spcPts val="1200"/>
+              </a:spcBef>
+              <a:buFont typeface="Arial" panose="020B0604020202020204" pitchFamily="34" charset="0"/>
+              <a:buChar char="•"/>
+              <a:defRPr sz="1800" b="1" kern="1200">
+                <a:solidFill>
+                  <a:schemeClr val="bg1">
+                    <a:lumMod val="65000"/>
+                  </a:schemeClr>
+                </a:solidFill>
+                <a:latin typeface="+mn-lt"/>
+                <a:ea typeface="+mn-ea"/>
+                <a:cs typeface="+mn-cs"/>
+              </a:defRPr>
+            </a:lvl3pPr>
+            <a:lvl4pPr marL="720000" indent="-270000" algn="l" defTabSz="914400" rtl="0" eaLnBrk="1" latinLnBrk="0" hangingPunct="1">
+              <a:lnSpc>
+                <a:spcPct val="90000"/>
+              </a:lnSpc>
+              <a:spcBef>
+                <a:spcPts val="1000"/>
+              </a:spcBef>
+              <a:buFont typeface="Arial" panose="020B0604020202020204" pitchFamily="34" charset="0"/>
+              <a:buChar char="•"/>
+              <a:defRPr sz="1600" kern="1200">
+                <a:solidFill>
+                  <a:schemeClr val="tx2"/>
+                </a:solidFill>
+                <a:latin typeface="+mn-lt"/>
+                <a:ea typeface="+mn-ea"/>
+                <a:cs typeface="+mn-cs"/>
+              </a:defRPr>
+            </a:lvl4pPr>
+            <a:lvl5pPr marL="630000" indent="-270000" algn="l" defTabSz="914400" rtl="0" eaLnBrk="1" latinLnBrk="0" hangingPunct="1">
+              <a:lnSpc>
+                <a:spcPct val="90000"/>
+              </a:lnSpc>
+              <a:spcBef>
+                <a:spcPts val="1000"/>
+              </a:spcBef>
+              <a:buFont typeface="Arial" panose="020B0604020202020204" pitchFamily="34" charset="0"/>
+              <a:buChar char="•"/>
+              <a:defRPr sz="1600" kern="1200">
+                <a:solidFill>
+                  <a:schemeClr val="tx2"/>
+                </a:solidFill>
+                <a:latin typeface="+mn-lt"/>
+                <a:ea typeface="+mn-ea"/>
+                <a:cs typeface="+mn-cs"/>
+              </a:defRPr>
+            </a:lvl5pPr>
+            <a:lvl6pPr marL="2514600" indent="-228600" algn="l" defTabSz="914400" rtl="0" eaLnBrk="1" latinLnBrk="0" hangingPunct="1">
+              <a:lnSpc>
+                <a:spcPct val="90000"/>
+              </a:lnSpc>
+              <a:spcBef>
+                <a:spcPts val="500"/>
+              </a:spcBef>
+              <a:buFont typeface="Arial" panose="020B0604020202020204" pitchFamily="34" charset="0"/>
+              <a:buChar char="•"/>
+              <a:defRPr sz="1800" kern="1200">
+                <a:solidFill>
+                  <a:schemeClr val="tx1"/>
+                </a:solidFill>
+                <a:latin typeface="+mn-lt"/>
+                <a:ea typeface="+mn-ea"/>
+                <a:cs typeface="+mn-cs"/>
+              </a:defRPr>
+            </a:lvl6pPr>
+            <a:lvl7pPr marL="2971800" indent="-228600" algn="l" defTabSz="914400" rtl="0" eaLnBrk="1" latinLnBrk="0" hangingPunct="1">
+              <a:lnSpc>
+                <a:spcPct val="90000"/>
+              </a:lnSpc>
+              <a:spcBef>
+                <a:spcPts val="500"/>
+              </a:spcBef>
+              <a:buFont typeface="Arial" panose="020B0604020202020204" pitchFamily="34" charset="0"/>
+              <a:buChar char="•"/>
+              <a:defRPr sz="1800" kern="1200">
+                <a:solidFill>
+                  <a:schemeClr val="tx1"/>
+                </a:solidFill>
+                <a:latin typeface="+mn-lt"/>
+                <a:ea typeface="+mn-ea"/>
+                <a:cs typeface="+mn-cs"/>
+              </a:defRPr>
+            </a:lvl7pPr>
+            <a:lvl8pPr marL="3429000" indent="-228600" algn="l" defTabSz="914400" rtl="0" eaLnBrk="1" latinLnBrk="0" hangingPunct="1">
+              <a:lnSpc>
+                <a:spcPct val="90000"/>
+              </a:lnSpc>
+              <a:spcBef>
+                <a:spcPts val="500"/>
+              </a:spcBef>
+              <a:buFont typeface="Arial" panose="020B0604020202020204" pitchFamily="34" charset="0"/>
+              <a:buChar char="•"/>
+              <a:defRPr sz="1800" kern="1200">
+                <a:solidFill>
+                  <a:schemeClr val="tx1"/>
+                </a:solidFill>
+                <a:latin typeface="+mn-lt"/>
+                <a:ea typeface="+mn-ea"/>
+                <a:cs typeface="+mn-cs"/>
+              </a:defRPr>
+            </a:lvl8pPr>
+            <a:lvl9pPr marL="3886200" indent="-228600" algn="l" defTabSz="914400" rtl="0" eaLnBrk="1" latinLnBrk="0" hangingPunct="1">
+              <a:lnSpc>
+                <a:spcPct val="90000"/>
+              </a:lnSpc>
+              <a:spcBef>
+                <a:spcPts val="500"/>
+              </a:spcBef>
+              <a:buFont typeface="Arial" panose="020B0604020202020204" pitchFamily="34" charset="0"/>
+              <a:buChar char="•"/>
+              <a:defRPr sz="1800" kern="1200">
+                <a:solidFill>
+                  <a:schemeClr val="tx1"/>
+                </a:solidFill>
+                <a:latin typeface="+mn-lt"/>
+                <a:ea typeface="+mn-ea"/>
+                <a:cs typeface="+mn-cs"/>
+              </a:defRPr>
+            </a:lvl9pPr>
+          </a:lstStyle>
+          <a:p>
+            <a:pPr marL="0" indent="0" algn="ctr">
+              <a:spcBef>
+                <a:spcPts val="300"/>
+              </a:spcBef>
+              <a:buFont typeface="Arial" panose="020B0604020202020204" pitchFamily="34" charset="0"/>
+              <a:buNone/>
+            </a:pPr>
+            <a:r>
+              <a:rPr lang="fr-FR" sz="1600" dirty="0"/>
+              <a:t>Pattern</a:t>
+            </a:r>
+            <a:endParaRPr lang="fr-FR" sz="1400" dirty="0"/>
+          </a:p>
+          <a:p>
+            <a:pPr marL="72000" indent="0" algn="ctr">
+              <a:spcBef>
+                <a:spcPts val="300"/>
+              </a:spcBef>
+              <a:buNone/>
+            </a:pPr>
+            <a:r>
+              <a:rPr lang="fr-FR" sz="1400" dirty="0">
+                <a:solidFill>
+                  <a:schemeClr val="tx2"/>
+                </a:solidFill>
+                <a:ea typeface="+mn-lt"/>
+                <a:cs typeface="+mn-lt"/>
+              </a:rPr>
+              <a:t>Service Injection</a:t>
+            </a:r>
+          </a:p>
+          <a:p>
+            <a:pPr marL="72000" indent="0" algn="ctr">
+              <a:spcBef>
+                <a:spcPts val="300"/>
+              </a:spcBef>
+              <a:buNone/>
+            </a:pPr>
+            <a:r>
+              <a:rPr lang="fr-FR" sz="1400" dirty="0">
+                <a:solidFill>
+                  <a:schemeClr val="tx2"/>
+                </a:solidFill>
+                <a:ea typeface="+mn-lt"/>
+                <a:cs typeface="+mn-lt"/>
+              </a:rPr>
+              <a:t>@using &amp; _Import.</a:t>
+            </a:r>
+          </a:p>
+          <a:p>
+            <a:pPr marL="72000" indent="0" algn="ctr">
+              <a:spcBef>
+                <a:spcPts val="300"/>
+              </a:spcBef>
+              <a:buNone/>
+            </a:pPr>
+            <a:r>
+              <a:rPr lang="fr-FR" sz="1400" dirty="0" err="1">
+                <a:solidFill>
+                  <a:schemeClr val="tx2"/>
+                </a:solidFill>
+                <a:ea typeface="+mn-lt"/>
+                <a:cs typeface="+mn-lt"/>
+                <a:hlinkClick r:id="rId15"/>
+              </a:rPr>
+              <a:t>JsInterop</a:t>
+            </a:r>
+            <a:endParaRPr lang="fr-FR" sz="1400" dirty="0">
+              <a:solidFill>
+                <a:schemeClr val="tx2"/>
+              </a:solidFill>
+              <a:ea typeface="+mn-lt"/>
+              <a:cs typeface="+mn-lt"/>
+            </a:endParaRPr>
+          </a:p>
+          <a:p>
+            <a:pPr marL="72000" indent="0" algn="ctr">
+              <a:spcBef>
+                <a:spcPts val="300"/>
+              </a:spcBef>
+              <a:buNone/>
+            </a:pPr>
+            <a:r>
+              <a:rPr lang="fr-FR" sz="1400" dirty="0">
+                <a:solidFill>
+                  <a:schemeClr val="tx2"/>
+                </a:solidFill>
+                <a:ea typeface="+mn-lt"/>
+                <a:cs typeface="+mn-lt"/>
+                <a:hlinkClick r:id="rId16"/>
+              </a:rPr>
+              <a:t>Real Time Server To Client (SignalR)</a:t>
+            </a:r>
+            <a:endParaRPr lang="fr-FR" sz="1400" dirty="0">
+              <a:solidFill>
+                <a:schemeClr val="tx2"/>
+              </a:solidFill>
+              <a:ea typeface="+mn-lt"/>
+              <a:cs typeface="+mn-lt"/>
+            </a:endParaRPr>
+          </a:p>
+        </p:txBody>
+      </p:sp>
+    </p:spTree>
+    <p:extLst>
+      <p:ext uri="{BB962C8B-B14F-4D97-AF65-F5344CB8AC3E}">
+        <p14:creationId xmlns:p14="http://schemas.microsoft.com/office/powerpoint/2010/main" val="375356878"/>
+      </p:ext>
+    </p:extLst>
+  </p:cSld>
+  <p:clrMapOvr>
+    <a:masterClrMapping/>
+  </p:clrMapOvr>
+</p:sld>
+</file>
+
+<file path=ppt/slides/slide11.xml><?xml version="1.0" encoding="utf-8"?>
+<p:sld xmlns:a="http://schemas.openxmlformats.org/drawingml/2006/main" xmlns:r="http://schemas.openxmlformats.org/officeDocument/2006/relationships" xmlns:p="http://schemas.openxmlformats.org/presentationml/2006/main">
+  <p:cSld>
+    <p:spTree>
+      <p:nvGrpSpPr>
+        <p:cNvPr id="1" name=""/>
+        <p:cNvGrpSpPr/>
+        <p:nvPr/>
+      </p:nvGrpSpPr>
+      <p:grpSpPr>
+        <a:xfrm>
+          <a:off x="0" y="0"/>
+          <a:ext cx="0" cy="0"/>
+          <a:chOff x="0" y="0"/>
+          <a:chExt cx="0" cy="0"/>
+        </a:xfrm>
+      </p:grpSpPr>
+      <p:sp>
+        <p:nvSpPr>
+          <p:cNvPr id="6" name="Espace réservé du numéro de diapositive 5">
+            <a:extLst>
+              <a:ext uri="{FF2B5EF4-FFF2-40B4-BE49-F238E27FC236}">
+                <a16:creationId xmlns:a16="http://schemas.microsoft.com/office/drawing/2014/main" id="{4576F49A-6A7E-470D-82F5-6D36342DDF17}"/>
+              </a:ext>
+            </a:extLst>
+          </p:cNvPr>
+          <p:cNvSpPr>
+            <a:spLocks noGrp="1"/>
+          </p:cNvSpPr>
+          <p:nvPr>
+            <p:ph type="sldNum" sz="quarter" idx="10"/>
+          </p:nvPr>
+        </p:nvSpPr>
+        <p:spPr/>
+        <p:txBody>
+          <a:bodyPr/>
+          <a:lstStyle/>
+          <a:p>
+            <a:fld id="{E14D0CC5-784E-4B7E-B9F4-EE71C08DA69C}" type="slidenum">
+              <a:rPr lang="fr-FR" smtClean="0"/>
+              <a:t>11</a:t>
+            </a:fld>
+            <a:endParaRPr lang="fr-FR"/>
+          </a:p>
+        </p:txBody>
+      </p:sp>
+      <p:sp>
+        <p:nvSpPr>
+          <p:cNvPr id="7" name="Espace réservé du texte 6">
+            <a:extLst>
+              <a:ext uri="{FF2B5EF4-FFF2-40B4-BE49-F238E27FC236}">
+                <a16:creationId xmlns:a16="http://schemas.microsoft.com/office/drawing/2014/main" id="{BC9C685F-33E7-44F5-9E08-33C92172C97D}"/>
+              </a:ext>
+            </a:extLst>
+          </p:cNvPr>
+          <p:cNvSpPr>
+            <a:spLocks noGrp="1"/>
+          </p:cNvSpPr>
+          <p:nvPr>
+            <p:ph type="body" sz="quarter" idx="16"/>
+          </p:nvPr>
+        </p:nvSpPr>
+        <p:spPr/>
+        <p:txBody>
+          <a:bodyPr/>
+          <a:lstStyle/>
+          <a:p>
+            <a:r>
+              <a:rPr lang="fr-FR">
+                <a:latin typeface="Arial"/>
+                <a:cs typeface="Arial"/>
+              </a:rPr>
+              <a:t>.Net</a:t>
+            </a:r>
+            <a:endParaRPr lang="fr-FR" dirty="0"/>
+          </a:p>
+        </p:txBody>
+      </p:sp>
+      <p:sp>
+        <p:nvSpPr>
+          <p:cNvPr id="2" name="Titre 1">
+            <a:extLst>
+              <a:ext uri="{FF2B5EF4-FFF2-40B4-BE49-F238E27FC236}">
+                <a16:creationId xmlns:a16="http://schemas.microsoft.com/office/drawing/2014/main" id="{81B4020D-2DE6-4B6C-822C-676A9E68ECFA}"/>
+              </a:ext>
+            </a:extLst>
+          </p:cNvPr>
+          <p:cNvSpPr>
+            <a:spLocks noGrp="1"/>
+          </p:cNvSpPr>
+          <p:nvPr>
+            <p:ph type="title"/>
+          </p:nvPr>
+        </p:nvSpPr>
+        <p:spPr/>
+        <p:txBody>
+          <a:bodyPr/>
+          <a:lstStyle/>
+          <a:p>
+            <a:r>
+              <a:rPr lang="fr-FR" sz="3600" dirty="0"/>
+              <a:t>C#</a:t>
+            </a:r>
+            <a:endParaRPr lang="fr-LU" dirty="0"/>
+          </a:p>
+        </p:txBody>
+      </p:sp>
+      <p:sp>
+        <p:nvSpPr>
+          <p:cNvPr id="14" name="Espace réservé du pied de page 5">
+            <a:extLst>
+              <a:ext uri="{FF2B5EF4-FFF2-40B4-BE49-F238E27FC236}">
+                <a16:creationId xmlns:a16="http://schemas.microsoft.com/office/drawing/2014/main" id="{70578D5F-6465-4780-BC67-4A5616A81F4F}"/>
+              </a:ext>
+            </a:extLst>
+          </p:cNvPr>
+          <p:cNvSpPr>
+            <a:spLocks noGrp="1"/>
+          </p:cNvSpPr>
+          <p:nvPr>
+            <p:ph type="ftr" sz="quarter" idx="3"/>
+          </p:nvPr>
+        </p:nvSpPr>
+        <p:spPr>
+          <a:xfrm>
+            <a:off x="838200" y="6127749"/>
+            <a:ext cx="2064798" cy="365125"/>
+          </a:xfrm>
+          <a:prstGeom prst="roundRect">
+            <a:avLst>
+              <a:gd name="adj" fmla="val 33687"/>
+            </a:avLst>
+          </a:prstGeom>
+          <a:ln w="19050">
+            <a:solidFill>
+              <a:schemeClr val="tx1"/>
+            </a:solidFill>
+          </a:ln>
+        </p:spPr>
+        <p:txBody>
+          <a:bodyPr vert="horz" lIns="91440" tIns="45720" rIns="91440" bIns="45720" rtlCol="0" anchor="ctr"/>
+          <a:lstStyle>
+            <a:lvl1pPr algn="ctr">
+              <a:defRPr lang="fr-FR" sz="1400" b="0" kern="1200" dirty="0" err="1">
+                <a:solidFill>
+                  <a:schemeClr val="tx2"/>
+                </a:solidFill>
+                <a:latin typeface="+mn-lt"/>
+                <a:ea typeface="+mn-ea"/>
+                <a:cs typeface="+mn-cs"/>
+              </a:defRPr>
+            </a:lvl1pPr>
+          </a:lstStyle>
+          <a:p>
+            <a:r>
+              <a:rPr lang="fr-LU"/>
+              <a:t>Unlocked By | K</a:t>
+            </a:r>
+            <a:endParaRPr lang="fr-FR"/>
+          </a:p>
+        </p:txBody>
+      </p:sp>
+      <p:sp>
+        <p:nvSpPr>
+          <p:cNvPr id="11" name="Espace réservé du texte 9">
+            <a:extLst>
+              <a:ext uri="{FF2B5EF4-FFF2-40B4-BE49-F238E27FC236}">
+                <a16:creationId xmlns:a16="http://schemas.microsoft.com/office/drawing/2014/main" id="{2465017E-9027-48E7-8371-14CBF17D2DC0}"/>
+              </a:ext>
+            </a:extLst>
+          </p:cNvPr>
+          <p:cNvSpPr txBox="1">
+            <a:spLocks/>
+          </p:cNvSpPr>
+          <p:nvPr/>
+        </p:nvSpPr>
+        <p:spPr>
+          <a:xfrm>
+            <a:off x="838200" y="1085570"/>
+            <a:ext cx="2750758" cy="4889103"/>
+          </a:xfrm>
+          <a:prstGeom prst="roundRect">
+            <a:avLst>
+              <a:gd name="adj" fmla="val 7901"/>
+            </a:avLst>
+          </a:prstGeom>
+          <a:ln w="15875">
+            <a:solidFill>
+              <a:schemeClr val="accent1"/>
+            </a:solidFill>
+          </a:ln>
+        </p:spPr>
+        <p:txBody>
+          <a:bodyPr vert="horz" lIns="0" tIns="0" rIns="0" bIns="0" rtlCol="0">
+            <a:noAutofit/>
+          </a:bodyPr>
+          <a:lstStyle>
+            <a:lvl1pPr marL="360000" indent="-360000" algn="l" defTabSz="914400" rtl="0" eaLnBrk="1" latinLnBrk="0" hangingPunct="1">
+              <a:lnSpc>
+                <a:spcPct val="90000"/>
+              </a:lnSpc>
+              <a:spcBef>
+                <a:spcPts val="1000"/>
+              </a:spcBef>
+              <a:buFont typeface="Arial" panose="020B0604020202020204" pitchFamily="34" charset="0"/>
+              <a:buChar char="•"/>
+              <a:defRPr sz="2000" b="1" kern="1200">
+                <a:solidFill>
+                  <a:schemeClr val="tx1"/>
+                </a:solidFill>
+                <a:latin typeface="+mn-lt"/>
+                <a:ea typeface="+mn-ea"/>
+                <a:cs typeface="+mn-cs"/>
+              </a:defRPr>
+            </a:lvl1pPr>
+            <a:lvl2pPr marL="648000" indent="-360000" algn="l" defTabSz="914400" rtl="0" eaLnBrk="1" latinLnBrk="0" hangingPunct="1">
+              <a:lnSpc>
+                <a:spcPct val="90000"/>
+              </a:lnSpc>
+              <a:spcBef>
+                <a:spcPts val="1200"/>
+              </a:spcBef>
+              <a:buFont typeface="Arial" panose="020B0604020202020204" pitchFamily="34" charset="0"/>
+              <a:buChar char="•"/>
+              <a:defRPr sz="1800" b="1" kern="1200">
+                <a:solidFill>
+                  <a:schemeClr val="tx2"/>
+                </a:solidFill>
+                <a:latin typeface="+mn-lt"/>
+                <a:ea typeface="+mn-ea"/>
+                <a:cs typeface="+mn-cs"/>
+              </a:defRPr>
+            </a:lvl2pPr>
+            <a:lvl3pPr marL="648000" indent="-360000" algn="l" defTabSz="914400" rtl="0" eaLnBrk="1" latinLnBrk="0" hangingPunct="1">
+              <a:lnSpc>
+                <a:spcPct val="90000"/>
+              </a:lnSpc>
+              <a:spcBef>
+                <a:spcPts val="1200"/>
+              </a:spcBef>
+              <a:buFont typeface="Arial" panose="020B0604020202020204" pitchFamily="34" charset="0"/>
+              <a:buChar char="•"/>
+              <a:defRPr sz="1800" b="1" kern="1200">
+                <a:solidFill>
+                  <a:schemeClr val="bg1">
+                    <a:lumMod val="65000"/>
+                  </a:schemeClr>
+                </a:solidFill>
+                <a:latin typeface="+mn-lt"/>
+                <a:ea typeface="+mn-ea"/>
+                <a:cs typeface="+mn-cs"/>
+              </a:defRPr>
+            </a:lvl3pPr>
+            <a:lvl4pPr marL="720000" indent="-270000" algn="l" defTabSz="914400" rtl="0" eaLnBrk="1" latinLnBrk="0" hangingPunct="1">
+              <a:lnSpc>
+                <a:spcPct val="90000"/>
+              </a:lnSpc>
+              <a:spcBef>
+                <a:spcPts val="1000"/>
+              </a:spcBef>
+              <a:buFont typeface="Arial" panose="020B0604020202020204" pitchFamily="34" charset="0"/>
+              <a:buChar char="•"/>
+              <a:defRPr sz="1600" kern="1200">
+                <a:solidFill>
+                  <a:schemeClr val="tx2"/>
+                </a:solidFill>
+                <a:latin typeface="+mn-lt"/>
+                <a:ea typeface="+mn-ea"/>
+                <a:cs typeface="+mn-cs"/>
+              </a:defRPr>
+            </a:lvl4pPr>
+            <a:lvl5pPr marL="630000" indent="-270000" algn="l" defTabSz="914400" rtl="0" eaLnBrk="1" latinLnBrk="0" hangingPunct="1">
+              <a:lnSpc>
+                <a:spcPct val="90000"/>
+              </a:lnSpc>
+              <a:spcBef>
+                <a:spcPts val="1000"/>
+              </a:spcBef>
+              <a:buFont typeface="Arial" panose="020B0604020202020204" pitchFamily="34" charset="0"/>
+              <a:buChar char="•"/>
+              <a:defRPr sz="1600" kern="1200">
+                <a:solidFill>
+                  <a:schemeClr val="tx2"/>
+                </a:solidFill>
+                <a:latin typeface="+mn-lt"/>
+                <a:ea typeface="+mn-ea"/>
+                <a:cs typeface="+mn-cs"/>
+              </a:defRPr>
+            </a:lvl5pPr>
+            <a:lvl6pPr marL="2514600" indent="-228600" algn="l" defTabSz="914400" rtl="0" eaLnBrk="1" latinLnBrk="0" hangingPunct="1">
+              <a:lnSpc>
+                <a:spcPct val="90000"/>
+              </a:lnSpc>
+              <a:spcBef>
+                <a:spcPts val="500"/>
+              </a:spcBef>
+              <a:buFont typeface="Arial" panose="020B0604020202020204" pitchFamily="34" charset="0"/>
+              <a:buChar char="•"/>
+              <a:defRPr sz="1800" kern="1200">
+                <a:solidFill>
+                  <a:schemeClr val="tx1"/>
+                </a:solidFill>
+                <a:latin typeface="+mn-lt"/>
+                <a:ea typeface="+mn-ea"/>
+                <a:cs typeface="+mn-cs"/>
+              </a:defRPr>
+            </a:lvl6pPr>
+            <a:lvl7pPr marL="2971800" indent="-228600" algn="l" defTabSz="914400" rtl="0" eaLnBrk="1" latinLnBrk="0" hangingPunct="1">
+              <a:lnSpc>
+                <a:spcPct val="90000"/>
+              </a:lnSpc>
+              <a:spcBef>
+                <a:spcPts val="500"/>
+              </a:spcBef>
+              <a:buFont typeface="Arial" panose="020B0604020202020204" pitchFamily="34" charset="0"/>
+              <a:buChar char="•"/>
+              <a:defRPr sz="1800" kern="1200">
+                <a:solidFill>
+                  <a:schemeClr val="tx1"/>
+                </a:solidFill>
+                <a:latin typeface="+mn-lt"/>
+                <a:ea typeface="+mn-ea"/>
+                <a:cs typeface="+mn-cs"/>
+              </a:defRPr>
+            </a:lvl7pPr>
+            <a:lvl8pPr marL="3429000" indent="-228600" algn="l" defTabSz="914400" rtl="0" eaLnBrk="1" latinLnBrk="0" hangingPunct="1">
+              <a:lnSpc>
+                <a:spcPct val="90000"/>
+              </a:lnSpc>
+              <a:spcBef>
+                <a:spcPts val="500"/>
+              </a:spcBef>
+              <a:buFont typeface="Arial" panose="020B0604020202020204" pitchFamily="34" charset="0"/>
+              <a:buChar char="•"/>
+              <a:defRPr sz="1800" kern="1200">
+                <a:solidFill>
+                  <a:schemeClr val="tx1"/>
+                </a:solidFill>
+                <a:latin typeface="+mn-lt"/>
+                <a:ea typeface="+mn-ea"/>
+                <a:cs typeface="+mn-cs"/>
+              </a:defRPr>
+            </a:lvl8pPr>
+            <a:lvl9pPr marL="3886200" indent="-228600" algn="l" defTabSz="914400" rtl="0" eaLnBrk="1" latinLnBrk="0" hangingPunct="1">
+              <a:lnSpc>
+                <a:spcPct val="90000"/>
+              </a:lnSpc>
+              <a:spcBef>
+                <a:spcPts val="500"/>
+              </a:spcBef>
+              <a:buFont typeface="Arial" panose="020B0604020202020204" pitchFamily="34" charset="0"/>
+              <a:buChar char="•"/>
+              <a:defRPr sz="1800" kern="1200">
+                <a:solidFill>
+                  <a:schemeClr val="tx1"/>
+                </a:solidFill>
+                <a:latin typeface="+mn-lt"/>
+                <a:ea typeface="+mn-ea"/>
+                <a:cs typeface="+mn-cs"/>
+              </a:defRPr>
+            </a:lvl9pPr>
+          </a:lstStyle>
+          <a:p>
+            <a:pPr marL="0" indent="0" algn="ctr">
+              <a:buFont typeface="Arial" panose="020B0604020202020204" pitchFamily="34" charset="0"/>
+              <a:buNone/>
+            </a:pPr>
+            <a:r>
+              <a:rPr lang="fr-FR" sz="1600" dirty="0">
+                <a:ea typeface="+mn-lt"/>
+                <a:cs typeface="+mn-lt"/>
+              </a:rPr>
+              <a:t>Syntax</a:t>
+            </a:r>
+            <a:endParaRPr lang="fr-FR" sz="1600" b="0" dirty="0">
+              <a:ea typeface="+mn-lt"/>
+              <a:cs typeface="+mn-lt"/>
+            </a:endParaRPr>
+          </a:p>
+          <a:p>
+            <a:pPr marL="360000" lvl="3" indent="-288000">
+              <a:spcBef>
+                <a:spcPts val="600"/>
+              </a:spcBef>
+            </a:pPr>
+            <a:r>
+              <a:rPr lang="fr-LU" sz="1400" b="0" dirty="0">
+                <a:solidFill>
+                  <a:schemeClr val="tx2"/>
+                </a:solidFill>
+              </a:rPr>
+              <a:t>Class | Property | Method</a:t>
+            </a:r>
+          </a:p>
+          <a:p>
+            <a:pPr marL="360000" lvl="3" indent="-288000">
+              <a:spcBef>
+                <a:spcPts val="600"/>
+              </a:spcBef>
+            </a:pPr>
+            <a:r>
+              <a:rPr lang="fr-LU" sz="1400" dirty="0"/>
+              <a:t>Record</a:t>
+            </a:r>
+          </a:p>
+          <a:p>
+            <a:pPr marL="360000" lvl="3" indent="-288000">
+              <a:spcBef>
+                <a:spcPts val="600"/>
+              </a:spcBef>
+            </a:pPr>
+            <a:r>
+              <a:rPr lang="fr-LU" sz="1400" b="0" dirty="0">
+                <a:solidFill>
+                  <a:schemeClr val="tx2"/>
+                </a:solidFill>
+              </a:rPr>
+              <a:t>Interface | Inheritance</a:t>
+            </a:r>
+          </a:p>
+          <a:p>
+            <a:pPr marL="360000" lvl="3" indent="-288000">
+              <a:spcBef>
+                <a:spcPts val="600"/>
+              </a:spcBef>
+            </a:pPr>
+            <a:r>
+              <a:rPr lang="fr-LU" sz="1400" b="0" dirty="0">
+                <a:solidFill>
+                  <a:schemeClr val="tx2"/>
+                </a:solidFill>
+              </a:rPr>
+              <a:t>Modifiers (readonly, ?...)</a:t>
+            </a:r>
+          </a:p>
+          <a:p>
+            <a:pPr marL="360000" lvl="3" indent="-288000">
+              <a:spcBef>
+                <a:spcPts val="600"/>
+              </a:spcBef>
+            </a:pPr>
+            <a:r>
+              <a:rPr lang="fr-LU" sz="1400" b="0" dirty="0">
+                <a:solidFill>
+                  <a:schemeClr val="tx2"/>
+                </a:solidFill>
+              </a:rPr>
+              <a:t>Comment</a:t>
+            </a:r>
+          </a:p>
+          <a:p>
+            <a:pPr marL="360000" lvl="3" indent="-288000">
+              <a:spcBef>
+                <a:spcPts val="600"/>
+              </a:spcBef>
+            </a:pPr>
+            <a:r>
+              <a:rPr lang="fr-LU" sz="1400" b="0" dirty="0">
+                <a:solidFill>
+                  <a:schemeClr val="tx2"/>
+                </a:solidFill>
+              </a:rPr>
+              <a:t>C#10 -&gt; 'state </a:t>
+            </a:r>
+            <a:r>
+              <a:rPr lang="fr-LU" sz="1400" b="0" dirty="0" err="1">
+                <a:solidFill>
+                  <a:schemeClr val="tx2"/>
+                </a:solidFill>
+              </a:rPr>
+              <a:t>with</a:t>
+            </a:r>
+            <a:r>
+              <a:rPr lang="fr-LU" sz="1400" b="0" dirty="0">
+                <a:solidFill>
+                  <a:schemeClr val="tx2"/>
+                </a:solidFill>
+              </a:rPr>
+              <a:t> { change }' (</a:t>
+            </a:r>
+            <a:r>
+              <a:rPr lang="fr-LU" sz="1400" b="0" dirty="0" err="1">
+                <a:solidFill>
+                  <a:schemeClr val="tx2"/>
+                </a:solidFill>
+              </a:rPr>
+              <a:t>equiv</a:t>
+            </a:r>
+            <a:r>
+              <a:rPr lang="fr-LU" sz="1400" b="0" dirty="0">
+                <a:solidFill>
+                  <a:schemeClr val="tx2"/>
+                </a:solidFill>
+              </a:rPr>
+              <a:t> JS {...spread, x:change})</a:t>
+            </a:r>
+          </a:p>
+          <a:p>
+            <a:pPr marL="360000" lvl="3" indent="-288000">
+              <a:spcBef>
+                <a:spcPts val="600"/>
+              </a:spcBef>
+            </a:pPr>
+            <a:r>
+              <a:rPr lang="fr-LU" sz="1400" b="1" dirty="0">
+                <a:solidFill>
+                  <a:schemeClr val="tx2"/>
+                </a:solidFill>
+                <a:hlinkClick r:id="rId2"/>
+              </a:rPr>
+              <a:t>Extension Methods</a:t>
+            </a:r>
+            <a:r>
+              <a:rPr lang="fr-LU" sz="1400" b="1" dirty="0">
+                <a:solidFill>
+                  <a:schemeClr val="tx2"/>
+                </a:solidFill>
+              </a:rPr>
+              <a:t> (</a:t>
+            </a:r>
+            <a:r>
+              <a:rPr lang="fr-LU" sz="1400" b="1" dirty="0">
+                <a:solidFill>
+                  <a:schemeClr val="tx2"/>
+                </a:solidFill>
+                <a:hlinkClick r:id="rId3"/>
+              </a:rPr>
+              <a:t>Ex</a:t>
+            </a:r>
+            <a:r>
+              <a:rPr lang="fr-LU" sz="1400" b="1" dirty="0">
+                <a:solidFill>
+                  <a:schemeClr val="tx2"/>
+                </a:solidFill>
+              </a:rPr>
+              <a:t>)</a:t>
+            </a:r>
+          </a:p>
+          <a:p>
+            <a:pPr marL="360000" lvl="3" indent="-288000">
+              <a:spcBef>
+                <a:spcPts val="600"/>
+              </a:spcBef>
+            </a:pPr>
+            <a:r>
+              <a:rPr lang="fr-LU" sz="1400" b="1" dirty="0">
+                <a:ea typeface="+mn-lt"/>
+                <a:cs typeface="+mn-lt"/>
+                <a:hlinkClick r:id="rId4"/>
+              </a:rPr>
+              <a:t>?? Operator</a:t>
+            </a:r>
+            <a:endParaRPr lang="fr-LU" sz="1400" b="1" dirty="0">
+              <a:ea typeface="+mn-lt"/>
+              <a:cs typeface="+mn-lt"/>
+            </a:endParaRPr>
+          </a:p>
+          <a:p>
+            <a:pPr marL="360000" lvl="3" indent="-288000">
+              <a:spcBef>
+                <a:spcPts val="600"/>
+              </a:spcBef>
+            </a:pPr>
+            <a:r>
+              <a:rPr lang="fr-LU" sz="1400" dirty="0">
+                <a:ea typeface="+mn-lt"/>
+                <a:cs typeface="+mn-lt"/>
+              </a:rPr>
+              <a:t>« @ » </a:t>
+            </a:r>
+            <a:r>
+              <a:rPr lang="fr-LU" sz="1400" b="1" dirty="0">
+                <a:ea typeface="+mn-lt"/>
+                <a:cs typeface="+mn-lt"/>
+                <a:hlinkClick r:id="rId5"/>
+              </a:rPr>
+              <a:t>Multi-line string</a:t>
+            </a:r>
+            <a:endParaRPr lang="fr-LU" sz="1400" b="1" dirty="0">
+              <a:ea typeface="+mn-lt"/>
+              <a:cs typeface="+mn-lt"/>
+            </a:endParaRPr>
+          </a:p>
+          <a:p>
+            <a:pPr marL="360000" lvl="3" indent="-288000">
+              <a:spcBef>
+                <a:spcPts val="600"/>
+              </a:spcBef>
+            </a:pPr>
+            <a:r>
+              <a:rPr lang="fr-LU" sz="1400" dirty="0">
+                <a:ea typeface="+mn-lt"/>
+                <a:cs typeface="+mn-lt"/>
+              </a:rPr>
+              <a:t>« $"{var}" » Param string</a:t>
+            </a:r>
+          </a:p>
+          <a:p>
+            <a:pPr marL="360000" lvl="3" indent="-288000">
+              <a:spcBef>
+                <a:spcPts val="600"/>
+              </a:spcBef>
+            </a:pPr>
+            <a:r>
+              <a:rPr lang="fr-LU" sz="1400" b="1" dirty="0">
+                <a:ea typeface="+mn-lt"/>
+                <a:cs typeface="+mn-lt"/>
+                <a:hlinkClick r:id="rId6"/>
+              </a:rPr>
+              <a:t>Async / Await / Task</a:t>
+            </a:r>
+            <a:endParaRPr lang="fr-LU" sz="1400" b="1" dirty="0">
+              <a:ea typeface="+mn-lt"/>
+              <a:cs typeface="+mn-lt"/>
+            </a:endParaRPr>
+          </a:p>
+          <a:p>
+            <a:pPr marL="360000" lvl="3" indent="-288000">
+              <a:spcBef>
+                <a:spcPts val="600"/>
+              </a:spcBef>
+            </a:pPr>
+            <a:r>
+              <a:rPr lang="fr-LU" sz="1400" b="1" dirty="0" err="1">
+                <a:ea typeface="+mn-lt"/>
+                <a:cs typeface="+mn-lt"/>
+                <a:hlinkClick r:id="rId7"/>
+              </a:rPr>
+              <a:t>Enumerable.Aggregate</a:t>
+            </a:r>
+            <a:endParaRPr lang="fr-LU" sz="1400" b="1" dirty="0">
+              <a:ea typeface="+mn-lt"/>
+              <a:cs typeface="+mn-lt"/>
+            </a:endParaRPr>
+          </a:p>
+          <a:p>
+            <a:pPr marL="360000" lvl="3" indent="-288000">
+              <a:spcBef>
+                <a:spcPts val="600"/>
+              </a:spcBef>
+            </a:pPr>
+            <a:r>
+              <a:rPr lang="fr-LU" sz="1400" dirty="0">
+                <a:ea typeface="+mn-lt"/>
+                <a:cs typeface="+mn-lt"/>
+              </a:rPr>
+              <a:t>Linq</a:t>
+            </a:r>
+          </a:p>
+          <a:p>
+            <a:pPr marL="360000" lvl="3" indent="-288000">
+              <a:spcBef>
+                <a:spcPts val="600"/>
+              </a:spcBef>
+            </a:pPr>
+            <a:r>
+              <a:rPr lang="fr-LU" sz="1400" dirty="0" err="1">
+                <a:ea typeface="+mn-lt"/>
+                <a:cs typeface="+mn-lt"/>
+              </a:rPr>
+              <a:t>Throw</a:t>
+            </a:r>
+            <a:r>
+              <a:rPr lang="fr-LU" sz="1400" dirty="0">
+                <a:ea typeface="+mn-lt"/>
+                <a:cs typeface="+mn-lt"/>
+              </a:rPr>
+              <a:t> new </a:t>
+            </a:r>
+            <a:r>
+              <a:rPr lang="fr-LU" sz="1400" dirty="0" err="1">
+                <a:ea typeface="+mn-lt"/>
+                <a:cs typeface="+mn-lt"/>
+              </a:rPr>
+              <a:t>XxxException</a:t>
+            </a:r>
+            <a:endParaRPr lang="fr-FR" sz="1400" dirty="0">
+              <a:ea typeface="+mn-lt"/>
+              <a:cs typeface="+mn-lt"/>
+            </a:endParaRPr>
+          </a:p>
+        </p:txBody>
+      </p:sp>
+      <p:sp>
+        <p:nvSpPr>
+          <p:cNvPr id="10" name="Espace réservé du texte 9">
+            <a:extLst>
+              <a:ext uri="{FF2B5EF4-FFF2-40B4-BE49-F238E27FC236}">
+                <a16:creationId xmlns:a16="http://schemas.microsoft.com/office/drawing/2014/main" id="{0AA9753C-898E-43C6-9CF3-0B013FBEF7A9}"/>
+              </a:ext>
+            </a:extLst>
+          </p:cNvPr>
+          <p:cNvSpPr txBox="1">
+            <a:spLocks/>
+          </p:cNvSpPr>
+          <p:nvPr/>
+        </p:nvSpPr>
+        <p:spPr>
+          <a:xfrm>
+            <a:off x="3757624" y="1085570"/>
+            <a:ext cx="2207747" cy="3255771"/>
+          </a:xfrm>
+          <a:prstGeom prst="roundRect">
+            <a:avLst>
+              <a:gd name="adj" fmla="val 7901"/>
+            </a:avLst>
+          </a:prstGeom>
+          <a:ln w="15875">
+            <a:solidFill>
+              <a:schemeClr val="accent1"/>
+            </a:solidFill>
+          </a:ln>
+        </p:spPr>
+        <p:txBody>
+          <a:bodyPr vert="horz" lIns="0" tIns="0" rIns="0" bIns="0" rtlCol="0">
+            <a:noAutofit/>
+          </a:bodyPr>
+          <a:lstStyle>
+            <a:lvl1pPr marL="360000" indent="-360000" algn="l" defTabSz="914400" rtl="0" eaLnBrk="1" latinLnBrk="0" hangingPunct="1">
+              <a:lnSpc>
+                <a:spcPct val="90000"/>
+              </a:lnSpc>
+              <a:spcBef>
+                <a:spcPts val="1000"/>
+              </a:spcBef>
+              <a:buFont typeface="Arial" panose="020B0604020202020204" pitchFamily="34" charset="0"/>
+              <a:buChar char="•"/>
+              <a:defRPr sz="2000" b="1" kern="1200">
+                <a:solidFill>
+                  <a:schemeClr val="tx1"/>
+                </a:solidFill>
+                <a:latin typeface="+mn-lt"/>
+                <a:ea typeface="+mn-ea"/>
+                <a:cs typeface="+mn-cs"/>
+              </a:defRPr>
+            </a:lvl1pPr>
+            <a:lvl2pPr marL="648000" indent="-360000" algn="l" defTabSz="914400" rtl="0" eaLnBrk="1" latinLnBrk="0" hangingPunct="1">
+              <a:lnSpc>
+                <a:spcPct val="90000"/>
+              </a:lnSpc>
+              <a:spcBef>
+                <a:spcPts val="1200"/>
+              </a:spcBef>
+              <a:buFont typeface="Arial" panose="020B0604020202020204" pitchFamily="34" charset="0"/>
+              <a:buChar char="•"/>
+              <a:defRPr sz="1800" b="1" kern="1200">
+                <a:solidFill>
+                  <a:schemeClr val="tx2"/>
+                </a:solidFill>
+                <a:latin typeface="+mn-lt"/>
+                <a:ea typeface="+mn-ea"/>
+                <a:cs typeface="+mn-cs"/>
+              </a:defRPr>
+            </a:lvl2pPr>
+            <a:lvl3pPr marL="648000" indent="-360000" algn="l" defTabSz="914400" rtl="0" eaLnBrk="1" latinLnBrk="0" hangingPunct="1">
+              <a:lnSpc>
+                <a:spcPct val="90000"/>
+              </a:lnSpc>
+              <a:spcBef>
+                <a:spcPts val="1200"/>
+              </a:spcBef>
+              <a:buFont typeface="Arial" panose="020B0604020202020204" pitchFamily="34" charset="0"/>
+              <a:buChar char="•"/>
+              <a:defRPr sz="1800" b="1" kern="1200">
+                <a:solidFill>
+                  <a:schemeClr val="bg1">
+                    <a:lumMod val="65000"/>
+                  </a:schemeClr>
+                </a:solidFill>
+                <a:latin typeface="+mn-lt"/>
+                <a:ea typeface="+mn-ea"/>
+                <a:cs typeface="+mn-cs"/>
+              </a:defRPr>
+            </a:lvl3pPr>
+            <a:lvl4pPr marL="720000" indent="-270000" algn="l" defTabSz="914400" rtl="0" eaLnBrk="1" latinLnBrk="0" hangingPunct="1">
+              <a:lnSpc>
+                <a:spcPct val="90000"/>
+              </a:lnSpc>
+              <a:spcBef>
+                <a:spcPts val="1000"/>
+              </a:spcBef>
+              <a:buFont typeface="Arial" panose="020B0604020202020204" pitchFamily="34" charset="0"/>
+              <a:buChar char="•"/>
+              <a:defRPr sz="1600" kern="1200">
+                <a:solidFill>
+                  <a:schemeClr val="tx2"/>
+                </a:solidFill>
+                <a:latin typeface="+mn-lt"/>
+                <a:ea typeface="+mn-ea"/>
+                <a:cs typeface="+mn-cs"/>
+              </a:defRPr>
+            </a:lvl4pPr>
+            <a:lvl5pPr marL="630000" indent="-270000" algn="l" defTabSz="914400" rtl="0" eaLnBrk="1" latinLnBrk="0" hangingPunct="1">
+              <a:lnSpc>
+                <a:spcPct val="90000"/>
+              </a:lnSpc>
+              <a:spcBef>
+                <a:spcPts val="1000"/>
+              </a:spcBef>
+              <a:buFont typeface="Arial" panose="020B0604020202020204" pitchFamily="34" charset="0"/>
+              <a:buChar char="•"/>
+              <a:defRPr sz="1600" kern="1200">
+                <a:solidFill>
+                  <a:schemeClr val="tx2"/>
+                </a:solidFill>
+                <a:latin typeface="+mn-lt"/>
+                <a:ea typeface="+mn-ea"/>
+                <a:cs typeface="+mn-cs"/>
+              </a:defRPr>
+            </a:lvl5pPr>
+            <a:lvl6pPr marL="2514600" indent="-228600" algn="l" defTabSz="914400" rtl="0" eaLnBrk="1" latinLnBrk="0" hangingPunct="1">
+              <a:lnSpc>
+                <a:spcPct val="90000"/>
+              </a:lnSpc>
+              <a:spcBef>
+                <a:spcPts val="500"/>
+              </a:spcBef>
+              <a:buFont typeface="Arial" panose="020B0604020202020204" pitchFamily="34" charset="0"/>
+              <a:buChar char="•"/>
+              <a:defRPr sz="1800" kern="1200">
+                <a:solidFill>
+                  <a:schemeClr val="tx1"/>
+                </a:solidFill>
+                <a:latin typeface="+mn-lt"/>
+                <a:ea typeface="+mn-ea"/>
+                <a:cs typeface="+mn-cs"/>
+              </a:defRPr>
+            </a:lvl6pPr>
+            <a:lvl7pPr marL="2971800" indent="-228600" algn="l" defTabSz="914400" rtl="0" eaLnBrk="1" latinLnBrk="0" hangingPunct="1">
+              <a:lnSpc>
+                <a:spcPct val="90000"/>
+              </a:lnSpc>
+              <a:spcBef>
+                <a:spcPts val="500"/>
+              </a:spcBef>
+              <a:buFont typeface="Arial" panose="020B0604020202020204" pitchFamily="34" charset="0"/>
+              <a:buChar char="•"/>
+              <a:defRPr sz="1800" kern="1200">
+                <a:solidFill>
+                  <a:schemeClr val="tx1"/>
+                </a:solidFill>
+                <a:latin typeface="+mn-lt"/>
+                <a:ea typeface="+mn-ea"/>
+                <a:cs typeface="+mn-cs"/>
+              </a:defRPr>
+            </a:lvl7pPr>
+            <a:lvl8pPr marL="3429000" indent="-228600" algn="l" defTabSz="914400" rtl="0" eaLnBrk="1" latinLnBrk="0" hangingPunct="1">
+              <a:lnSpc>
+                <a:spcPct val="90000"/>
+              </a:lnSpc>
+              <a:spcBef>
+                <a:spcPts val="500"/>
+              </a:spcBef>
+              <a:buFont typeface="Arial" panose="020B0604020202020204" pitchFamily="34" charset="0"/>
+              <a:buChar char="•"/>
+              <a:defRPr sz="1800" kern="1200">
+                <a:solidFill>
+                  <a:schemeClr val="tx1"/>
+                </a:solidFill>
+                <a:latin typeface="+mn-lt"/>
+                <a:ea typeface="+mn-ea"/>
+                <a:cs typeface="+mn-cs"/>
+              </a:defRPr>
+            </a:lvl8pPr>
+            <a:lvl9pPr marL="3886200" indent="-228600" algn="l" defTabSz="914400" rtl="0" eaLnBrk="1" latinLnBrk="0" hangingPunct="1">
+              <a:lnSpc>
+                <a:spcPct val="90000"/>
+              </a:lnSpc>
+              <a:spcBef>
+                <a:spcPts val="500"/>
+              </a:spcBef>
+              <a:buFont typeface="Arial" panose="020B0604020202020204" pitchFamily="34" charset="0"/>
+              <a:buChar char="•"/>
+              <a:defRPr sz="1800" kern="1200">
+                <a:solidFill>
+                  <a:schemeClr val="tx1"/>
+                </a:solidFill>
+                <a:latin typeface="+mn-lt"/>
+                <a:ea typeface="+mn-ea"/>
+                <a:cs typeface="+mn-cs"/>
+              </a:defRPr>
+            </a:lvl9pPr>
+          </a:lstStyle>
+          <a:p>
+            <a:pPr marL="0" indent="0" algn="ctr">
+              <a:buFont typeface="Arial" panose="020B0604020202020204" pitchFamily="34" charset="0"/>
+              <a:buNone/>
+            </a:pPr>
+            <a:r>
+              <a:rPr lang="fr-FR" sz="1600" dirty="0">
+                <a:ea typeface="+mn-lt"/>
+                <a:cs typeface="+mn-lt"/>
+              </a:rPr>
+              <a:t>Class</a:t>
+            </a:r>
+            <a:endParaRPr lang="fr-FR" sz="1600" b="0" dirty="0">
+              <a:ea typeface="+mn-lt"/>
+              <a:cs typeface="+mn-lt"/>
+            </a:endParaRPr>
+          </a:p>
+          <a:p>
+            <a:pPr marL="288000" indent="-216000">
+              <a:spcBef>
+                <a:spcPts val="600"/>
+              </a:spcBef>
+            </a:pPr>
+            <a:r>
+              <a:rPr lang="fr-LU" sz="1400" dirty="0">
+                <a:solidFill>
+                  <a:schemeClr val="tx2"/>
+                </a:solidFill>
+                <a:ea typeface="+mn-lt"/>
+                <a:cs typeface="+mn-lt"/>
+              </a:rPr>
+              <a:t>Nommage</a:t>
+            </a:r>
+          </a:p>
+          <a:p>
+            <a:pPr marL="288000" indent="-216000">
+              <a:spcBef>
+                <a:spcPts val="600"/>
+              </a:spcBef>
+            </a:pPr>
+            <a:r>
+              <a:rPr lang="fr-LU" sz="1400" dirty="0">
+                <a:solidFill>
+                  <a:schemeClr val="tx2"/>
+                </a:solidFill>
+                <a:ea typeface="+mn-lt"/>
+                <a:cs typeface="+mn-lt"/>
+              </a:rPr>
+              <a:t>Contenu Ordonné</a:t>
+            </a:r>
+          </a:p>
+          <a:p>
+            <a:pPr marL="432000" lvl="1" indent="-216000">
+              <a:spcBef>
+                <a:spcPts val="600"/>
+              </a:spcBef>
+            </a:pPr>
+            <a:r>
+              <a:rPr lang="fr-LU" sz="1400" b="0" dirty="0"/>
+              <a:t>Classe</a:t>
+            </a:r>
+          </a:p>
+          <a:p>
+            <a:pPr marL="432000" lvl="1" indent="-216000">
+              <a:spcBef>
+                <a:spcPts val="600"/>
+              </a:spcBef>
+            </a:pPr>
+            <a:r>
+              <a:rPr lang="fr-LU" sz="1400" b="0" dirty="0"/>
+              <a:t>Propriété</a:t>
+            </a:r>
+          </a:p>
+          <a:p>
+            <a:pPr marL="432000" lvl="1" indent="-216000">
+              <a:spcBef>
+                <a:spcPts val="600"/>
+              </a:spcBef>
+            </a:pPr>
+            <a:r>
+              <a:rPr lang="fr-LU" sz="1400" b="0" dirty="0"/>
+              <a:t>Constructeur</a:t>
+            </a:r>
+          </a:p>
+          <a:p>
+            <a:pPr marL="432000" lvl="1" indent="-216000">
+              <a:spcBef>
+                <a:spcPts val="600"/>
+              </a:spcBef>
+            </a:pPr>
+            <a:r>
+              <a:rPr lang="fr-LU" sz="1400" b="0" dirty="0"/>
+              <a:t>Method Public</a:t>
+            </a:r>
+          </a:p>
+          <a:p>
+            <a:pPr marL="432000" lvl="1" indent="-216000">
+              <a:spcBef>
+                <a:spcPts val="600"/>
+              </a:spcBef>
+            </a:pPr>
+            <a:r>
+              <a:rPr lang="fr-LU" sz="1400" b="0" dirty="0"/>
+              <a:t>Method Privée</a:t>
+            </a:r>
+            <a:endParaRPr lang="fr-LU" sz="1600" b="1" dirty="0">
+              <a:solidFill>
+                <a:schemeClr val="tx2"/>
+              </a:solidFill>
+            </a:endParaRPr>
+          </a:p>
+        </p:txBody>
+      </p:sp>
+      <p:sp>
+        <p:nvSpPr>
+          <p:cNvPr id="12" name="Espace réservé du texte 9">
+            <a:extLst>
+              <a:ext uri="{FF2B5EF4-FFF2-40B4-BE49-F238E27FC236}">
+                <a16:creationId xmlns:a16="http://schemas.microsoft.com/office/drawing/2014/main" id="{A5BCD49F-A75B-4CE7-B94F-D28E5C93C2B9}"/>
+              </a:ext>
+            </a:extLst>
+          </p:cNvPr>
+          <p:cNvSpPr txBox="1">
+            <a:spLocks/>
+          </p:cNvSpPr>
+          <p:nvPr/>
+        </p:nvSpPr>
+        <p:spPr>
+          <a:xfrm>
+            <a:off x="3757623" y="4494417"/>
+            <a:ext cx="2030214" cy="1355540"/>
+          </a:xfrm>
+          <a:prstGeom prst="roundRect">
+            <a:avLst>
+              <a:gd name="adj" fmla="val 12457"/>
+            </a:avLst>
+          </a:prstGeom>
+          <a:ln w="15875">
+            <a:solidFill>
+              <a:schemeClr val="accent1"/>
+            </a:solidFill>
+          </a:ln>
+        </p:spPr>
+        <p:txBody>
+          <a:bodyPr vert="horz" lIns="0" tIns="0" rIns="0" bIns="0" rtlCol="0">
+            <a:noAutofit/>
+          </a:bodyPr>
+          <a:lstStyle>
+            <a:lvl1pPr marL="360000" indent="-360000" algn="l" defTabSz="914400" rtl="0" eaLnBrk="1" latinLnBrk="0" hangingPunct="1">
+              <a:lnSpc>
+                <a:spcPct val="90000"/>
+              </a:lnSpc>
+              <a:spcBef>
+                <a:spcPts val="1000"/>
+              </a:spcBef>
+              <a:buFont typeface="Arial" panose="020B0604020202020204" pitchFamily="34" charset="0"/>
+              <a:buChar char="•"/>
+              <a:defRPr sz="2000" b="1" kern="1200">
+                <a:solidFill>
+                  <a:schemeClr val="tx1"/>
+                </a:solidFill>
+                <a:latin typeface="+mn-lt"/>
+                <a:ea typeface="+mn-ea"/>
+                <a:cs typeface="+mn-cs"/>
+              </a:defRPr>
+            </a:lvl1pPr>
+            <a:lvl2pPr marL="648000" indent="-360000" algn="l" defTabSz="914400" rtl="0" eaLnBrk="1" latinLnBrk="0" hangingPunct="1">
+              <a:lnSpc>
+                <a:spcPct val="90000"/>
+              </a:lnSpc>
+              <a:spcBef>
+                <a:spcPts val="1200"/>
+              </a:spcBef>
+              <a:buFont typeface="Arial" panose="020B0604020202020204" pitchFamily="34" charset="0"/>
+              <a:buChar char="•"/>
+              <a:defRPr sz="1800" b="1" kern="1200">
+                <a:solidFill>
+                  <a:schemeClr val="tx2"/>
+                </a:solidFill>
+                <a:latin typeface="+mn-lt"/>
+                <a:ea typeface="+mn-ea"/>
+                <a:cs typeface="+mn-cs"/>
+              </a:defRPr>
+            </a:lvl2pPr>
+            <a:lvl3pPr marL="648000" indent="-360000" algn="l" defTabSz="914400" rtl="0" eaLnBrk="1" latinLnBrk="0" hangingPunct="1">
+              <a:lnSpc>
+                <a:spcPct val="90000"/>
+              </a:lnSpc>
+              <a:spcBef>
+                <a:spcPts val="1200"/>
+              </a:spcBef>
+              <a:buFont typeface="Arial" panose="020B0604020202020204" pitchFamily="34" charset="0"/>
+              <a:buChar char="•"/>
+              <a:defRPr sz="1800" b="1" kern="1200">
+                <a:solidFill>
+                  <a:schemeClr val="bg1">
+                    <a:lumMod val="65000"/>
+                  </a:schemeClr>
+                </a:solidFill>
+                <a:latin typeface="+mn-lt"/>
+                <a:ea typeface="+mn-ea"/>
+                <a:cs typeface="+mn-cs"/>
+              </a:defRPr>
+            </a:lvl3pPr>
+            <a:lvl4pPr marL="720000" indent="-270000" algn="l" defTabSz="914400" rtl="0" eaLnBrk="1" latinLnBrk="0" hangingPunct="1">
+              <a:lnSpc>
+                <a:spcPct val="90000"/>
+              </a:lnSpc>
+              <a:spcBef>
+                <a:spcPts val="1000"/>
+              </a:spcBef>
+              <a:buFont typeface="Arial" panose="020B0604020202020204" pitchFamily="34" charset="0"/>
+              <a:buChar char="•"/>
+              <a:defRPr sz="1600" kern="1200">
+                <a:solidFill>
+                  <a:schemeClr val="tx2"/>
+                </a:solidFill>
+                <a:latin typeface="+mn-lt"/>
+                <a:ea typeface="+mn-ea"/>
+                <a:cs typeface="+mn-cs"/>
+              </a:defRPr>
+            </a:lvl4pPr>
+            <a:lvl5pPr marL="630000" indent="-270000" algn="l" defTabSz="914400" rtl="0" eaLnBrk="1" latinLnBrk="0" hangingPunct="1">
+              <a:lnSpc>
+                <a:spcPct val="90000"/>
+              </a:lnSpc>
+              <a:spcBef>
+                <a:spcPts val="1000"/>
+              </a:spcBef>
+              <a:buFont typeface="Arial" panose="020B0604020202020204" pitchFamily="34" charset="0"/>
+              <a:buChar char="•"/>
+              <a:defRPr sz="1600" kern="1200">
+                <a:solidFill>
+                  <a:schemeClr val="tx2"/>
+                </a:solidFill>
+                <a:latin typeface="+mn-lt"/>
+                <a:ea typeface="+mn-ea"/>
+                <a:cs typeface="+mn-cs"/>
+              </a:defRPr>
+            </a:lvl5pPr>
+            <a:lvl6pPr marL="2514600" indent="-228600" algn="l" defTabSz="914400" rtl="0" eaLnBrk="1" latinLnBrk="0" hangingPunct="1">
+              <a:lnSpc>
+                <a:spcPct val="90000"/>
+              </a:lnSpc>
+              <a:spcBef>
+                <a:spcPts val="500"/>
+              </a:spcBef>
+              <a:buFont typeface="Arial" panose="020B0604020202020204" pitchFamily="34" charset="0"/>
+              <a:buChar char="•"/>
+              <a:defRPr sz="1800" kern="1200">
+                <a:solidFill>
+                  <a:schemeClr val="tx1"/>
+                </a:solidFill>
+                <a:latin typeface="+mn-lt"/>
+                <a:ea typeface="+mn-ea"/>
+                <a:cs typeface="+mn-cs"/>
+              </a:defRPr>
+            </a:lvl6pPr>
+            <a:lvl7pPr marL="2971800" indent="-228600" algn="l" defTabSz="914400" rtl="0" eaLnBrk="1" latinLnBrk="0" hangingPunct="1">
+              <a:lnSpc>
+                <a:spcPct val="90000"/>
+              </a:lnSpc>
+              <a:spcBef>
+                <a:spcPts val="500"/>
+              </a:spcBef>
+              <a:buFont typeface="Arial" panose="020B0604020202020204" pitchFamily="34" charset="0"/>
+              <a:buChar char="•"/>
+              <a:defRPr sz="1800" kern="1200">
+                <a:solidFill>
+                  <a:schemeClr val="tx1"/>
+                </a:solidFill>
+                <a:latin typeface="+mn-lt"/>
+                <a:ea typeface="+mn-ea"/>
+                <a:cs typeface="+mn-cs"/>
+              </a:defRPr>
+            </a:lvl7pPr>
+            <a:lvl8pPr marL="3429000" indent="-228600" algn="l" defTabSz="914400" rtl="0" eaLnBrk="1" latinLnBrk="0" hangingPunct="1">
+              <a:lnSpc>
+                <a:spcPct val="90000"/>
+              </a:lnSpc>
+              <a:spcBef>
+                <a:spcPts val="500"/>
+              </a:spcBef>
+              <a:buFont typeface="Arial" panose="020B0604020202020204" pitchFamily="34" charset="0"/>
+              <a:buChar char="•"/>
+              <a:defRPr sz="1800" kern="1200">
+                <a:solidFill>
+                  <a:schemeClr val="tx1"/>
+                </a:solidFill>
+                <a:latin typeface="+mn-lt"/>
+                <a:ea typeface="+mn-ea"/>
+                <a:cs typeface="+mn-cs"/>
+              </a:defRPr>
+            </a:lvl8pPr>
+            <a:lvl9pPr marL="3886200" indent="-228600" algn="l" defTabSz="914400" rtl="0" eaLnBrk="1" latinLnBrk="0" hangingPunct="1">
+              <a:lnSpc>
+                <a:spcPct val="90000"/>
+              </a:lnSpc>
+              <a:spcBef>
+                <a:spcPts val="500"/>
+              </a:spcBef>
+              <a:buFont typeface="Arial" panose="020B0604020202020204" pitchFamily="34" charset="0"/>
+              <a:buChar char="•"/>
+              <a:defRPr sz="1800" kern="1200">
+                <a:solidFill>
+                  <a:schemeClr val="tx1"/>
+                </a:solidFill>
+                <a:latin typeface="+mn-lt"/>
+                <a:ea typeface="+mn-ea"/>
+                <a:cs typeface="+mn-cs"/>
+              </a:defRPr>
+            </a:lvl9pPr>
+          </a:lstStyle>
+          <a:p>
+            <a:pPr marL="0" indent="0" algn="ctr">
+              <a:buFont typeface="Arial" panose="020B0604020202020204" pitchFamily="34" charset="0"/>
+              <a:buNone/>
+            </a:pPr>
+            <a:r>
+              <a:rPr lang="fr-FR" sz="1600" dirty="0">
+                <a:ea typeface="+mn-lt"/>
+                <a:cs typeface="+mn-lt"/>
+              </a:rPr>
+              <a:t>Comment</a:t>
+            </a:r>
+          </a:p>
+          <a:p>
+            <a:pPr marL="288000" lvl="1" indent="-216000">
+              <a:spcBef>
+                <a:spcPts val="600"/>
+              </a:spcBef>
+            </a:pPr>
+            <a:r>
+              <a:rPr lang="fr-FR" sz="1400" dirty="0">
+                <a:ea typeface="+mn-lt"/>
+                <a:cs typeface="+mn-lt"/>
+              </a:rPr>
+              <a:t>Summary</a:t>
+            </a:r>
+          </a:p>
+          <a:p>
+            <a:pPr marL="288000" lvl="1" indent="-216000">
+              <a:spcBef>
+                <a:spcPts val="600"/>
+              </a:spcBef>
+            </a:pPr>
+            <a:r>
+              <a:rPr lang="fr-FR" sz="1400" dirty="0"/>
+              <a:t>// Todo &lt;=&gt; </a:t>
+            </a:r>
+            <a:r>
+              <a:rPr lang="fr-FR" sz="1400" b="0" dirty="0"/>
+              <a:t>Code à </a:t>
+            </a:r>
+            <a:r>
+              <a:rPr lang="fr-FR" sz="1400" b="0" dirty="0" err="1"/>
+              <a:t>re-travailler</a:t>
+            </a:r>
+            <a:endParaRPr lang="fr-FR" sz="1400" b="0" dirty="0"/>
+          </a:p>
+          <a:p>
+            <a:pPr marL="288000" lvl="1" indent="-216000">
+              <a:spcBef>
+                <a:spcPts val="600"/>
+              </a:spcBef>
+            </a:pPr>
+            <a:endParaRPr lang="fr-FR" sz="1400" dirty="0">
+              <a:ea typeface="+mn-lt"/>
+              <a:cs typeface="+mn-lt"/>
+            </a:endParaRPr>
+          </a:p>
+        </p:txBody>
+      </p:sp>
+      <p:sp>
+        <p:nvSpPr>
+          <p:cNvPr id="15" name="Text Placeholder 14">
+            <a:extLst>
+              <a:ext uri="{FF2B5EF4-FFF2-40B4-BE49-F238E27FC236}">
+                <a16:creationId xmlns:a16="http://schemas.microsoft.com/office/drawing/2014/main" id="{283B1BF8-5A12-7FC3-BDF3-2A5E4350CBD7}"/>
+              </a:ext>
+            </a:extLst>
+          </p:cNvPr>
+          <p:cNvSpPr>
+            <a:spLocks noGrp="1"/>
+          </p:cNvSpPr>
+          <p:nvPr>
+            <p:ph type="body" sz="quarter" idx="20"/>
+          </p:nvPr>
+        </p:nvSpPr>
+        <p:spPr/>
+        <p:txBody>
+          <a:bodyPr/>
+          <a:lstStyle/>
+          <a:p>
+            <a:pPr marL="274320" lvl="1" indent="-182880"/>
+            <a:r>
+              <a:rPr lang="fr-FR" dirty="0"/>
+              <a:t>Variable, type, </a:t>
+            </a:r>
+            <a:r>
+              <a:rPr lang="fr-FR" dirty="0" err="1"/>
+              <a:t>enum</a:t>
+            </a:r>
+            <a:endParaRPr lang="fr-FR" dirty="0"/>
+          </a:p>
+          <a:p>
+            <a:pPr marL="274320" lvl="1" indent="-182880"/>
+            <a:r>
+              <a:rPr lang="fr-FR" dirty="0"/>
+              <a:t>Decorator (~Annotation de classe)</a:t>
+            </a:r>
+          </a:p>
+          <a:p>
+            <a:pPr marL="274320" lvl="1" indent="-182880"/>
+            <a:r>
+              <a:rPr lang="fr-FR" dirty="0" err="1"/>
+              <a:t>Refléxion</a:t>
+            </a:r>
+            <a:r>
+              <a:rPr lang="fr-FR" dirty="0"/>
+              <a:t> / Introspection</a:t>
+            </a:r>
+          </a:p>
+          <a:p>
+            <a:pPr marL="274320" lvl="1" indent="-182880"/>
+            <a:r>
+              <a:rPr lang="fr-FR" dirty="0" err="1"/>
+              <a:t>Multi-threading</a:t>
+            </a:r>
+            <a:endParaRPr lang="fr-FR" dirty="0"/>
+          </a:p>
+          <a:p>
+            <a:endParaRPr lang="en-US" dirty="0"/>
+          </a:p>
+        </p:txBody>
+      </p:sp>
+    </p:spTree>
+    <p:extLst>
+      <p:ext uri="{BB962C8B-B14F-4D97-AF65-F5344CB8AC3E}">
+        <p14:creationId xmlns:p14="http://schemas.microsoft.com/office/powerpoint/2010/main" val="810205662"/>
+      </p:ext>
+    </p:extLst>
+  </p:cSld>
+  <p:clrMapOvr>
+    <a:masterClrMapping/>
+  </p:clrMapOvr>
+</p:sld>
+</file>
+
+<file path=ppt/slides/slide12.xml><?xml version="1.0" encoding="utf-8"?>
+<p:sld xmlns:a="http://schemas.openxmlformats.org/drawingml/2006/main" xmlns:r="http://schemas.openxmlformats.org/officeDocument/2006/relationships" xmlns:p="http://schemas.openxmlformats.org/presentationml/2006/main">
+  <p:cSld>
+    <p:spTree>
+      <p:nvGrpSpPr>
+        <p:cNvPr id="1" name=""/>
+        <p:cNvGrpSpPr/>
+        <p:nvPr/>
+      </p:nvGrpSpPr>
+      <p:grpSpPr>
+        <a:xfrm>
+          <a:off x="0" y="0"/>
+          <a:ext cx="0" cy="0"/>
+          <a:chOff x="0" y="0"/>
+          <a:chExt cx="0" cy="0"/>
+        </a:xfrm>
+      </p:grpSpPr>
+      <p:sp>
+        <p:nvSpPr>
           <p:cNvPr id="7" name="Titre 6">
             <a:extLst>
               <a:ext uri="{FF2B5EF4-FFF2-40B4-BE49-F238E27FC236}">
@@ -22376,7 +25644,7 @@
 </p:sld>
 </file>
 
-<file path=ppt/slides/slide11.xml><?xml version="1.0" encoding="utf-8"?>
+<file path=ppt/slides/slide13.xml><?xml version="1.0" encoding="utf-8"?>
 <p:sld xmlns:a="http://schemas.openxmlformats.org/drawingml/2006/main" xmlns:r="http://schemas.openxmlformats.org/officeDocument/2006/relationships" xmlns:p="http://schemas.openxmlformats.org/presentationml/2006/main">
   <p:cSld>
     <p:spTree>
@@ -22417,7 +25685,7 @@
             <a:fld id="{E14D0CC5-784E-4B7E-B9F4-EE71C08DA69C}" type="slidenum">
               <a:rPr lang="fr-FR" smtClean="0"/>
               <a:pPr/>
-              <a:t>11</a:t>
+              <a:t>13</a:t>
             </a:fld>
             <a:endParaRPr lang="fr-FR" dirty="0"/>
           </a:p>
@@ -23593,7 +26861,7 @@
 </p:sld>
 </file>
 
-<file path=ppt/slides/slide12.xml><?xml version="1.0" encoding="utf-8"?>
+<file path=ppt/slides/slide14.xml><?xml version="1.0" encoding="utf-8"?>
 <p:sld xmlns:a="http://schemas.openxmlformats.org/drawingml/2006/main" xmlns:r="http://schemas.openxmlformats.org/officeDocument/2006/relationships" xmlns:p="http://schemas.openxmlformats.org/presentationml/2006/main">
   <p:cSld>
     <p:spTree>
@@ -23731,7 +26999,7 @@
             <a:fld id="{E14D0CC5-784E-4B7E-B9F4-EE71C08DA69C}" type="slidenum">
               <a:rPr lang="fr-FR" smtClean="0"/>
               <a:pPr/>
-              <a:t>12</a:t>
+              <a:t>14</a:t>
             </a:fld>
             <a:endParaRPr lang="fr-FR" dirty="0"/>
           </a:p>
@@ -24293,7 +27561,7 @@
 </p:sld>
 </file>
 
-<file path=ppt/slides/slide13.xml><?xml version="1.0" encoding="utf-8"?>
+<file path=ppt/slides/slide15.xml><?xml version="1.0" encoding="utf-8"?>
 <p:sld xmlns:a="http://schemas.openxmlformats.org/drawingml/2006/main" xmlns:r="http://schemas.openxmlformats.org/officeDocument/2006/relationships" xmlns:p="http://schemas.openxmlformats.org/presentationml/2006/main">
   <p:cSld>
     <p:spTree>
@@ -28444,58 +31712,9 @@
           <a:p>
             <a:r>
               <a:rPr lang="fr-FR" sz="3600" dirty="0"/>
-              <a:t>C# | .Net</a:t>
+              <a:t>.Net</a:t>
             </a:r>
             <a:endParaRPr lang="fr-LU" dirty="0"/>
-          </a:p>
-        </p:txBody>
-      </p:sp>
-      <p:sp>
-        <p:nvSpPr>
-          <p:cNvPr id="19" name="Espace réservé du texte 18">
-            <a:extLst>
-              <a:ext uri="{FF2B5EF4-FFF2-40B4-BE49-F238E27FC236}">
-                <a16:creationId xmlns:a16="http://schemas.microsoft.com/office/drawing/2014/main" id="{D46EDD11-1EE5-499D-A4FC-29F62E480118}"/>
-              </a:ext>
-            </a:extLst>
-          </p:cNvPr>
-          <p:cNvSpPr>
-            <a:spLocks noGrp="1"/>
-          </p:cNvSpPr>
-          <p:nvPr>
-            <p:ph type="body" sz="quarter" idx="20"/>
-          </p:nvPr>
-        </p:nvSpPr>
-        <p:spPr>
-          <a:xfrm>
-            <a:off x="838199" y="1089498"/>
-            <a:ext cx="5118303" cy="4889103"/>
-          </a:xfrm>
-          <a:prstGeom prst="roundRect">
-            <a:avLst>
-              <a:gd name="adj" fmla="val 4234"/>
-            </a:avLst>
-          </a:prstGeom>
-        </p:spPr>
-        <p:txBody>
-          <a:bodyPr/>
-          <a:lstStyle/>
-          <a:p>
-            <a:pPr marL="0" indent="0" algn="ctr">
-              <a:spcBef>
-                <a:spcPts val="600"/>
-              </a:spcBef>
-              <a:buNone/>
-            </a:pPr>
-            <a:r>
-              <a:rPr lang="fr-FR" dirty="0"/>
-              <a:t> </a:t>
-            </a:r>
-            <a:r>
-              <a:rPr lang="fr-FR" sz="1800" dirty="0"/>
-              <a:t>C#</a:t>
-            </a:r>
-            <a:endParaRPr lang="fr-FR" dirty="0"/>
           </a:p>
         </p:txBody>
       </p:sp>
@@ -28556,1100 +31775,6 @@
       </p:sp>
       <p:sp>
         <p:nvSpPr>
-          <p:cNvPr id="11" name="Espace réservé du texte 9">
-            <a:extLst>
-              <a:ext uri="{FF2B5EF4-FFF2-40B4-BE49-F238E27FC236}">
-                <a16:creationId xmlns:a16="http://schemas.microsoft.com/office/drawing/2014/main" id="{2465017E-9027-48E7-8371-14CBF17D2DC0}"/>
-              </a:ext>
-            </a:extLst>
-          </p:cNvPr>
-          <p:cNvSpPr txBox="1">
-            <a:spLocks/>
-          </p:cNvSpPr>
-          <p:nvPr/>
-        </p:nvSpPr>
-        <p:spPr>
-          <a:xfrm>
-            <a:off x="992338" y="1441175"/>
-            <a:ext cx="2596619" cy="4408782"/>
-          </a:xfrm>
-          <a:prstGeom prst="roundRect">
-            <a:avLst>
-              <a:gd name="adj" fmla="val 7901"/>
-            </a:avLst>
-          </a:prstGeom>
-          <a:ln w="15875">
-            <a:solidFill>
-              <a:schemeClr val="accent1"/>
-            </a:solidFill>
-          </a:ln>
-        </p:spPr>
-        <p:txBody>
-          <a:bodyPr vert="horz" lIns="0" tIns="0" rIns="0" bIns="0" rtlCol="0">
-            <a:noAutofit/>
-          </a:bodyPr>
-          <a:lstStyle>
-            <a:lvl1pPr marL="360000" indent="-360000" algn="l" defTabSz="914400" rtl="0" eaLnBrk="1" latinLnBrk="0" hangingPunct="1">
-              <a:lnSpc>
-                <a:spcPct val="90000"/>
-              </a:lnSpc>
-              <a:spcBef>
-                <a:spcPts val="1000"/>
-              </a:spcBef>
-              <a:buFont typeface="Arial" panose="020B0604020202020204" pitchFamily="34" charset="0"/>
-              <a:buChar char="•"/>
-              <a:defRPr sz="2000" b="1" kern="1200">
-                <a:solidFill>
-                  <a:schemeClr val="tx1"/>
-                </a:solidFill>
-                <a:latin typeface="+mn-lt"/>
-                <a:ea typeface="+mn-ea"/>
-                <a:cs typeface="+mn-cs"/>
-              </a:defRPr>
-            </a:lvl1pPr>
-            <a:lvl2pPr marL="648000" indent="-360000" algn="l" defTabSz="914400" rtl="0" eaLnBrk="1" latinLnBrk="0" hangingPunct="1">
-              <a:lnSpc>
-                <a:spcPct val="90000"/>
-              </a:lnSpc>
-              <a:spcBef>
-                <a:spcPts val="1200"/>
-              </a:spcBef>
-              <a:buFont typeface="Arial" panose="020B0604020202020204" pitchFamily="34" charset="0"/>
-              <a:buChar char="•"/>
-              <a:defRPr sz="1800" b="1" kern="1200">
-                <a:solidFill>
-                  <a:schemeClr val="tx2"/>
-                </a:solidFill>
-                <a:latin typeface="+mn-lt"/>
-                <a:ea typeface="+mn-ea"/>
-                <a:cs typeface="+mn-cs"/>
-              </a:defRPr>
-            </a:lvl2pPr>
-            <a:lvl3pPr marL="648000" indent="-360000" algn="l" defTabSz="914400" rtl="0" eaLnBrk="1" latinLnBrk="0" hangingPunct="1">
-              <a:lnSpc>
-                <a:spcPct val="90000"/>
-              </a:lnSpc>
-              <a:spcBef>
-                <a:spcPts val="1200"/>
-              </a:spcBef>
-              <a:buFont typeface="Arial" panose="020B0604020202020204" pitchFamily="34" charset="0"/>
-              <a:buChar char="•"/>
-              <a:defRPr sz="1800" b="1" kern="1200">
-                <a:solidFill>
-                  <a:schemeClr val="bg1">
-                    <a:lumMod val="65000"/>
-                  </a:schemeClr>
-                </a:solidFill>
-                <a:latin typeface="+mn-lt"/>
-                <a:ea typeface="+mn-ea"/>
-                <a:cs typeface="+mn-cs"/>
-              </a:defRPr>
-            </a:lvl3pPr>
-            <a:lvl4pPr marL="720000" indent="-270000" algn="l" defTabSz="914400" rtl="0" eaLnBrk="1" latinLnBrk="0" hangingPunct="1">
-              <a:lnSpc>
-                <a:spcPct val="90000"/>
-              </a:lnSpc>
-              <a:spcBef>
-                <a:spcPts val="1000"/>
-              </a:spcBef>
-              <a:buFont typeface="Arial" panose="020B0604020202020204" pitchFamily="34" charset="0"/>
-              <a:buChar char="•"/>
-              <a:defRPr sz="1600" kern="1200">
-                <a:solidFill>
-                  <a:schemeClr val="tx2"/>
-                </a:solidFill>
-                <a:latin typeface="+mn-lt"/>
-                <a:ea typeface="+mn-ea"/>
-                <a:cs typeface="+mn-cs"/>
-              </a:defRPr>
-            </a:lvl4pPr>
-            <a:lvl5pPr marL="630000" indent="-270000" algn="l" defTabSz="914400" rtl="0" eaLnBrk="1" latinLnBrk="0" hangingPunct="1">
-              <a:lnSpc>
-                <a:spcPct val="90000"/>
-              </a:lnSpc>
-              <a:spcBef>
-                <a:spcPts val="1000"/>
-              </a:spcBef>
-              <a:buFont typeface="Arial" panose="020B0604020202020204" pitchFamily="34" charset="0"/>
-              <a:buChar char="•"/>
-              <a:defRPr sz="1600" kern="1200">
-                <a:solidFill>
-                  <a:schemeClr val="tx2"/>
-                </a:solidFill>
-                <a:latin typeface="+mn-lt"/>
-                <a:ea typeface="+mn-ea"/>
-                <a:cs typeface="+mn-cs"/>
-              </a:defRPr>
-            </a:lvl5pPr>
-            <a:lvl6pPr marL="2514600" indent="-228600" algn="l" defTabSz="914400" rtl="0" eaLnBrk="1" latinLnBrk="0" hangingPunct="1">
-              <a:lnSpc>
-                <a:spcPct val="90000"/>
-              </a:lnSpc>
-              <a:spcBef>
-                <a:spcPts val="500"/>
-              </a:spcBef>
-              <a:buFont typeface="Arial" panose="020B0604020202020204" pitchFamily="34" charset="0"/>
-              <a:buChar char="•"/>
-              <a:defRPr sz="1800" kern="1200">
-                <a:solidFill>
-                  <a:schemeClr val="tx1"/>
-                </a:solidFill>
-                <a:latin typeface="+mn-lt"/>
-                <a:ea typeface="+mn-ea"/>
-                <a:cs typeface="+mn-cs"/>
-              </a:defRPr>
-            </a:lvl6pPr>
-            <a:lvl7pPr marL="2971800" indent="-228600" algn="l" defTabSz="914400" rtl="0" eaLnBrk="1" latinLnBrk="0" hangingPunct="1">
-              <a:lnSpc>
-                <a:spcPct val="90000"/>
-              </a:lnSpc>
-              <a:spcBef>
-                <a:spcPts val="500"/>
-              </a:spcBef>
-              <a:buFont typeface="Arial" panose="020B0604020202020204" pitchFamily="34" charset="0"/>
-              <a:buChar char="•"/>
-              <a:defRPr sz="1800" kern="1200">
-                <a:solidFill>
-                  <a:schemeClr val="tx1"/>
-                </a:solidFill>
-                <a:latin typeface="+mn-lt"/>
-                <a:ea typeface="+mn-ea"/>
-                <a:cs typeface="+mn-cs"/>
-              </a:defRPr>
-            </a:lvl7pPr>
-            <a:lvl8pPr marL="3429000" indent="-228600" algn="l" defTabSz="914400" rtl="0" eaLnBrk="1" latinLnBrk="0" hangingPunct="1">
-              <a:lnSpc>
-                <a:spcPct val="90000"/>
-              </a:lnSpc>
-              <a:spcBef>
-                <a:spcPts val="500"/>
-              </a:spcBef>
-              <a:buFont typeface="Arial" panose="020B0604020202020204" pitchFamily="34" charset="0"/>
-              <a:buChar char="•"/>
-              <a:defRPr sz="1800" kern="1200">
-                <a:solidFill>
-                  <a:schemeClr val="tx1"/>
-                </a:solidFill>
-                <a:latin typeface="+mn-lt"/>
-                <a:ea typeface="+mn-ea"/>
-                <a:cs typeface="+mn-cs"/>
-              </a:defRPr>
-            </a:lvl8pPr>
-            <a:lvl9pPr marL="3886200" indent="-228600" algn="l" defTabSz="914400" rtl="0" eaLnBrk="1" latinLnBrk="0" hangingPunct="1">
-              <a:lnSpc>
-                <a:spcPct val="90000"/>
-              </a:lnSpc>
-              <a:spcBef>
-                <a:spcPts val="500"/>
-              </a:spcBef>
-              <a:buFont typeface="Arial" panose="020B0604020202020204" pitchFamily="34" charset="0"/>
-              <a:buChar char="•"/>
-              <a:defRPr sz="1800" kern="1200">
-                <a:solidFill>
-                  <a:schemeClr val="tx1"/>
-                </a:solidFill>
-                <a:latin typeface="+mn-lt"/>
-                <a:ea typeface="+mn-ea"/>
-                <a:cs typeface="+mn-cs"/>
-              </a:defRPr>
-            </a:lvl9pPr>
-          </a:lstStyle>
-          <a:p>
-            <a:pPr marL="0" indent="0" algn="ctr">
-              <a:buFont typeface="Arial" panose="020B0604020202020204" pitchFamily="34" charset="0"/>
-              <a:buNone/>
-            </a:pPr>
-            <a:r>
-              <a:rPr lang="fr-FR" sz="1600" dirty="0">
-                <a:ea typeface="+mn-lt"/>
-                <a:cs typeface="+mn-lt"/>
-              </a:rPr>
-              <a:t>Syntax</a:t>
-            </a:r>
-            <a:endParaRPr lang="fr-FR" sz="1600" b="0" dirty="0">
-              <a:ea typeface="+mn-lt"/>
-              <a:cs typeface="+mn-lt"/>
-            </a:endParaRPr>
-          </a:p>
-          <a:p>
-            <a:pPr marL="360000" lvl="3" indent="-288000">
-              <a:spcBef>
-                <a:spcPts val="600"/>
-              </a:spcBef>
-            </a:pPr>
-            <a:r>
-              <a:rPr lang="fr-LU" sz="1400" b="0" dirty="0">
-                <a:solidFill>
-                  <a:schemeClr val="tx2"/>
-                </a:solidFill>
-              </a:rPr>
-              <a:t>Class | Property | Method</a:t>
-            </a:r>
-          </a:p>
-          <a:p>
-            <a:pPr marL="360000" lvl="3" indent="-288000">
-              <a:spcBef>
-                <a:spcPts val="600"/>
-              </a:spcBef>
-            </a:pPr>
-            <a:r>
-              <a:rPr lang="fr-LU" sz="1400" dirty="0"/>
-              <a:t>Record</a:t>
-            </a:r>
-          </a:p>
-          <a:p>
-            <a:pPr marL="360000" lvl="3" indent="-288000">
-              <a:spcBef>
-                <a:spcPts val="600"/>
-              </a:spcBef>
-            </a:pPr>
-            <a:r>
-              <a:rPr lang="fr-LU" sz="1400" b="0" dirty="0">
-                <a:solidFill>
-                  <a:schemeClr val="tx2"/>
-                </a:solidFill>
-              </a:rPr>
-              <a:t>Interface | Inheritance</a:t>
-            </a:r>
-          </a:p>
-          <a:p>
-            <a:pPr marL="360000" lvl="3" indent="-288000">
-              <a:spcBef>
-                <a:spcPts val="600"/>
-              </a:spcBef>
-            </a:pPr>
-            <a:r>
-              <a:rPr lang="fr-LU" sz="1400" b="0" dirty="0">
-                <a:solidFill>
-                  <a:schemeClr val="tx2"/>
-                </a:solidFill>
-              </a:rPr>
-              <a:t>Modifiers (readonly, ?...)</a:t>
-            </a:r>
-          </a:p>
-          <a:p>
-            <a:pPr marL="360000" lvl="3" indent="-288000">
-              <a:spcBef>
-                <a:spcPts val="600"/>
-              </a:spcBef>
-            </a:pPr>
-            <a:r>
-              <a:rPr lang="fr-LU" sz="1400" b="0" dirty="0">
-                <a:solidFill>
-                  <a:schemeClr val="tx2"/>
-                </a:solidFill>
-              </a:rPr>
-              <a:t>Comment</a:t>
-            </a:r>
-          </a:p>
-          <a:p>
-            <a:pPr marL="360000" lvl="3" indent="-288000">
-              <a:spcBef>
-                <a:spcPts val="600"/>
-              </a:spcBef>
-            </a:pPr>
-            <a:r>
-              <a:rPr lang="fr-LU" sz="1400" b="0" dirty="0">
-                <a:solidFill>
-                  <a:schemeClr val="tx2"/>
-                </a:solidFill>
-              </a:rPr>
-              <a:t>C#10 -&gt; 'state </a:t>
-            </a:r>
-            <a:r>
-              <a:rPr lang="fr-LU" sz="1400" b="0" dirty="0" err="1">
-                <a:solidFill>
-                  <a:schemeClr val="tx2"/>
-                </a:solidFill>
-              </a:rPr>
-              <a:t>with</a:t>
-            </a:r>
-            <a:r>
-              <a:rPr lang="fr-LU" sz="1400" b="0" dirty="0">
-                <a:solidFill>
-                  <a:schemeClr val="tx2"/>
-                </a:solidFill>
-              </a:rPr>
-              <a:t> { change }' (</a:t>
-            </a:r>
-            <a:r>
-              <a:rPr lang="fr-LU" sz="1400" b="0" dirty="0" err="1">
-                <a:solidFill>
-                  <a:schemeClr val="tx2"/>
-                </a:solidFill>
-              </a:rPr>
-              <a:t>equiv</a:t>
-            </a:r>
-            <a:r>
-              <a:rPr lang="fr-LU" sz="1400" b="0" dirty="0">
-                <a:solidFill>
-                  <a:schemeClr val="tx2"/>
-                </a:solidFill>
-              </a:rPr>
-              <a:t> JS {...spread, x:change})</a:t>
-            </a:r>
-          </a:p>
-          <a:p>
-            <a:pPr marL="360000" lvl="3" indent="-288000">
-              <a:spcBef>
-                <a:spcPts val="600"/>
-              </a:spcBef>
-            </a:pPr>
-            <a:r>
-              <a:rPr lang="fr-LU" sz="1400" b="1" dirty="0">
-                <a:solidFill>
-                  <a:schemeClr val="tx2"/>
-                </a:solidFill>
-                <a:hlinkClick r:id="rId2"/>
-              </a:rPr>
-              <a:t>Extension Methods</a:t>
-            </a:r>
-            <a:r>
-              <a:rPr lang="fr-LU" sz="1400" b="1" dirty="0">
-                <a:solidFill>
-                  <a:schemeClr val="tx2"/>
-                </a:solidFill>
-              </a:rPr>
-              <a:t> (</a:t>
-            </a:r>
-            <a:r>
-              <a:rPr lang="fr-LU" sz="1400" b="1" dirty="0">
-                <a:solidFill>
-                  <a:schemeClr val="tx2"/>
-                </a:solidFill>
-                <a:hlinkClick r:id="rId3"/>
-              </a:rPr>
-              <a:t>Ex</a:t>
-            </a:r>
-            <a:r>
-              <a:rPr lang="fr-LU" sz="1400" b="1" dirty="0">
-                <a:solidFill>
-                  <a:schemeClr val="tx2"/>
-                </a:solidFill>
-              </a:rPr>
-              <a:t>)</a:t>
-            </a:r>
-          </a:p>
-          <a:p>
-            <a:pPr marL="360000" lvl="3" indent="-288000">
-              <a:spcBef>
-                <a:spcPts val="600"/>
-              </a:spcBef>
-            </a:pPr>
-            <a:r>
-              <a:rPr lang="fr-LU" sz="1400" b="1" dirty="0">
-                <a:ea typeface="+mn-lt"/>
-                <a:cs typeface="+mn-lt"/>
-                <a:hlinkClick r:id="rId4"/>
-              </a:rPr>
-              <a:t>?? Operator</a:t>
-            </a:r>
-            <a:endParaRPr lang="fr-LU" sz="1400" b="1" dirty="0">
-              <a:ea typeface="+mn-lt"/>
-              <a:cs typeface="+mn-lt"/>
-            </a:endParaRPr>
-          </a:p>
-          <a:p>
-            <a:pPr marL="360000" lvl="3" indent="-288000">
-              <a:spcBef>
-                <a:spcPts val="600"/>
-              </a:spcBef>
-            </a:pPr>
-            <a:r>
-              <a:rPr lang="fr-LU" sz="1400" dirty="0">
-                <a:ea typeface="+mn-lt"/>
-                <a:cs typeface="+mn-lt"/>
-              </a:rPr>
-              <a:t>« @ » </a:t>
-            </a:r>
-            <a:r>
-              <a:rPr lang="fr-LU" sz="1400" b="1" dirty="0">
-                <a:ea typeface="+mn-lt"/>
-                <a:cs typeface="+mn-lt"/>
-                <a:hlinkClick r:id="rId5"/>
-              </a:rPr>
-              <a:t>Multi-line string</a:t>
-            </a:r>
-            <a:endParaRPr lang="fr-LU" sz="1400" b="1" dirty="0">
-              <a:ea typeface="+mn-lt"/>
-              <a:cs typeface="+mn-lt"/>
-            </a:endParaRPr>
-          </a:p>
-          <a:p>
-            <a:pPr marL="360000" lvl="3" indent="-288000">
-              <a:spcBef>
-                <a:spcPts val="600"/>
-              </a:spcBef>
-            </a:pPr>
-            <a:r>
-              <a:rPr lang="fr-LU" sz="1400" dirty="0">
-                <a:ea typeface="+mn-lt"/>
-                <a:cs typeface="+mn-lt"/>
-              </a:rPr>
-              <a:t>« $"{var}" » Param string</a:t>
-            </a:r>
-          </a:p>
-          <a:p>
-            <a:pPr marL="360000" lvl="3" indent="-288000">
-              <a:spcBef>
-                <a:spcPts val="600"/>
-              </a:spcBef>
-            </a:pPr>
-            <a:r>
-              <a:rPr lang="fr-LU" sz="1400" b="1" dirty="0">
-                <a:ea typeface="+mn-lt"/>
-                <a:cs typeface="+mn-lt"/>
-                <a:hlinkClick r:id="rId6"/>
-              </a:rPr>
-              <a:t>Async / Await / Task</a:t>
-            </a:r>
-            <a:endParaRPr lang="fr-LU" sz="1400" b="1" dirty="0">
-              <a:ea typeface="+mn-lt"/>
-              <a:cs typeface="+mn-lt"/>
-            </a:endParaRPr>
-          </a:p>
-          <a:p>
-            <a:pPr marL="360000" lvl="3" indent="-288000">
-              <a:spcBef>
-                <a:spcPts val="600"/>
-              </a:spcBef>
-            </a:pPr>
-            <a:r>
-              <a:rPr lang="fr-LU" sz="1400" b="1" dirty="0" err="1">
-                <a:ea typeface="+mn-lt"/>
-                <a:cs typeface="+mn-lt"/>
-                <a:hlinkClick r:id="rId7"/>
-              </a:rPr>
-              <a:t>Enumerable.Aggregate</a:t>
-            </a:r>
-            <a:endParaRPr lang="fr-LU" sz="1400" b="1" dirty="0">
-              <a:ea typeface="+mn-lt"/>
-              <a:cs typeface="+mn-lt"/>
-            </a:endParaRPr>
-          </a:p>
-          <a:p>
-            <a:pPr marL="360000" lvl="3" indent="-288000">
-              <a:spcBef>
-                <a:spcPts val="600"/>
-              </a:spcBef>
-            </a:pPr>
-            <a:r>
-              <a:rPr lang="fr-LU" sz="1400" dirty="0">
-                <a:ea typeface="+mn-lt"/>
-                <a:cs typeface="+mn-lt"/>
-              </a:rPr>
-              <a:t>Linq</a:t>
-            </a:r>
-          </a:p>
-          <a:p>
-            <a:pPr marL="360000" lvl="3" indent="-288000">
-              <a:spcBef>
-                <a:spcPts val="600"/>
-              </a:spcBef>
-            </a:pPr>
-            <a:r>
-              <a:rPr lang="fr-LU" sz="1400" dirty="0" err="1">
-                <a:ea typeface="+mn-lt"/>
-                <a:cs typeface="+mn-lt"/>
-              </a:rPr>
-              <a:t>Throw</a:t>
-            </a:r>
-            <a:r>
-              <a:rPr lang="fr-LU" sz="1400" dirty="0">
-                <a:ea typeface="+mn-lt"/>
-                <a:cs typeface="+mn-lt"/>
-              </a:rPr>
-              <a:t> new </a:t>
-            </a:r>
-            <a:r>
-              <a:rPr lang="fr-LU" sz="1400" dirty="0" err="1">
-                <a:ea typeface="+mn-lt"/>
-                <a:cs typeface="+mn-lt"/>
-              </a:rPr>
-              <a:t>XxxException</a:t>
-            </a:r>
-            <a:endParaRPr lang="fr-FR" sz="1400" dirty="0">
-              <a:ea typeface="+mn-lt"/>
-              <a:cs typeface="+mn-lt"/>
-            </a:endParaRPr>
-          </a:p>
-        </p:txBody>
-      </p:sp>
-      <p:sp>
-        <p:nvSpPr>
-          <p:cNvPr id="10" name="Espace réservé du texte 9">
-            <a:extLst>
-              <a:ext uri="{FF2B5EF4-FFF2-40B4-BE49-F238E27FC236}">
-                <a16:creationId xmlns:a16="http://schemas.microsoft.com/office/drawing/2014/main" id="{0AA9753C-898E-43C6-9CF3-0B013FBEF7A9}"/>
-              </a:ext>
-            </a:extLst>
-          </p:cNvPr>
-          <p:cNvSpPr txBox="1">
-            <a:spLocks/>
-          </p:cNvSpPr>
-          <p:nvPr/>
-        </p:nvSpPr>
-        <p:spPr>
-          <a:xfrm>
-            <a:off x="3757624" y="1441175"/>
-            <a:ext cx="2030213" cy="2900166"/>
-          </a:xfrm>
-          <a:prstGeom prst="roundRect">
-            <a:avLst>
-              <a:gd name="adj" fmla="val 7901"/>
-            </a:avLst>
-          </a:prstGeom>
-          <a:ln w="15875">
-            <a:solidFill>
-              <a:schemeClr val="accent1"/>
-            </a:solidFill>
-          </a:ln>
-        </p:spPr>
-        <p:txBody>
-          <a:bodyPr vert="horz" lIns="0" tIns="0" rIns="0" bIns="0" rtlCol="0">
-            <a:noAutofit/>
-          </a:bodyPr>
-          <a:lstStyle>
-            <a:lvl1pPr marL="360000" indent="-360000" algn="l" defTabSz="914400" rtl="0" eaLnBrk="1" latinLnBrk="0" hangingPunct="1">
-              <a:lnSpc>
-                <a:spcPct val="90000"/>
-              </a:lnSpc>
-              <a:spcBef>
-                <a:spcPts val="1000"/>
-              </a:spcBef>
-              <a:buFont typeface="Arial" panose="020B0604020202020204" pitchFamily="34" charset="0"/>
-              <a:buChar char="•"/>
-              <a:defRPr sz="2000" b="1" kern="1200">
-                <a:solidFill>
-                  <a:schemeClr val="tx1"/>
-                </a:solidFill>
-                <a:latin typeface="+mn-lt"/>
-                <a:ea typeface="+mn-ea"/>
-                <a:cs typeface="+mn-cs"/>
-              </a:defRPr>
-            </a:lvl1pPr>
-            <a:lvl2pPr marL="648000" indent="-360000" algn="l" defTabSz="914400" rtl="0" eaLnBrk="1" latinLnBrk="0" hangingPunct="1">
-              <a:lnSpc>
-                <a:spcPct val="90000"/>
-              </a:lnSpc>
-              <a:spcBef>
-                <a:spcPts val="1200"/>
-              </a:spcBef>
-              <a:buFont typeface="Arial" panose="020B0604020202020204" pitchFamily="34" charset="0"/>
-              <a:buChar char="•"/>
-              <a:defRPr sz="1800" b="1" kern="1200">
-                <a:solidFill>
-                  <a:schemeClr val="tx2"/>
-                </a:solidFill>
-                <a:latin typeface="+mn-lt"/>
-                <a:ea typeface="+mn-ea"/>
-                <a:cs typeface="+mn-cs"/>
-              </a:defRPr>
-            </a:lvl2pPr>
-            <a:lvl3pPr marL="648000" indent="-360000" algn="l" defTabSz="914400" rtl="0" eaLnBrk="1" latinLnBrk="0" hangingPunct="1">
-              <a:lnSpc>
-                <a:spcPct val="90000"/>
-              </a:lnSpc>
-              <a:spcBef>
-                <a:spcPts val="1200"/>
-              </a:spcBef>
-              <a:buFont typeface="Arial" panose="020B0604020202020204" pitchFamily="34" charset="0"/>
-              <a:buChar char="•"/>
-              <a:defRPr sz="1800" b="1" kern="1200">
-                <a:solidFill>
-                  <a:schemeClr val="bg1">
-                    <a:lumMod val="65000"/>
-                  </a:schemeClr>
-                </a:solidFill>
-                <a:latin typeface="+mn-lt"/>
-                <a:ea typeface="+mn-ea"/>
-                <a:cs typeface="+mn-cs"/>
-              </a:defRPr>
-            </a:lvl3pPr>
-            <a:lvl4pPr marL="720000" indent="-270000" algn="l" defTabSz="914400" rtl="0" eaLnBrk="1" latinLnBrk="0" hangingPunct="1">
-              <a:lnSpc>
-                <a:spcPct val="90000"/>
-              </a:lnSpc>
-              <a:spcBef>
-                <a:spcPts val="1000"/>
-              </a:spcBef>
-              <a:buFont typeface="Arial" panose="020B0604020202020204" pitchFamily="34" charset="0"/>
-              <a:buChar char="•"/>
-              <a:defRPr sz="1600" kern="1200">
-                <a:solidFill>
-                  <a:schemeClr val="tx2"/>
-                </a:solidFill>
-                <a:latin typeface="+mn-lt"/>
-                <a:ea typeface="+mn-ea"/>
-                <a:cs typeface="+mn-cs"/>
-              </a:defRPr>
-            </a:lvl4pPr>
-            <a:lvl5pPr marL="630000" indent="-270000" algn="l" defTabSz="914400" rtl="0" eaLnBrk="1" latinLnBrk="0" hangingPunct="1">
-              <a:lnSpc>
-                <a:spcPct val="90000"/>
-              </a:lnSpc>
-              <a:spcBef>
-                <a:spcPts val="1000"/>
-              </a:spcBef>
-              <a:buFont typeface="Arial" panose="020B0604020202020204" pitchFamily="34" charset="0"/>
-              <a:buChar char="•"/>
-              <a:defRPr sz="1600" kern="1200">
-                <a:solidFill>
-                  <a:schemeClr val="tx2"/>
-                </a:solidFill>
-                <a:latin typeface="+mn-lt"/>
-                <a:ea typeface="+mn-ea"/>
-                <a:cs typeface="+mn-cs"/>
-              </a:defRPr>
-            </a:lvl5pPr>
-            <a:lvl6pPr marL="2514600" indent="-228600" algn="l" defTabSz="914400" rtl="0" eaLnBrk="1" latinLnBrk="0" hangingPunct="1">
-              <a:lnSpc>
-                <a:spcPct val="90000"/>
-              </a:lnSpc>
-              <a:spcBef>
-                <a:spcPts val="500"/>
-              </a:spcBef>
-              <a:buFont typeface="Arial" panose="020B0604020202020204" pitchFamily="34" charset="0"/>
-              <a:buChar char="•"/>
-              <a:defRPr sz="1800" kern="1200">
-                <a:solidFill>
-                  <a:schemeClr val="tx1"/>
-                </a:solidFill>
-                <a:latin typeface="+mn-lt"/>
-                <a:ea typeface="+mn-ea"/>
-                <a:cs typeface="+mn-cs"/>
-              </a:defRPr>
-            </a:lvl6pPr>
-            <a:lvl7pPr marL="2971800" indent="-228600" algn="l" defTabSz="914400" rtl="0" eaLnBrk="1" latinLnBrk="0" hangingPunct="1">
-              <a:lnSpc>
-                <a:spcPct val="90000"/>
-              </a:lnSpc>
-              <a:spcBef>
-                <a:spcPts val="500"/>
-              </a:spcBef>
-              <a:buFont typeface="Arial" panose="020B0604020202020204" pitchFamily="34" charset="0"/>
-              <a:buChar char="•"/>
-              <a:defRPr sz="1800" kern="1200">
-                <a:solidFill>
-                  <a:schemeClr val="tx1"/>
-                </a:solidFill>
-                <a:latin typeface="+mn-lt"/>
-                <a:ea typeface="+mn-ea"/>
-                <a:cs typeface="+mn-cs"/>
-              </a:defRPr>
-            </a:lvl7pPr>
-            <a:lvl8pPr marL="3429000" indent="-228600" algn="l" defTabSz="914400" rtl="0" eaLnBrk="1" latinLnBrk="0" hangingPunct="1">
-              <a:lnSpc>
-                <a:spcPct val="90000"/>
-              </a:lnSpc>
-              <a:spcBef>
-                <a:spcPts val="500"/>
-              </a:spcBef>
-              <a:buFont typeface="Arial" panose="020B0604020202020204" pitchFamily="34" charset="0"/>
-              <a:buChar char="•"/>
-              <a:defRPr sz="1800" kern="1200">
-                <a:solidFill>
-                  <a:schemeClr val="tx1"/>
-                </a:solidFill>
-                <a:latin typeface="+mn-lt"/>
-                <a:ea typeface="+mn-ea"/>
-                <a:cs typeface="+mn-cs"/>
-              </a:defRPr>
-            </a:lvl8pPr>
-            <a:lvl9pPr marL="3886200" indent="-228600" algn="l" defTabSz="914400" rtl="0" eaLnBrk="1" latinLnBrk="0" hangingPunct="1">
-              <a:lnSpc>
-                <a:spcPct val="90000"/>
-              </a:lnSpc>
-              <a:spcBef>
-                <a:spcPts val="500"/>
-              </a:spcBef>
-              <a:buFont typeface="Arial" panose="020B0604020202020204" pitchFamily="34" charset="0"/>
-              <a:buChar char="•"/>
-              <a:defRPr sz="1800" kern="1200">
-                <a:solidFill>
-                  <a:schemeClr val="tx1"/>
-                </a:solidFill>
-                <a:latin typeface="+mn-lt"/>
-                <a:ea typeface="+mn-ea"/>
-                <a:cs typeface="+mn-cs"/>
-              </a:defRPr>
-            </a:lvl9pPr>
-          </a:lstStyle>
-          <a:p>
-            <a:pPr marL="0" indent="0" algn="ctr">
-              <a:buFont typeface="Arial" panose="020B0604020202020204" pitchFamily="34" charset="0"/>
-              <a:buNone/>
-            </a:pPr>
-            <a:r>
-              <a:rPr lang="fr-FR" sz="1600" dirty="0">
-                <a:ea typeface="+mn-lt"/>
-                <a:cs typeface="+mn-lt"/>
-              </a:rPr>
-              <a:t>Class</a:t>
-            </a:r>
-            <a:endParaRPr lang="fr-FR" sz="1600" b="0" dirty="0">
-              <a:ea typeface="+mn-lt"/>
-              <a:cs typeface="+mn-lt"/>
-            </a:endParaRPr>
-          </a:p>
-          <a:p>
-            <a:pPr marL="288000" indent="-216000">
-              <a:spcBef>
-                <a:spcPts val="600"/>
-              </a:spcBef>
-            </a:pPr>
-            <a:r>
-              <a:rPr lang="fr-LU" sz="1400" dirty="0">
-                <a:solidFill>
-                  <a:schemeClr val="tx2"/>
-                </a:solidFill>
-                <a:ea typeface="+mn-lt"/>
-                <a:cs typeface="+mn-lt"/>
-              </a:rPr>
-              <a:t>Nommage</a:t>
-            </a:r>
-          </a:p>
-          <a:p>
-            <a:pPr marL="288000" indent="-216000">
-              <a:spcBef>
-                <a:spcPts val="600"/>
-              </a:spcBef>
-            </a:pPr>
-            <a:r>
-              <a:rPr lang="fr-LU" sz="1400" dirty="0">
-                <a:solidFill>
-                  <a:schemeClr val="tx2"/>
-                </a:solidFill>
-                <a:ea typeface="+mn-lt"/>
-                <a:cs typeface="+mn-lt"/>
-              </a:rPr>
-              <a:t>Contenu Ordonné</a:t>
-            </a:r>
-          </a:p>
-          <a:p>
-            <a:pPr marL="432000" lvl="1" indent="-216000">
-              <a:spcBef>
-                <a:spcPts val="600"/>
-              </a:spcBef>
-            </a:pPr>
-            <a:r>
-              <a:rPr lang="fr-LU" sz="1400" b="0" dirty="0"/>
-              <a:t>Classe</a:t>
-            </a:r>
-          </a:p>
-          <a:p>
-            <a:pPr marL="432000" lvl="1" indent="-216000">
-              <a:spcBef>
-                <a:spcPts val="600"/>
-              </a:spcBef>
-            </a:pPr>
-            <a:r>
-              <a:rPr lang="fr-LU" sz="1400" b="0" dirty="0"/>
-              <a:t>Propriété</a:t>
-            </a:r>
-          </a:p>
-          <a:p>
-            <a:pPr marL="432000" lvl="1" indent="-216000">
-              <a:spcBef>
-                <a:spcPts val="600"/>
-              </a:spcBef>
-            </a:pPr>
-            <a:r>
-              <a:rPr lang="fr-LU" sz="1400" b="0" dirty="0"/>
-              <a:t>Constructeur</a:t>
-            </a:r>
-          </a:p>
-          <a:p>
-            <a:pPr marL="432000" lvl="1" indent="-216000">
-              <a:spcBef>
-                <a:spcPts val="600"/>
-              </a:spcBef>
-            </a:pPr>
-            <a:r>
-              <a:rPr lang="fr-LU" sz="1400" b="0" dirty="0"/>
-              <a:t>Method Public</a:t>
-            </a:r>
-          </a:p>
-          <a:p>
-            <a:pPr marL="432000" lvl="1" indent="-216000">
-              <a:spcBef>
-                <a:spcPts val="600"/>
-              </a:spcBef>
-            </a:pPr>
-            <a:r>
-              <a:rPr lang="fr-LU" sz="1400" b="0" dirty="0"/>
-              <a:t>Method Privée</a:t>
-            </a:r>
-            <a:endParaRPr lang="fr-LU" sz="1600" b="1" dirty="0">
-              <a:solidFill>
-                <a:schemeClr val="tx2"/>
-              </a:solidFill>
-            </a:endParaRPr>
-          </a:p>
-        </p:txBody>
-      </p:sp>
-      <p:sp>
-        <p:nvSpPr>
-          <p:cNvPr id="12" name="Espace réservé du texte 9">
-            <a:extLst>
-              <a:ext uri="{FF2B5EF4-FFF2-40B4-BE49-F238E27FC236}">
-                <a16:creationId xmlns:a16="http://schemas.microsoft.com/office/drawing/2014/main" id="{A5BCD49F-A75B-4CE7-B94F-D28E5C93C2B9}"/>
-              </a:ext>
-            </a:extLst>
-          </p:cNvPr>
-          <p:cNvSpPr txBox="1">
-            <a:spLocks/>
-          </p:cNvSpPr>
-          <p:nvPr/>
-        </p:nvSpPr>
-        <p:spPr>
-          <a:xfrm>
-            <a:off x="3757623" y="4494417"/>
-            <a:ext cx="2030214" cy="1355540"/>
-          </a:xfrm>
-          <a:prstGeom prst="roundRect">
-            <a:avLst>
-              <a:gd name="adj" fmla="val 12457"/>
-            </a:avLst>
-          </a:prstGeom>
-          <a:ln w="15875">
-            <a:solidFill>
-              <a:schemeClr val="accent1"/>
-            </a:solidFill>
-          </a:ln>
-        </p:spPr>
-        <p:txBody>
-          <a:bodyPr vert="horz" lIns="0" tIns="0" rIns="0" bIns="0" rtlCol="0">
-            <a:noAutofit/>
-          </a:bodyPr>
-          <a:lstStyle>
-            <a:lvl1pPr marL="360000" indent="-360000" algn="l" defTabSz="914400" rtl="0" eaLnBrk="1" latinLnBrk="0" hangingPunct="1">
-              <a:lnSpc>
-                <a:spcPct val="90000"/>
-              </a:lnSpc>
-              <a:spcBef>
-                <a:spcPts val="1000"/>
-              </a:spcBef>
-              <a:buFont typeface="Arial" panose="020B0604020202020204" pitchFamily="34" charset="0"/>
-              <a:buChar char="•"/>
-              <a:defRPr sz="2000" b="1" kern="1200">
-                <a:solidFill>
-                  <a:schemeClr val="tx1"/>
-                </a:solidFill>
-                <a:latin typeface="+mn-lt"/>
-                <a:ea typeface="+mn-ea"/>
-                <a:cs typeface="+mn-cs"/>
-              </a:defRPr>
-            </a:lvl1pPr>
-            <a:lvl2pPr marL="648000" indent="-360000" algn="l" defTabSz="914400" rtl="0" eaLnBrk="1" latinLnBrk="0" hangingPunct="1">
-              <a:lnSpc>
-                <a:spcPct val="90000"/>
-              </a:lnSpc>
-              <a:spcBef>
-                <a:spcPts val="1200"/>
-              </a:spcBef>
-              <a:buFont typeface="Arial" panose="020B0604020202020204" pitchFamily="34" charset="0"/>
-              <a:buChar char="•"/>
-              <a:defRPr sz="1800" b="1" kern="1200">
-                <a:solidFill>
-                  <a:schemeClr val="tx2"/>
-                </a:solidFill>
-                <a:latin typeface="+mn-lt"/>
-                <a:ea typeface="+mn-ea"/>
-                <a:cs typeface="+mn-cs"/>
-              </a:defRPr>
-            </a:lvl2pPr>
-            <a:lvl3pPr marL="648000" indent="-360000" algn="l" defTabSz="914400" rtl="0" eaLnBrk="1" latinLnBrk="0" hangingPunct="1">
-              <a:lnSpc>
-                <a:spcPct val="90000"/>
-              </a:lnSpc>
-              <a:spcBef>
-                <a:spcPts val="1200"/>
-              </a:spcBef>
-              <a:buFont typeface="Arial" panose="020B0604020202020204" pitchFamily="34" charset="0"/>
-              <a:buChar char="•"/>
-              <a:defRPr sz="1800" b="1" kern="1200">
-                <a:solidFill>
-                  <a:schemeClr val="bg1">
-                    <a:lumMod val="65000"/>
-                  </a:schemeClr>
-                </a:solidFill>
-                <a:latin typeface="+mn-lt"/>
-                <a:ea typeface="+mn-ea"/>
-                <a:cs typeface="+mn-cs"/>
-              </a:defRPr>
-            </a:lvl3pPr>
-            <a:lvl4pPr marL="720000" indent="-270000" algn="l" defTabSz="914400" rtl="0" eaLnBrk="1" latinLnBrk="0" hangingPunct="1">
-              <a:lnSpc>
-                <a:spcPct val="90000"/>
-              </a:lnSpc>
-              <a:spcBef>
-                <a:spcPts val="1000"/>
-              </a:spcBef>
-              <a:buFont typeface="Arial" panose="020B0604020202020204" pitchFamily="34" charset="0"/>
-              <a:buChar char="•"/>
-              <a:defRPr sz="1600" kern="1200">
-                <a:solidFill>
-                  <a:schemeClr val="tx2"/>
-                </a:solidFill>
-                <a:latin typeface="+mn-lt"/>
-                <a:ea typeface="+mn-ea"/>
-                <a:cs typeface="+mn-cs"/>
-              </a:defRPr>
-            </a:lvl4pPr>
-            <a:lvl5pPr marL="630000" indent="-270000" algn="l" defTabSz="914400" rtl="0" eaLnBrk="1" latinLnBrk="0" hangingPunct="1">
-              <a:lnSpc>
-                <a:spcPct val="90000"/>
-              </a:lnSpc>
-              <a:spcBef>
-                <a:spcPts val="1000"/>
-              </a:spcBef>
-              <a:buFont typeface="Arial" panose="020B0604020202020204" pitchFamily="34" charset="0"/>
-              <a:buChar char="•"/>
-              <a:defRPr sz="1600" kern="1200">
-                <a:solidFill>
-                  <a:schemeClr val="tx2"/>
-                </a:solidFill>
-                <a:latin typeface="+mn-lt"/>
-                <a:ea typeface="+mn-ea"/>
-                <a:cs typeface="+mn-cs"/>
-              </a:defRPr>
-            </a:lvl5pPr>
-            <a:lvl6pPr marL="2514600" indent="-228600" algn="l" defTabSz="914400" rtl="0" eaLnBrk="1" latinLnBrk="0" hangingPunct="1">
-              <a:lnSpc>
-                <a:spcPct val="90000"/>
-              </a:lnSpc>
-              <a:spcBef>
-                <a:spcPts val="500"/>
-              </a:spcBef>
-              <a:buFont typeface="Arial" panose="020B0604020202020204" pitchFamily="34" charset="0"/>
-              <a:buChar char="•"/>
-              <a:defRPr sz="1800" kern="1200">
-                <a:solidFill>
-                  <a:schemeClr val="tx1"/>
-                </a:solidFill>
-                <a:latin typeface="+mn-lt"/>
-                <a:ea typeface="+mn-ea"/>
-                <a:cs typeface="+mn-cs"/>
-              </a:defRPr>
-            </a:lvl6pPr>
-            <a:lvl7pPr marL="2971800" indent="-228600" algn="l" defTabSz="914400" rtl="0" eaLnBrk="1" latinLnBrk="0" hangingPunct="1">
-              <a:lnSpc>
-                <a:spcPct val="90000"/>
-              </a:lnSpc>
-              <a:spcBef>
-                <a:spcPts val="500"/>
-              </a:spcBef>
-              <a:buFont typeface="Arial" panose="020B0604020202020204" pitchFamily="34" charset="0"/>
-              <a:buChar char="•"/>
-              <a:defRPr sz="1800" kern="1200">
-                <a:solidFill>
-                  <a:schemeClr val="tx1"/>
-                </a:solidFill>
-                <a:latin typeface="+mn-lt"/>
-                <a:ea typeface="+mn-ea"/>
-                <a:cs typeface="+mn-cs"/>
-              </a:defRPr>
-            </a:lvl7pPr>
-            <a:lvl8pPr marL="3429000" indent="-228600" algn="l" defTabSz="914400" rtl="0" eaLnBrk="1" latinLnBrk="0" hangingPunct="1">
-              <a:lnSpc>
-                <a:spcPct val="90000"/>
-              </a:lnSpc>
-              <a:spcBef>
-                <a:spcPts val="500"/>
-              </a:spcBef>
-              <a:buFont typeface="Arial" panose="020B0604020202020204" pitchFamily="34" charset="0"/>
-              <a:buChar char="•"/>
-              <a:defRPr sz="1800" kern="1200">
-                <a:solidFill>
-                  <a:schemeClr val="tx1"/>
-                </a:solidFill>
-                <a:latin typeface="+mn-lt"/>
-                <a:ea typeface="+mn-ea"/>
-                <a:cs typeface="+mn-cs"/>
-              </a:defRPr>
-            </a:lvl8pPr>
-            <a:lvl9pPr marL="3886200" indent="-228600" algn="l" defTabSz="914400" rtl="0" eaLnBrk="1" latinLnBrk="0" hangingPunct="1">
-              <a:lnSpc>
-                <a:spcPct val="90000"/>
-              </a:lnSpc>
-              <a:spcBef>
-                <a:spcPts val="500"/>
-              </a:spcBef>
-              <a:buFont typeface="Arial" panose="020B0604020202020204" pitchFamily="34" charset="0"/>
-              <a:buChar char="•"/>
-              <a:defRPr sz="1800" kern="1200">
-                <a:solidFill>
-                  <a:schemeClr val="tx1"/>
-                </a:solidFill>
-                <a:latin typeface="+mn-lt"/>
-                <a:ea typeface="+mn-ea"/>
-                <a:cs typeface="+mn-cs"/>
-              </a:defRPr>
-            </a:lvl9pPr>
-          </a:lstStyle>
-          <a:p>
-            <a:pPr marL="0" indent="0" algn="ctr">
-              <a:buFont typeface="Arial" panose="020B0604020202020204" pitchFamily="34" charset="0"/>
-              <a:buNone/>
-            </a:pPr>
-            <a:r>
-              <a:rPr lang="fr-FR" sz="1600" dirty="0">
-                <a:ea typeface="+mn-lt"/>
-                <a:cs typeface="+mn-lt"/>
-              </a:rPr>
-              <a:t>Comment</a:t>
-            </a:r>
-          </a:p>
-          <a:p>
-            <a:pPr marL="288000" lvl="1" indent="-216000">
-              <a:spcBef>
-                <a:spcPts val="600"/>
-              </a:spcBef>
-            </a:pPr>
-            <a:r>
-              <a:rPr lang="fr-FR" sz="1400" dirty="0">
-                <a:ea typeface="+mn-lt"/>
-                <a:cs typeface="+mn-lt"/>
-              </a:rPr>
-              <a:t>Summary</a:t>
-            </a:r>
-          </a:p>
-          <a:p>
-            <a:pPr marL="288000" lvl="1" indent="-216000">
-              <a:spcBef>
-                <a:spcPts val="600"/>
-              </a:spcBef>
-            </a:pPr>
-            <a:r>
-              <a:rPr lang="fr-FR" sz="1400" dirty="0"/>
-              <a:t>// Todo &lt;=&gt; </a:t>
-            </a:r>
-            <a:r>
-              <a:rPr lang="fr-FR" sz="1400" b="0" dirty="0"/>
-              <a:t>Code à </a:t>
-            </a:r>
-            <a:r>
-              <a:rPr lang="fr-FR" sz="1400" b="0" dirty="0" err="1"/>
-              <a:t>re-travailler</a:t>
-            </a:r>
-            <a:endParaRPr lang="fr-FR" sz="1400" b="0" dirty="0"/>
-          </a:p>
-          <a:p>
-            <a:pPr marL="288000" lvl="1" indent="-216000">
-              <a:spcBef>
-                <a:spcPts val="600"/>
-              </a:spcBef>
-            </a:pPr>
-            <a:endParaRPr lang="fr-FR" sz="1400" dirty="0">
-              <a:ea typeface="+mn-lt"/>
-              <a:cs typeface="+mn-lt"/>
-            </a:endParaRPr>
-          </a:p>
-        </p:txBody>
-      </p:sp>
-      <p:sp>
-        <p:nvSpPr>
           <p:cNvPr id="5" name="Espace réservé du texte 7">
             <a:extLst>
               <a:ext uri="{FF2B5EF4-FFF2-40B4-BE49-F238E27FC236}">
@@ -29664,8 +31789,8 @@
         </p:nvSpPr>
         <p:spPr>
           <a:xfrm>
-            <a:off x="6205329" y="4424516"/>
-            <a:ext cx="4974283" cy="1425441"/>
+            <a:off x="6330927" y="4135978"/>
+            <a:ext cx="3861924" cy="1425441"/>
           </a:xfrm>
           <a:prstGeom prst="roundRect">
             <a:avLst>
@@ -29879,7 +32004,7 @@
                 </a:solidFill>
                 <a:ea typeface="+mn-lt"/>
                 <a:cs typeface="+mn-lt"/>
-                <a:hlinkClick r:id="rId8"/>
+                <a:hlinkClick r:id="rId2"/>
               </a:rPr>
               <a:t>HttpClient</a:t>
             </a:r>
@@ -29900,7 +32025,7 @@
                 </a:solidFill>
                 <a:ea typeface="+mn-lt"/>
                 <a:cs typeface="+mn-lt"/>
-                <a:hlinkClick r:id="rId9"/>
+                <a:hlinkClick r:id="rId3"/>
               </a:rPr>
               <a:t>Exemple</a:t>
             </a:r>
@@ -29925,7 +32050,7 @@
                 </a:solidFill>
                 <a:ea typeface="+mn-lt"/>
                 <a:cs typeface="+mn-lt"/>
-                <a:hlinkClick r:id="rId10"/>
+                <a:hlinkClick r:id="rId4"/>
               </a:rPr>
               <a:t>HttpClientFactory</a:t>
             </a:r>
@@ -29941,7 +32066,7 @@
             </a:r>
             <a:r>
               <a:rPr lang="en-US" sz="1400" dirty="0">
-                <a:hlinkClick r:id="rId11"/>
+                <a:hlinkClick r:id="rId5"/>
               </a:rPr>
               <a:t>Lib</a:t>
             </a:r>
@@ -29963,7 +32088,7 @@
             </a:r>
             <a:r>
               <a:rPr lang="en-US" sz="1400" dirty="0">
-                <a:hlinkClick r:id="rId12"/>
+                <a:hlinkClick r:id="rId6"/>
               </a:rPr>
               <a:t>Learn1</a:t>
             </a:r>
@@ -29981,7 +32106,7 @@
             </a:r>
             <a:r>
               <a:rPr lang="en-US" sz="1400" dirty="0">
-                <a:hlinkClick r:id="rId13"/>
+                <a:hlinkClick r:id="rId7"/>
               </a:rPr>
               <a:t>Learn2</a:t>
             </a:r>
@@ -30006,7 +32131,7 @@
                 </a:solidFill>
                 <a:ea typeface="+mn-lt"/>
                 <a:cs typeface="+mn-lt"/>
-                <a:hlinkClick r:id="rId14"/>
+                <a:hlinkClick r:id="rId8"/>
               </a:rPr>
               <a:t>Http Message Handler</a:t>
             </a:r>
@@ -30037,7 +32162,7 @@
                 </a:solidFill>
                 <a:ea typeface="+mn-lt"/>
                 <a:cs typeface="+mn-lt"/>
-                <a:hlinkClick r:id="rId15">
+                <a:hlinkClick r:id="rId9">
                   <a:extLst>
                     <a:ext uri="{A12FA001-AC4F-418D-AE19-62706E023703}">
                       <ahyp:hlinkClr xmlns:ahyp="http://schemas.microsoft.com/office/drawing/2018/hyperlinkcolor" val="tx"/>
@@ -30116,7 +32241,7 @@
               </a:solidFill>
               <a:ea typeface="+mn-lt"/>
               <a:cs typeface="+mn-lt"/>
-              <a:hlinkClick r:id="rId8">
+              <a:hlinkClick r:id="rId2">
                 <a:extLst>
                   <a:ext uri="{A12FA001-AC4F-418D-AE19-62706E023703}">
                     <ahyp:hlinkClr xmlns:ahyp="http://schemas.microsoft.com/office/drawing/2018/hyperlinkcolor" val="tx"/>
@@ -30124,223 +32249,6 @@
                 </a:extLst>
               </a:hlinkClick>
             </a:endParaRPr>
-          </a:p>
-        </p:txBody>
-      </p:sp>
-      <p:sp>
-        <p:nvSpPr>
-          <p:cNvPr id="8" name="Espace réservé du texte 7">
-            <a:extLst>
-              <a:ext uri="{FF2B5EF4-FFF2-40B4-BE49-F238E27FC236}">
-                <a16:creationId xmlns:a16="http://schemas.microsoft.com/office/drawing/2014/main" id="{2F5AC21B-8632-B83E-4DFC-4402817B0841}"/>
-              </a:ext>
-            </a:extLst>
-          </p:cNvPr>
-          <p:cNvSpPr txBox="1">
-            <a:spLocks/>
-          </p:cNvSpPr>
-          <p:nvPr/>
-        </p:nvSpPr>
-        <p:spPr>
-          <a:xfrm>
-            <a:off x="6096000" y="1089498"/>
-            <a:ext cx="5184774" cy="4889103"/>
-          </a:xfrm>
-          <a:prstGeom prst="roundRect">
-            <a:avLst>
-              <a:gd name="adj" fmla="val 4159"/>
-            </a:avLst>
-          </a:prstGeom>
-          <a:ln w="15875">
-            <a:solidFill>
-              <a:schemeClr val="accent1"/>
-            </a:solidFill>
-          </a:ln>
-        </p:spPr>
-        <p:txBody>
-          <a:bodyPr vert="horz" lIns="0" tIns="0" rIns="0" bIns="0" rtlCol="0">
-            <a:noAutofit/>
-          </a:bodyPr>
-          <a:lstStyle>
-            <a:lvl1pPr marL="360000" indent="-360000" algn="l" defTabSz="914400" rtl="0" eaLnBrk="1" latinLnBrk="0" hangingPunct="1">
-              <a:lnSpc>
-                <a:spcPct val="90000"/>
-              </a:lnSpc>
-              <a:spcBef>
-                <a:spcPts val="1000"/>
-              </a:spcBef>
-              <a:buFont typeface="Arial" panose="020B0604020202020204" pitchFamily="34" charset="0"/>
-              <a:buChar char="•"/>
-              <a:defRPr sz="2000" b="1" kern="1200">
-                <a:solidFill>
-                  <a:schemeClr val="tx1"/>
-                </a:solidFill>
-                <a:latin typeface="+mn-lt"/>
-                <a:ea typeface="+mn-ea"/>
-                <a:cs typeface="+mn-cs"/>
-              </a:defRPr>
-            </a:lvl1pPr>
-            <a:lvl2pPr marL="648000" indent="-360000" algn="l" defTabSz="914400" rtl="0" eaLnBrk="1" latinLnBrk="0" hangingPunct="1">
-              <a:lnSpc>
-                <a:spcPct val="90000"/>
-              </a:lnSpc>
-              <a:spcBef>
-                <a:spcPts val="1200"/>
-              </a:spcBef>
-              <a:buFont typeface="Arial" panose="020B0604020202020204" pitchFamily="34" charset="0"/>
-              <a:buChar char="•"/>
-              <a:defRPr sz="1800" b="1" kern="1200">
-                <a:solidFill>
-                  <a:schemeClr val="tx2"/>
-                </a:solidFill>
-                <a:latin typeface="+mn-lt"/>
-                <a:ea typeface="+mn-ea"/>
-                <a:cs typeface="+mn-cs"/>
-              </a:defRPr>
-            </a:lvl2pPr>
-            <a:lvl3pPr marL="648000" indent="-360000" algn="l" defTabSz="914400" rtl="0" eaLnBrk="1" latinLnBrk="0" hangingPunct="1">
-              <a:lnSpc>
-                <a:spcPct val="90000"/>
-              </a:lnSpc>
-              <a:spcBef>
-                <a:spcPts val="1200"/>
-              </a:spcBef>
-              <a:buFont typeface="Arial" panose="020B0604020202020204" pitchFamily="34" charset="0"/>
-              <a:buChar char="•"/>
-              <a:defRPr sz="1800" b="1" kern="1200">
-                <a:solidFill>
-                  <a:schemeClr val="bg1">
-                    <a:lumMod val="65000"/>
-                  </a:schemeClr>
-                </a:solidFill>
-                <a:latin typeface="+mn-lt"/>
-                <a:ea typeface="+mn-ea"/>
-                <a:cs typeface="+mn-cs"/>
-              </a:defRPr>
-            </a:lvl3pPr>
-            <a:lvl4pPr marL="720000" indent="-270000" algn="l" defTabSz="914400" rtl="0" eaLnBrk="1" latinLnBrk="0" hangingPunct="1">
-              <a:lnSpc>
-                <a:spcPct val="90000"/>
-              </a:lnSpc>
-              <a:spcBef>
-                <a:spcPts val="1000"/>
-              </a:spcBef>
-              <a:buFont typeface="Arial" panose="020B0604020202020204" pitchFamily="34" charset="0"/>
-              <a:buChar char="•"/>
-              <a:defRPr sz="1600" kern="1200">
-                <a:solidFill>
-                  <a:schemeClr val="tx2"/>
-                </a:solidFill>
-                <a:latin typeface="+mn-lt"/>
-                <a:ea typeface="+mn-ea"/>
-                <a:cs typeface="+mn-cs"/>
-              </a:defRPr>
-            </a:lvl4pPr>
-            <a:lvl5pPr marL="630000" indent="-270000" algn="l" defTabSz="914400" rtl="0" eaLnBrk="1" latinLnBrk="0" hangingPunct="1">
-              <a:lnSpc>
-                <a:spcPct val="90000"/>
-              </a:lnSpc>
-              <a:spcBef>
-                <a:spcPts val="1000"/>
-              </a:spcBef>
-              <a:buFont typeface="Arial" panose="020B0604020202020204" pitchFamily="34" charset="0"/>
-              <a:buChar char="•"/>
-              <a:defRPr sz="1600" kern="1200">
-                <a:solidFill>
-                  <a:schemeClr val="tx2"/>
-                </a:solidFill>
-                <a:latin typeface="+mn-lt"/>
-                <a:ea typeface="+mn-ea"/>
-                <a:cs typeface="+mn-cs"/>
-              </a:defRPr>
-            </a:lvl5pPr>
-            <a:lvl6pPr marL="2514600" indent="-228600" algn="l" defTabSz="914400" rtl="0" eaLnBrk="1" latinLnBrk="0" hangingPunct="1">
-              <a:lnSpc>
-                <a:spcPct val="90000"/>
-              </a:lnSpc>
-              <a:spcBef>
-                <a:spcPts val="500"/>
-              </a:spcBef>
-              <a:buFont typeface="Arial" panose="020B0604020202020204" pitchFamily="34" charset="0"/>
-              <a:buChar char="•"/>
-              <a:defRPr sz="1800" kern="1200">
-                <a:solidFill>
-                  <a:schemeClr val="tx1"/>
-                </a:solidFill>
-                <a:latin typeface="+mn-lt"/>
-                <a:ea typeface="+mn-ea"/>
-                <a:cs typeface="+mn-cs"/>
-              </a:defRPr>
-            </a:lvl6pPr>
-            <a:lvl7pPr marL="2971800" indent="-228600" algn="l" defTabSz="914400" rtl="0" eaLnBrk="1" latinLnBrk="0" hangingPunct="1">
-              <a:lnSpc>
-                <a:spcPct val="90000"/>
-              </a:lnSpc>
-              <a:spcBef>
-                <a:spcPts val="500"/>
-              </a:spcBef>
-              <a:buFont typeface="Arial" panose="020B0604020202020204" pitchFamily="34" charset="0"/>
-              <a:buChar char="•"/>
-              <a:defRPr sz="1800" kern="1200">
-                <a:solidFill>
-                  <a:schemeClr val="tx1"/>
-                </a:solidFill>
-                <a:latin typeface="+mn-lt"/>
-                <a:ea typeface="+mn-ea"/>
-                <a:cs typeface="+mn-cs"/>
-              </a:defRPr>
-            </a:lvl7pPr>
-            <a:lvl8pPr marL="3429000" indent="-228600" algn="l" defTabSz="914400" rtl="0" eaLnBrk="1" latinLnBrk="0" hangingPunct="1">
-              <a:lnSpc>
-                <a:spcPct val="90000"/>
-              </a:lnSpc>
-              <a:spcBef>
-                <a:spcPts val="500"/>
-              </a:spcBef>
-              <a:buFont typeface="Arial" panose="020B0604020202020204" pitchFamily="34" charset="0"/>
-              <a:buChar char="•"/>
-              <a:defRPr sz="1800" kern="1200">
-                <a:solidFill>
-                  <a:schemeClr val="tx1"/>
-                </a:solidFill>
-                <a:latin typeface="+mn-lt"/>
-                <a:ea typeface="+mn-ea"/>
-                <a:cs typeface="+mn-cs"/>
-              </a:defRPr>
-            </a:lvl8pPr>
-            <a:lvl9pPr marL="3886200" indent="-228600" algn="l" defTabSz="914400" rtl="0" eaLnBrk="1" latinLnBrk="0" hangingPunct="1">
-              <a:lnSpc>
-                <a:spcPct val="90000"/>
-              </a:lnSpc>
-              <a:spcBef>
-                <a:spcPts val="500"/>
-              </a:spcBef>
-              <a:buFont typeface="Arial" panose="020B0604020202020204" pitchFamily="34" charset="0"/>
-              <a:buChar char="•"/>
-              <a:defRPr sz="1800" kern="1200">
-                <a:solidFill>
-                  <a:schemeClr val="tx1"/>
-                </a:solidFill>
-                <a:latin typeface="+mn-lt"/>
-                <a:ea typeface="+mn-ea"/>
-                <a:cs typeface="+mn-cs"/>
-              </a:defRPr>
-            </a:lvl9pPr>
-          </a:lstStyle>
-          <a:p>
-            <a:pPr marL="0" indent="0" algn="ctr">
-              <a:spcBef>
-                <a:spcPts val="600"/>
-              </a:spcBef>
-              <a:buNone/>
-            </a:pPr>
-            <a:r>
-              <a:rPr lang="fr-FR" sz="1800" dirty="0">
-                <a:ea typeface="+mn-lt"/>
-                <a:cs typeface="+mn-lt"/>
-              </a:rPr>
-              <a:t>.Net</a:t>
-            </a:r>
           </a:p>
         </p:txBody>
       </p:sp>
@@ -30360,8 +32268,8 @@
         </p:nvSpPr>
         <p:spPr>
           <a:xfrm>
-            <a:off x="8240036" y="1441175"/>
-            <a:ext cx="2939576" cy="635471"/>
+            <a:off x="1068835" y="2871595"/>
+            <a:ext cx="1900264" cy="635471"/>
           </a:xfrm>
           <a:prstGeom prst="roundRect">
             <a:avLst>
@@ -30579,425 +32487,6 @@
       </p:sp>
       <p:sp>
         <p:nvSpPr>
-          <p:cNvPr id="13" name="Espace réservé du texte 7">
-            <a:extLst>
-              <a:ext uri="{FF2B5EF4-FFF2-40B4-BE49-F238E27FC236}">
-                <a16:creationId xmlns:a16="http://schemas.microsoft.com/office/drawing/2014/main" id="{D0E59459-E94A-15E4-1BB9-C8566D2A637F}"/>
-              </a:ext>
-            </a:extLst>
-          </p:cNvPr>
-          <p:cNvSpPr txBox="1">
-            <a:spLocks/>
-          </p:cNvSpPr>
-          <p:nvPr/>
-        </p:nvSpPr>
-        <p:spPr>
-          <a:xfrm>
-            <a:off x="6205329" y="1441175"/>
-            <a:ext cx="1892098" cy="2759619"/>
-          </a:xfrm>
-          <a:prstGeom prst="roundRect">
-            <a:avLst>
-              <a:gd name="adj" fmla="val 8002"/>
-            </a:avLst>
-          </a:prstGeom>
-          <a:ln w="15875">
-            <a:solidFill>
-              <a:schemeClr val="accent1"/>
-            </a:solidFill>
-          </a:ln>
-        </p:spPr>
-        <p:txBody>
-          <a:bodyPr vert="horz" lIns="0" tIns="0" rIns="0" bIns="0" rtlCol="0" anchor="t">
-            <a:noAutofit/>
-          </a:bodyPr>
-          <a:lstStyle>
-            <a:lvl1pPr marL="360000" indent="-360000" algn="l" defTabSz="914400" rtl="0" eaLnBrk="1" latinLnBrk="0" hangingPunct="1">
-              <a:lnSpc>
-                <a:spcPct val="90000"/>
-              </a:lnSpc>
-              <a:spcBef>
-                <a:spcPts val="1000"/>
-              </a:spcBef>
-              <a:buFont typeface="Arial" panose="020B0604020202020204" pitchFamily="34" charset="0"/>
-              <a:buChar char="•"/>
-              <a:defRPr sz="2000" b="1" kern="1200">
-                <a:solidFill>
-                  <a:schemeClr val="tx1"/>
-                </a:solidFill>
-                <a:latin typeface="+mn-lt"/>
-                <a:ea typeface="+mn-ea"/>
-                <a:cs typeface="+mn-cs"/>
-              </a:defRPr>
-            </a:lvl1pPr>
-            <a:lvl2pPr marL="648000" indent="-360000" algn="l" defTabSz="914400" rtl="0" eaLnBrk="1" latinLnBrk="0" hangingPunct="1">
-              <a:lnSpc>
-                <a:spcPct val="90000"/>
-              </a:lnSpc>
-              <a:spcBef>
-                <a:spcPts val="1200"/>
-              </a:spcBef>
-              <a:buFont typeface="Arial" panose="020B0604020202020204" pitchFamily="34" charset="0"/>
-              <a:buChar char="•"/>
-              <a:defRPr sz="1800" b="1" kern="1200">
-                <a:solidFill>
-                  <a:schemeClr val="tx2"/>
-                </a:solidFill>
-                <a:latin typeface="+mn-lt"/>
-                <a:ea typeface="+mn-ea"/>
-                <a:cs typeface="+mn-cs"/>
-              </a:defRPr>
-            </a:lvl2pPr>
-            <a:lvl3pPr marL="648000" indent="-360000" algn="l" defTabSz="914400" rtl="0" eaLnBrk="1" latinLnBrk="0" hangingPunct="1">
-              <a:lnSpc>
-                <a:spcPct val="90000"/>
-              </a:lnSpc>
-              <a:spcBef>
-                <a:spcPts val="1200"/>
-              </a:spcBef>
-              <a:buFont typeface="Arial" panose="020B0604020202020204" pitchFamily="34" charset="0"/>
-              <a:buChar char="•"/>
-              <a:defRPr sz="1800" b="1" kern="1200">
-                <a:solidFill>
-                  <a:schemeClr val="bg1">
-                    <a:lumMod val="65000"/>
-                  </a:schemeClr>
-                </a:solidFill>
-                <a:latin typeface="+mn-lt"/>
-                <a:ea typeface="+mn-ea"/>
-                <a:cs typeface="+mn-cs"/>
-              </a:defRPr>
-            </a:lvl3pPr>
-            <a:lvl4pPr marL="720000" indent="-270000" algn="l" defTabSz="914400" rtl="0" eaLnBrk="1" latinLnBrk="0" hangingPunct="1">
-              <a:lnSpc>
-                <a:spcPct val="90000"/>
-              </a:lnSpc>
-              <a:spcBef>
-                <a:spcPts val="1000"/>
-              </a:spcBef>
-              <a:buFont typeface="Arial" panose="020B0604020202020204" pitchFamily="34" charset="0"/>
-              <a:buChar char="•"/>
-              <a:defRPr sz="1600" kern="1200">
-                <a:solidFill>
-                  <a:schemeClr val="tx2"/>
-                </a:solidFill>
-                <a:latin typeface="+mn-lt"/>
-                <a:ea typeface="+mn-ea"/>
-                <a:cs typeface="+mn-cs"/>
-              </a:defRPr>
-            </a:lvl4pPr>
-            <a:lvl5pPr marL="630000" indent="-270000" algn="l" defTabSz="914400" rtl="0" eaLnBrk="1" latinLnBrk="0" hangingPunct="1">
-              <a:lnSpc>
-                <a:spcPct val="90000"/>
-              </a:lnSpc>
-              <a:spcBef>
-                <a:spcPts val="1000"/>
-              </a:spcBef>
-              <a:buFont typeface="Arial" panose="020B0604020202020204" pitchFamily="34" charset="0"/>
-              <a:buChar char="•"/>
-              <a:defRPr sz="1600" kern="1200">
-                <a:solidFill>
-                  <a:schemeClr val="tx2"/>
-                </a:solidFill>
-                <a:latin typeface="+mn-lt"/>
-                <a:ea typeface="+mn-ea"/>
-                <a:cs typeface="+mn-cs"/>
-              </a:defRPr>
-            </a:lvl5pPr>
-            <a:lvl6pPr marL="2514600" indent="-228600" algn="l" defTabSz="914400" rtl="0" eaLnBrk="1" latinLnBrk="0" hangingPunct="1">
-              <a:lnSpc>
-                <a:spcPct val="90000"/>
-              </a:lnSpc>
-              <a:spcBef>
-                <a:spcPts val="500"/>
-              </a:spcBef>
-              <a:buFont typeface="Arial" panose="020B0604020202020204" pitchFamily="34" charset="0"/>
-              <a:buChar char="•"/>
-              <a:defRPr sz="1800" kern="1200">
-                <a:solidFill>
-                  <a:schemeClr val="tx1"/>
-                </a:solidFill>
-                <a:latin typeface="+mn-lt"/>
-                <a:ea typeface="+mn-ea"/>
-                <a:cs typeface="+mn-cs"/>
-              </a:defRPr>
-            </a:lvl6pPr>
-            <a:lvl7pPr marL="2971800" indent="-228600" algn="l" defTabSz="914400" rtl="0" eaLnBrk="1" latinLnBrk="0" hangingPunct="1">
-              <a:lnSpc>
-                <a:spcPct val="90000"/>
-              </a:lnSpc>
-              <a:spcBef>
-                <a:spcPts val="500"/>
-              </a:spcBef>
-              <a:buFont typeface="Arial" panose="020B0604020202020204" pitchFamily="34" charset="0"/>
-              <a:buChar char="•"/>
-              <a:defRPr sz="1800" kern="1200">
-                <a:solidFill>
-                  <a:schemeClr val="tx1"/>
-                </a:solidFill>
-                <a:latin typeface="+mn-lt"/>
-                <a:ea typeface="+mn-ea"/>
-                <a:cs typeface="+mn-cs"/>
-              </a:defRPr>
-            </a:lvl7pPr>
-            <a:lvl8pPr marL="3429000" indent="-228600" algn="l" defTabSz="914400" rtl="0" eaLnBrk="1" latinLnBrk="0" hangingPunct="1">
-              <a:lnSpc>
-                <a:spcPct val="90000"/>
-              </a:lnSpc>
-              <a:spcBef>
-                <a:spcPts val="500"/>
-              </a:spcBef>
-              <a:buFont typeface="Arial" panose="020B0604020202020204" pitchFamily="34" charset="0"/>
-              <a:buChar char="•"/>
-              <a:defRPr sz="1800" kern="1200">
-                <a:solidFill>
-                  <a:schemeClr val="tx1"/>
-                </a:solidFill>
-                <a:latin typeface="+mn-lt"/>
-                <a:ea typeface="+mn-ea"/>
-                <a:cs typeface="+mn-cs"/>
-              </a:defRPr>
-            </a:lvl8pPr>
-            <a:lvl9pPr marL="3886200" indent="-228600" algn="l" defTabSz="914400" rtl="0" eaLnBrk="1" latinLnBrk="0" hangingPunct="1">
-              <a:lnSpc>
-                <a:spcPct val="90000"/>
-              </a:lnSpc>
-              <a:spcBef>
-                <a:spcPts val="500"/>
-              </a:spcBef>
-              <a:buFont typeface="Arial" panose="020B0604020202020204" pitchFamily="34" charset="0"/>
-              <a:buChar char="•"/>
-              <a:defRPr sz="1800" kern="1200">
-                <a:solidFill>
-                  <a:schemeClr val="tx1"/>
-                </a:solidFill>
-                <a:latin typeface="+mn-lt"/>
-                <a:ea typeface="+mn-ea"/>
-                <a:cs typeface="+mn-cs"/>
-              </a:defRPr>
-            </a:lvl9pPr>
-          </a:lstStyle>
-          <a:p>
-            <a:pPr marL="0" indent="0" algn="ctr">
-              <a:spcBef>
-                <a:spcPts val="600"/>
-              </a:spcBef>
-              <a:buFont typeface="Arial" panose="020B0604020202020204" pitchFamily="34" charset="0"/>
-              <a:buNone/>
-            </a:pPr>
-            <a:r>
-              <a:rPr lang="fr-FR" sz="1600" dirty="0"/>
-              <a:t>Api</a:t>
-            </a:r>
-            <a:endParaRPr lang="fr-FR" sz="1800" dirty="0"/>
-          </a:p>
-          <a:p>
-            <a:pPr marL="287655" indent="-215900">
-              <a:spcBef>
-                <a:spcPts val="600"/>
-              </a:spcBef>
-            </a:pPr>
-            <a:r>
-              <a:rPr lang="fr-FR" sz="1400" dirty="0">
-                <a:solidFill>
-                  <a:schemeClr val="tx2"/>
-                </a:solidFill>
-                <a:ea typeface="+mn-lt"/>
-                <a:cs typeface="+mn-lt"/>
-                <a:hlinkClick r:id="rId16"/>
-              </a:rPr>
-              <a:t>Middleware</a:t>
-            </a:r>
-            <a:endParaRPr lang="fr-FR" sz="1400" b="0" dirty="0">
-              <a:solidFill>
-                <a:schemeClr val="tx2"/>
-              </a:solidFill>
-              <a:ea typeface="+mn-lt"/>
-              <a:cs typeface="+mn-lt"/>
-            </a:endParaRPr>
-          </a:p>
-          <a:p>
-            <a:pPr marL="287655" indent="-215900">
-              <a:spcBef>
-                <a:spcPts val="600"/>
-              </a:spcBef>
-            </a:pPr>
-            <a:r>
-              <a:rPr lang="fr-FR" sz="1400" b="0" dirty="0" err="1">
-                <a:solidFill>
-                  <a:schemeClr val="tx2"/>
-                </a:solidFill>
-                <a:ea typeface="+mn-lt"/>
-                <a:cs typeface="+mn-lt"/>
-              </a:rPr>
-              <a:t>Controllers</a:t>
-            </a:r>
-            <a:r>
-              <a:rPr lang="fr-FR" sz="1400" b="0" dirty="0">
-                <a:solidFill>
-                  <a:schemeClr val="tx2"/>
-                </a:solidFill>
-                <a:ea typeface="+mn-lt"/>
-                <a:cs typeface="+mn-lt"/>
-              </a:rPr>
-              <a:t> | Filters</a:t>
-            </a:r>
-          </a:p>
-          <a:p>
-            <a:pPr marL="287655" indent="-215900">
-              <a:spcBef>
-                <a:spcPts val="600"/>
-              </a:spcBef>
-            </a:pPr>
-            <a:r>
-              <a:rPr lang="fr-FR" sz="1400" dirty="0">
-                <a:ea typeface="+mn-lt"/>
-                <a:cs typeface="+mn-lt"/>
-                <a:hlinkClick r:id="rId17"/>
-              </a:rPr>
-              <a:t>Controller Resp</a:t>
-            </a:r>
-            <a:r>
-              <a:rPr lang="fr-FR" sz="1400" b="0" dirty="0">
-                <a:ea typeface="+mn-lt"/>
-                <a:cs typeface="+mn-lt"/>
-              </a:rPr>
-              <a:t> </a:t>
-            </a:r>
-          </a:p>
-          <a:p>
-            <a:pPr marL="287655" indent="-215900">
-              <a:spcBef>
-                <a:spcPts val="600"/>
-              </a:spcBef>
-            </a:pPr>
-            <a:r>
-              <a:rPr lang="fr-FR" sz="1400" b="0" dirty="0">
-                <a:solidFill>
-                  <a:schemeClr val="tx2"/>
-                </a:solidFill>
-                <a:ea typeface="+mn-lt"/>
-                <a:cs typeface="+mn-lt"/>
-              </a:rPr>
-              <a:t>Services</a:t>
-            </a:r>
-            <a:endParaRPr lang="fr-FR" dirty="0">
-              <a:solidFill>
-                <a:schemeClr val="tx2"/>
-              </a:solidFill>
-              <a:cs typeface="Arial" panose="020B0604020202020204"/>
-            </a:endParaRPr>
-          </a:p>
-          <a:p>
-            <a:pPr marL="287655" indent="-215900">
-              <a:spcBef>
-                <a:spcPts val="600"/>
-              </a:spcBef>
-            </a:pPr>
-            <a:r>
-              <a:rPr lang="fr-FR" sz="1400" b="0" dirty="0">
-                <a:solidFill>
-                  <a:schemeClr val="tx2"/>
-                </a:solidFill>
-                <a:ea typeface="+mn-lt"/>
-                <a:cs typeface="+mn-lt"/>
-              </a:rPr>
-              <a:t>Dtos</a:t>
-            </a:r>
-          </a:p>
-          <a:p>
-            <a:pPr marL="287655" indent="-215900">
-              <a:spcBef>
-                <a:spcPts val="600"/>
-              </a:spcBef>
-            </a:pPr>
-            <a:r>
-              <a:rPr lang="fr-FR" sz="1400" b="0" dirty="0" err="1">
-                <a:solidFill>
-                  <a:schemeClr val="tx2"/>
-                </a:solidFill>
-                <a:ea typeface="+mn-lt"/>
-                <a:cs typeface="+mn-lt"/>
-              </a:rPr>
-              <a:t>StartUp</a:t>
-            </a:r>
-            <a:r>
-              <a:rPr lang="fr-FR" sz="1400" b="0" dirty="0">
-                <a:solidFill>
-                  <a:schemeClr val="tx2"/>
-                </a:solidFill>
-                <a:ea typeface="+mn-lt"/>
-                <a:cs typeface="+mn-lt"/>
-              </a:rPr>
-              <a:t> / Program</a:t>
-            </a:r>
-          </a:p>
-          <a:p>
-            <a:pPr marL="287655" indent="-215900">
-              <a:spcBef>
-                <a:spcPts val="600"/>
-              </a:spcBef>
-            </a:pPr>
-            <a:r>
-              <a:rPr lang="fr-FR" sz="1400" b="0" dirty="0">
-                <a:solidFill>
-                  <a:schemeClr val="tx2"/>
-                </a:solidFill>
-                <a:ea typeface="+mn-lt"/>
-                <a:cs typeface="+mn-lt"/>
-              </a:rPr>
-              <a:t>ConfigureService</a:t>
-            </a:r>
-          </a:p>
-          <a:p>
-            <a:pPr marL="575945" lvl="1" indent="-215900">
-              <a:spcBef>
-                <a:spcPts val="600"/>
-              </a:spcBef>
-            </a:pPr>
-            <a:r>
-              <a:rPr lang="fr-FR" sz="1200" dirty="0">
-                <a:solidFill>
-                  <a:schemeClr val="tx2"/>
-                </a:solidFill>
-                <a:ea typeface="+mn-lt"/>
-                <a:cs typeface="+mn-lt"/>
-                <a:hlinkClick r:id="rId18"/>
-              </a:rPr>
-              <a:t>Service options</a:t>
-            </a:r>
-            <a:r>
-              <a:rPr lang="fr-FR" sz="1200" b="0" dirty="0">
-                <a:solidFill>
-                  <a:schemeClr val="tx2"/>
-                </a:solidFill>
-                <a:ea typeface="+mn-lt"/>
-                <a:cs typeface="+mn-lt"/>
-              </a:rPr>
-              <a:t> </a:t>
-            </a:r>
-          </a:p>
-          <a:p>
-            <a:pPr marL="287655" indent="-215900">
-              <a:spcBef>
-                <a:spcPts val="600"/>
-              </a:spcBef>
-            </a:pPr>
-            <a:r>
-              <a:rPr lang="fr-FR" sz="1400" b="0" dirty="0">
-                <a:solidFill>
-                  <a:schemeClr val="tx2"/>
-                </a:solidFill>
-                <a:ea typeface="+mn-lt"/>
-                <a:cs typeface="+mn-lt"/>
-              </a:rPr>
-              <a:t>Configuration</a:t>
-            </a:r>
-          </a:p>
-        </p:txBody>
-      </p:sp>
-      <p:sp>
-        <p:nvSpPr>
           <p:cNvPr id="3" name="Espace réservé du texte 7">
             <a:extLst>
               <a:ext uri="{FF2B5EF4-FFF2-40B4-BE49-F238E27FC236}">
@@ -31012,8 +32501,8 @@
         </p:nvSpPr>
         <p:spPr>
           <a:xfrm>
-            <a:off x="8247362" y="2186272"/>
-            <a:ext cx="2932249" cy="669547"/>
+            <a:off x="1235378" y="3656215"/>
+            <a:ext cx="1527541" cy="669547"/>
           </a:xfrm>
           <a:prstGeom prst="roundRect">
             <a:avLst>
@@ -31222,7 +32711,7 @@
               <a:rPr lang="fr-FR" sz="1600" dirty="0">
                 <a:ea typeface="+mn-lt"/>
                 <a:cs typeface="+mn-lt"/>
-                <a:hlinkClick r:id="rId19"/>
+                <a:hlinkClick r:id="rId10"/>
               </a:rPr>
               <a:t>DateTime</a:t>
             </a:r>
@@ -31233,10 +32722,1051 @@
           </a:p>
         </p:txBody>
       </p:sp>
+      <p:sp>
+        <p:nvSpPr>
+          <p:cNvPr id="4" name="Espace réservé du texte 8">
+            <a:extLst>
+              <a:ext uri="{FF2B5EF4-FFF2-40B4-BE49-F238E27FC236}">
+                <a16:creationId xmlns:a16="http://schemas.microsoft.com/office/drawing/2014/main" id="{922556D7-44A9-6282-A0D7-3428F926549C}"/>
+              </a:ext>
+            </a:extLst>
+          </p:cNvPr>
+          <p:cNvSpPr>
+            <a:spLocks noGrp="1"/>
+          </p:cNvSpPr>
+          <p:nvPr>
+            <p:ph type="body" sz="quarter" idx="19"/>
+          </p:nvPr>
+        </p:nvSpPr>
+        <p:spPr>
+          <a:xfrm>
+            <a:off x="1056930" y="1574436"/>
+            <a:ext cx="4680840" cy="1006779"/>
+          </a:xfrm>
+          <a:prstGeom prst="roundRect">
+            <a:avLst>
+              <a:gd name="adj" fmla="val 12233"/>
+            </a:avLst>
+          </a:prstGeom>
+        </p:spPr>
+        <p:txBody>
+          <a:bodyPr/>
+          <a:lstStyle/>
+          <a:p>
+            <a:pPr marL="0" indent="0" algn="ctr">
+              <a:buNone/>
+            </a:pPr>
+            <a:r>
+              <a:rPr lang="fr-FR" dirty="0"/>
+              <a:t>Sql | Linq</a:t>
+            </a:r>
+          </a:p>
+          <a:p>
+            <a:pPr marL="274320" lvl="1" indent="-182880">
+              <a:spcBef>
+                <a:spcPts val="600"/>
+              </a:spcBef>
+            </a:pPr>
+            <a:r>
+              <a:rPr lang="fr-FR" b="0" dirty="0"/>
+              <a:t>Database, table, requête, donnée, index</a:t>
+            </a:r>
+          </a:p>
+          <a:p>
+            <a:pPr marL="274320" lvl="1" indent="-182880">
+              <a:spcBef>
+                <a:spcPts val="600"/>
+              </a:spcBef>
+            </a:pPr>
+            <a:r>
+              <a:rPr lang="fr-FR" b="0" dirty="0"/>
+              <a:t>Select, </a:t>
+            </a:r>
+            <a:r>
+              <a:rPr lang="fr-FR" b="0" dirty="0" err="1"/>
+              <a:t>From</a:t>
+            </a:r>
+            <a:r>
+              <a:rPr lang="fr-FR" b="0" dirty="0"/>
+              <a:t> </a:t>
+            </a:r>
+            <a:r>
+              <a:rPr lang="fr-FR" b="0" dirty="0" err="1"/>
+              <a:t>Where</a:t>
+            </a:r>
+            <a:r>
+              <a:rPr lang="fr-FR" b="0" dirty="0"/>
+              <a:t>, </a:t>
+            </a:r>
+            <a:r>
+              <a:rPr lang="fr-FR" b="0" dirty="0" err="1"/>
+              <a:t>Join</a:t>
+            </a:r>
+            <a:r>
+              <a:rPr lang="fr-FR" b="0" dirty="0"/>
+              <a:t> </a:t>
+            </a:r>
+            <a:r>
+              <a:rPr lang="fr-FR" b="0" dirty="0" err="1"/>
+              <a:t>OrderBy</a:t>
+            </a:r>
+            <a:endParaRPr lang="fr-FR" dirty="0"/>
+          </a:p>
+          <a:p>
+            <a:endParaRPr lang="fr-FR" dirty="0"/>
+          </a:p>
+        </p:txBody>
+      </p:sp>
+      <p:sp>
+        <p:nvSpPr>
+          <p:cNvPr id="21" name="Espace réservé du texte 3">
+            <a:extLst>
+              <a:ext uri="{FF2B5EF4-FFF2-40B4-BE49-F238E27FC236}">
+                <a16:creationId xmlns:a16="http://schemas.microsoft.com/office/drawing/2014/main" id="{DCAAF414-D3F2-8904-344E-EA305E9019E5}"/>
+              </a:ext>
+            </a:extLst>
+          </p:cNvPr>
+          <p:cNvSpPr txBox="1">
+            <a:spLocks/>
+          </p:cNvSpPr>
+          <p:nvPr/>
+        </p:nvSpPr>
+        <p:spPr>
+          <a:xfrm>
+            <a:off x="3259238" y="2717988"/>
+            <a:ext cx="2478532" cy="1525782"/>
+          </a:xfrm>
+          <a:prstGeom prst="roundRect">
+            <a:avLst>
+              <a:gd name="adj" fmla="val 7701"/>
+            </a:avLst>
+          </a:prstGeom>
+          <a:ln w="15875">
+            <a:solidFill>
+              <a:schemeClr val="accent1"/>
+            </a:solidFill>
+          </a:ln>
+        </p:spPr>
+        <p:txBody>
+          <a:bodyPr vert="horz" lIns="0" tIns="0" rIns="0" bIns="0" rtlCol="0" anchor="ctr">
+            <a:noAutofit/>
+          </a:bodyPr>
+          <a:lstStyle>
+            <a:lvl1pPr marL="360000" indent="-360000" algn="l" defTabSz="914400" rtl="0" eaLnBrk="1" latinLnBrk="0" hangingPunct="1">
+              <a:lnSpc>
+                <a:spcPct val="90000"/>
+              </a:lnSpc>
+              <a:spcBef>
+                <a:spcPts val="1000"/>
+              </a:spcBef>
+              <a:buFont typeface="Arial" panose="020B0604020202020204" pitchFamily="34" charset="0"/>
+              <a:buChar char="•"/>
+              <a:defRPr sz="2000" b="1" kern="1200">
+                <a:solidFill>
+                  <a:schemeClr val="tx1"/>
+                </a:solidFill>
+                <a:latin typeface="+mn-lt"/>
+                <a:ea typeface="+mn-ea"/>
+                <a:cs typeface="+mn-cs"/>
+              </a:defRPr>
+            </a:lvl1pPr>
+            <a:lvl2pPr marL="648000" indent="-360000" algn="l" defTabSz="914400" rtl="0" eaLnBrk="1" latinLnBrk="0" hangingPunct="1">
+              <a:lnSpc>
+                <a:spcPct val="90000"/>
+              </a:lnSpc>
+              <a:spcBef>
+                <a:spcPts val="1200"/>
+              </a:spcBef>
+              <a:buFont typeface="Arial" panose="020B0604020202020204" pitchFamily="34" charset="0"/>
+              <a:buChar char="•"/>
+              <a:defRPr sz="1800" b="1" kern="1200">
+                <a:solidFill>
+                  <a:schemeClr val="tx2"/>
+                </a:solidFill>
+                <a:latin typeface="+mn-lt"/>
+                <a:ea typeface="+mn-ea"/>
+                <a:cs typeface="+mn-cs"/>
+              </a:defRPr>
+            </a:lvl2pPr>
+            <a:lvl3pPr marL="648000" indent="-360000" algn="l" defTabSz="914400" rtl="0" eaLnBrk="1" latinLnBrk="0" hangingPunct="1">
+              <a:lnSpc>
+                <a:spcPct val="90000"/>
+              </a:lnSpc>
+              <a:spcBef>
+                <a:spcPts val="1200"/>
+              </a:spcBef>
+              <a:buFont typeface="Arial" panose="020B0604020202020204" pitchFamily="34" charset="0"/>
+              <a:buChar char="•"/>
+              <a:defRPr lang="fr-FR" sz="1400" b="1" kern="1200" dirty="0">
+                <a:solidFill>
+                  <a:schemeClr val="bg1">
+                    <a:lumMod val="65000"/>
+                  </a:schemeClr>
+                </a:solidFill>
+                <a:latin typeface="+mn-lt"/>
+                <a:ea typeface="+mn-lt"/>
+                <a:cs typeface="+mn-lt"/>
+              </a:defRPr>
+            </a:lvl3pPr>
+            <a:lvl4pPr marL="720000" indent="-270000" algn="l" defTabSz="914400" rtl="0" eaLnBrk="1" latinLnBrk="0" hangingPunct="1">
+              <a:lnSpc>
+                <a:spcPct val="90000"/>
+              </a:lnSpc>
+              <a:spcBef>
+                <a:spcPts val="1000"/>
+              </a:spcBef>
+              <a:buFont typeface="Arial" panose="020B0604020202020204" pitchFamily="34" charset="0"/>
+              <a:buChar char="•"/>
+              <a:defRPr sz="1600" kern="1200">
+                <a:solidFill>
+                  <a:schemeClr val="tx2"/>
+                </a:solidFill>
+                <a:latin typeface="+mn-lt"/>
+                <a:ea typeface="+mn-ea"/>
+                <a:cs typeface="+mn-cs"/>
+              </a:defRPr>
+            </a:lvl4pPr>
+            <a:lvl5pPr marL="630000" indent="-270000" algn="l" defTabSz="914400" rtl="0" eaLnBrk="1" latinLnBrk="0" hangingPunct="1">
+              <a:lnSpc>
+                <a:spcPct val="90000"/>
+              </a:lnSpc>
+              <a:spcBef>
+                <a:spcPts val="1000"/>
+              </a:spcBef>
+              <a:buFont typeface="Arial" panose="020B0604020202020204" pitchFamily="34" charset="0"/>
+              <a:buChar char="•"/>
+              <a:defRPr sz="1600" kern="1200">
+                <a:solidFill>
+                  <a:schemeClr val="tx2"/>
+                </a:solidFill>
+                <a:latin typeface="+mn-lt"/>
+                <a:ea typeface="+mn-ea"/>
+                <a:cs typeface="+mn-cs"/>
+              </a:defRPr>
+            </a:lvl5pPr>
+            <a:lvl6pPr marL="2514600" indent="-228600" algn="l" defTabSz="914400" rtl="0" eaLnBrk="1" latinLnBrk="0" hangingPunct="1">
+              <a:lnSpc>
+                <a:spcPct val="90000"/>
+              </a:lnSpc>
+              <a:spcBef>
+                <a:spcPts val="500"/>
+              </a:spcBef>
+              <a:buFont typeface="Arial" panose="020B0604020202020204" pitchFamily="34" charset="0"/>
+              <a:buChar char="•"/>
+              <a:defRPr sz="1800" kern="1200">
+                <a:solidFill>
+                  <a:schemeClr val="tx1"/>
+                </a:solidFill>
+                <a:latin typeface="+mn-lt"/>
+                <a:ea typeface="+mn-ea"/>
+                <a:cs typeface="+mn-cs"/>
+              </a:defRPr>
+            </a:lvl6pPr>
+            <a:lvl7pPr marL="2971800" indent="-228600" algn="l" defTabSz="914400" rtl="0" eaLnBrk="1" latinLnBrk="0" hangingPunct="1">
+              <a:lnSpc>
+                <a:spcPct val="90000"/>
+              </a:lnSpc>
+              <a:spcBef>
+                <a:spcPts val="500"/>
+              </a:spcBef>
+              <a:buFont typeface="Arial" panose="020B0604020202020204" pitchFamily="34" charset="0"/>
+              <a:buChar char="•"/>
+              <a:defRPr sz="1800" kern="1200">
+                <a:solidFill>
+                  <a:schemeClr val="tx1"/>
+                </a:solidFill>
+                <a:latin typeface="+mn-lt"/>
+                <a:ea typeface="+mn-ea"/>
+                <a:cs typeface="+mn-cs"/>
+              </a:defRPr>
+            </a:lvl7pPr>
+            <a:lvl8pPr marL="3429000" indent="-228600" algn="l" defTabSz="914400" rtl="0" eaLnBrk="1" latinLnBrk="0" hangingPunct="1">
+              <a:lnSpc>
+                <a:spcPct val="90000"/>
+              </a:lnSpc>
+              <a:spcBef>
+                <a:spcPts val="500"/>
+              </a:spcBef>
+              <a:buFont typeface="Arial" panose="020B0604020202020204" pitchFamily="34" charset="0"/>
+              <a:buChar char="•"/>
+              <a:defRPr sz="1800" kern="1200">
+                <a:solidFill>
+                  <a:schemeClr val="tx1"/>
+                </a:solidFill>
+                <a:latin typeface="+mn-lt"/>
+                <a:ea typeface="+mn-ea"/>
+                <a:cs typeface="+mn-cs"/>
+              </a:defRPr>
+            </a:lvl8pPr>
+            <a:lvl9pPr marL="3886200" indent="-228600" algn="l" defTabSz="914400" rtl="0" eaLnBrk="1" latinLnBrk="0" hangingPunct="1">
+              <a:lnSpc>
+                <a:spcPct val="90000"/>
+              </a:lnSpc>
+              <a:spcBef>
+                <a:spcPts val="500"/>
+              </a:spcBef>
+              <a:buFont typeface="Arial" panose="020B0604020202020204" pitchFamily="34" charset="0"/>
+              <a:buChar char="•"/>
+              <a:defRPr sz="1800" kern="1200">
+                <a:solidFill>
+                  <a:schemeClr val="tx1"/>
+                </a:solidFill>
+                <a:latin typeface="+mn-lt"/>
+                <a:ea typeface="+mn-ea"/>
+                <a:cs typeface="+mn-cs"/>
+              </a:defRPr>
+            </a:lvl9pPr>
+          </a:lstStyle>
+          <a:p>
+            <a:pPr marL="0" indent="0" algn="ctr">
+              <a:spcBef>
+                <a:spcPts val="600"/>
+              </a:spcBef>
+              <a:buNone/>
+            </a:pPr>
+            <a:r>
+              <a:rPr lang="fr-FR" sz="1600" dirty="0">
+                <a:highlight>
+                  <a:srgbClr val="00FF00"/>
+                </a:highlight>
+                <a:ea typeface="+mn-lt"/>
+                <a:cs typeface="+mn-lt"/>
+              </a:rPr>
+              <a:t>Mapping</a:t>
+            </a:r>
+            <a:endParaRPr lang="fr-FR" sz="1600" b="0" dirty="0">
+              <a:solidFill>
+                <a:schemeClr val="tx2"/>
+              </a:solidFill>
+              <a:highlight>
+                <a:srgbClr val="00FF00"/>
+              </a:highlight>
+              <a:ea typeface="+mn-lt"/>
+              <a:cs typeface="+mn-lt"/>
+            </a:endParaRPr>
+          </a:p>
+          <a:p>
+            <a:pPr marL="288000" indent="-216000">
+              <a:spcBef>
+                <a:spcPts val="600"/>
+              </a:spcBef>
+            </a:pPr>
+            <a:r>
+              <a:rPr lang="fr-FR" sz="1400" dirty="0">
+                <a:solidFill>
+                  <a:schemeClr val="tx2"/>
+                </a:solidFill>
+                <a:ea typeface="+mn-lt"/>
+                <a:cs typeface="+mn-lt"/>
+              </a:rPr>
+              <a:t>Lib.</a:t>
+            </a:r>
+            <a:r>
+              <a:rPr lang="fr-FR" sz="1400" b="0" dirty="0">
+                <a:solidFill>
+                  <a:schemeClr val="tx2"/>
+                </a:solidFill>
+                <a:ea typeface="+mn-lt"/>
+                <a:cs typeface="+mn-lt"/>
+              </a:rPr>
+              <a:t> </a:t>
+            </a:r>
+            <a:r>
+              <a:rPr lang="fr-FR" sz="1400" dirty="0">
+                <a:solidFill>
+                  <a:schemeClr val="tx2"/>
+                </a:solidFill>
+                <a:ea typeface="+mn-lt"/>
+                <a:cs typeface="+mn-lt"/>
+                <a:hlinkClick r:id="rId11"/>
+              </a:rPr>
+              <a:t>AutoMapper</a:t>
+            </a:r>
+            <a:r>
+              <a:rPr lang="fr-FR" sz="1400" b="0" dirty="0">
+                <a:solidFill>
+                  <a:schemeClr val="tx2"/>
+                </a:solidFill>
+                <a:ea typeface="+mn-lt"/>
+                <a:cs typeface="+mn-lt"/>
+              </a:rPr>
+              <a:t> | </a:t>
+            </a:r>
+            <a:r>
+              <a:rPr lang="fr-FR" sz="1400" dirty="0">
+                <a:solidFill>
+                  <a:schemeClr val="tx2"/>
+                </a:solidFill>
+                <a:ea typeface="+mn-lt"/>
+                <a:cs typeface="+mn-lt"/>
+                <a:hlinkClick r:id="rId12"/>
+              </a:rPr>
+              <a:t>DI</a:t>
+            </a:r>
+            <a:endParaRPr lang="fr-FR" sz="1400" b="0" dirty="0">
+              <a:solidFill>
+                <a:schemeClr val="tx2"/>
+              </a:solidFill>
+              <a:ea typeface="+mn-lt"/>
+              <a:cs typeface="+mn-lt"/>
+            </a:endParaRPr>
+          </a:p>
+          <a:p>
+            <a:pPr marL="288000" indent="-216000">
+              <a:spcBef>
+                <a:spcPts val="600"/>
+              </a:spcBef>
+            </a:pPr>
+            <a:r>
+              <a:rPr lang="fr-FR" sz="1400" dirty="0">
+                <a:solidFill>
+                  <a:schemeClr val="tx2"/>
+                </a:solidFill>
+                <a:ea typeface="+mn-lt"/>
+                <a:cs typeface="+mn-lt"/>
+                <a:hlinkClick r:id="rId13"/>
+              </a:rPr>
+              <a:t>Learn</a:t>
+            </a:r>
+            <a:r>
+              <a:rPr lang="fr-FR" sz="1400" dirty="0">
+                <a:solidFill>
+                  <a:schemeClr val="tx2"/>
+                </a:solidFill>
+                <a:ea typeface="+mn-lt"/>
+                <a:cs typeface="+mn-lt"/>
+              </a:rPr>
+              <a:t> | </a:t>
+            </a:r>
+            <a:r>
+              <a:rPr lang="fr-FR" sz="1400" dirty="0">
+                <a:solidFill>
+                  <a:schemeClr val="tx2"/>
+                </a:solidFill>
+                <a:ea typeface="+mn-lt"/>
+                <a:cs typeface="+mn-lt"/>
+                <a:hlinkClick r:id="rId14"/>
+              </a:rPr>
+              <a:t>Conf ac Profile</a:t>
+            </a:r>
+            <a:endParaRPr lang="fr-FR" sz="1400" b="0" dirty="0">
+              <a:solidFill>
+                <a:schemeClr val="tx2"/>
+              </a:solidFill>
+              <a:ea typeface="+mn-lt"/>
+              <a:cs typeface="+mn-lt"/>
+              <a:hlinkClick r:id="rId15"/>
+            </a:endParaRPr>
+          </a:p>
+          <a:p>
+            <a:pPr marL="288000" indent="-216000">
+              <a:spcBef>
+                <a:spcPts val="600"/>
+              </a:spcBef>
+            </a:pPr>
+            <a:r>
+              <a:rPr lang="fr-FR" sz="1400" dirty="0">
+                <a:solidFill>
+                  <a:schemeClr val="tx2"/>
+                </a:solidFill>
+                <a:ea typeface="+mn-lt"/>
+                <a:cs typeface="+mn-lt"/>
+                <a:hlinkClick r:id="rId15"/>
+              </a:rPr>
+              <a:t>Accessible par DI</a:t>
+            </a:r>
+            <a:endParaRPr lang="fr-FR" sz="1400" dirty="0">
+              <a:solidFill>
+                <a:schemeClr val="tx2"/>
+              </a:solidFill>
+              <a:ea typeface="+mn-lt"/>
+              <a:cs typeface="+mn-lt"/>
+            </a:endParaRPr>
+          </a:p>
+          <a:p>
+            <a:pPr marL="288000" indent="-216000">
+              <a:spcBef>
+                <a:spcPts val="600"/>
+              </a:spcBef>
+            </a:pPr>
+            <a:r>
+              <a:rPr lang="fr-FR" sz="1400" dirty="0">
+                <a:solidFill>
+                  <a:schemeClr val="tx2"/>
+                </a:solidFill>
+                <a:ea typeface="+mn-lt"/>
+                <a:cs typeface="+mn-lt"/>
+                <a:hlinkClick r:id="rId16"/>
+              </a:rPr>
+              <a:t>Gérer les Collections</a:t>
+            </a:r>
+            <a:endParaRPr lang="fr-FR" sz="1400" dirty="0">
+              <a:solidFill>
+                <a:schemeClr val="tx2"/>
+              </a:solidFill>
+              <a:ea typeface="+mn-lt"/>
+              <a:cs typeface="+mn-lt"/>
+            </a:endParaRPr>
+          </a:p>
+        </p:txBody>
+      </p:sp>
+      <p:sp>
+        <p:nvSpPr>
+          <p:cNvPr id="23" name="Text Placeholder 22">
+            <a:extLst>
+              <a:ext uri="{FF2B5EF4-FFF2-40B4-BE49-F238E27FC236}">
+                <a16:creationId xmlns:a16="http://schemas.microsoft.com/office/drawing/2014/main" id="{A855947F-88DF-F5BD-E615-2A84B2472EC9}"/>
+              </a:ext>
+            </a:extLst>
+          </p:cNvPr>
+          <p:cNvSpPr>
+            <a:spLocks noGrp="1"/>
+          </p:cNvSpPr>
+          <p:nvPr>
+            <p:ph type="body" sz="quarter" idx="20"/>
+          </p:nvPr>
+        </p:nvSpPr>
+        <p:spPr>
+          <a:xfrm>
+            <a:off x="838199" y="1089499"/>
+            <a:ext cx="5118303" cy="4889101"/>
+          </a:xfrm>
+        </p:spPr>
+        <p:txBody>
+          <a:bodyPr/>
+          <a:lstStyle/>
+          <a:p>
+            <a:pPr marL="0" indent="0" algn="ctr">
+              <a:buNone/>
+            </a:pPr>
+            <a:r>
+              <a:rPr lang="en-US" dirty="0"/>
+              <a:t>Application</a:t>
+            </a:r>
+          </a:p>
+        </p:txBody>
+      </p:sp>
+      <p:sp>
+        <p:nvSpPr>
+          <p:cNvPr id="24" name="Espace réservé du texte 9">
+            <a:extLst>
+              <a:ext uri="{FF2B5EF4-FFF2-40B4-BE49-F238E27FC236}">
+                <a16:creationId xmlns:a16="http://schemas.microsoft.com/office/drawing/2014/main" id="{EEE588AD-B139-AB73-8F9A-E3F815F367A9}"/>
+              </a:ext>
+            </a:extLst>
+          </p:cNvPr>
+          <p:cNvSpPr txBox="1">
+            <a:spLocks/>
+          </p:cNvSpPr>
+          <p:nvPr/>
+        </p:nvSpPr>
+        <p:spPr>
+          <a:xfrm>
+            <a:off x="3121125" y="4411137"/>
+            <a:ext cx="2616645" cy="1101112"/>
+          </a:xfrm>
+          <a:prstGeom prst="roundRect">
+            <a:avLst>
+              <a:gd name="adj" fmla="val 12648"/>
+            </a:avLst>
+          </a:prstGeom>
+          <a:ln w="15875">
+            <a:solidFill>
+              <a:schemeClr val="accent1"/>
+            </a:solidFill>
+          </a:ln>
+        </p:spPr>
+        <p:txBody>
+          <a:bodyPr vert="horz" lIns="0" tIns="0" rIns="0" bIns="0" rtlCol="0">
+            <a:noAutofit/>
+          </a:bodyPr>
+          <a:lstStyle>
+            <a:lvl1pPr marL="360000" indent="-360000" algn="l" defTabSz="914400" rtl="0" eaLnBrk="1" latinLnBrk="0" hangingPunct="1">
+              <a:lnSpc>
+                <a:spcPct val="90000"/>
+              </a:lnSpc>
+              <a:spcBef>
+                <a:spcPts val="1000"/>
+              </a:spcBef>
+              <a:buFont typeface="Arial" panose="020B0604020202020204" pitchFamily="34" charset="0"/>
+              <a:buChar char="•"/>
+              <a:defRPr sz="2000" b="1" kern="1200">
+                <a:solidFill>
+                  <a:schemeClr val="tx1"/>
+                </a:solidFill>
+                <a:latin typeface="+mn-lt"/>
+                <a:ea typeface="+mn-ea"/>
+                <a:cs typeface="+mn-cs"/>
+              </a:defRPr>
+            </a:lvl1pPr>
+            <a:lvl2pPr marL="648000" indent="-360000" algn="l" defTabSz="914400" rtl="0" eaLnBrk="1" latinLnBrk="0" hangingPunct="1">
+              <a:lnSpc>
+                <a:spcPct val="90000"/>
+              </a:lnSpc>
+              <a:spcBef>
+                <a:spcPts val="1200"/>
+              </a:spcBef>
+              <a:buFont typeface="Arial" panose="020B0604020202020204" pitchFamily="34" charset="0"/>
+              <a:buChar char="•"/>
+              <a:defRPr sz="1800" b="1" kern="1200">
+                <a:solidFill>
+                  <a:schemeClr val="tx2"/>
+                </a:solidFill>
+                <a:latin typeface="+mn-lt"/>
+                <a:ea typeface="+mn-ea"/>
+                <a:cs typeface="+mn-cs"/>
+              </a:defRPr>
+            </a:lvl2pPr>
+            <a:lvl3pPr marL="648000" indent="-360000" algn="l" defTabSz="914400" rtl="0" eaLnBrk="1" latinLnBrk="0" hangingPunct="1">
+              <a:lnSpc>
+                <a:spcPct val="90000"/>
+              </a:lnSpc>
+              <a:spcBef>
+                <a:spcPts val="1200"/>
+              </a:spcBef>
+              <a:buFont typeface="Arial" panose="020B0604020202020204" pitchFamily="34" charset="0"/>
+              <a:buChar char="•"/>
+              <a:defRPr sz="1800" b="1" kern="1200">
+                <a:solidFill>
+                  <a:schemeClr val="bg1">
+                    <a:lumMod val="65000"/>
+                  </a:schemeClr>
+                </a:solidFill>
+                <a:latin typeface="+mn-lt"/>
+                <a:ea typeface="+mn-ea"/>
+                <a:cs typeface="+mn-cs"/>
+              </a:defRPr>
+            </a:lvl3pPr>
+            <a:lvl4pPr marL="720000" indent="-270000" algn="l" defTabSz="914400" rtl="0" eaLnBrk="1" latinLnBrk="0" hangingPunct="1">
+              <a:lnSpc>
+                <a:spcPct val="90000"/>
+              </a:lnSpc>
+              <a:spcBef>
+                <a:spcPts val="1000"/>
+              </a:spcBef>
+              <a:buFont typeface="Arial" panose="020B0604020202020204" pitchFamily="34" charset="0"/>
+              <a:buChar char="•"/>
+              <a:defRPr sz="1600" kern="1200">
+                <a:solidFill>
+                  <a:schemeClr val="tx2"/>
+                </a:solidFill>
+                <a:latin typeface="+mn-lt"/>
+                <a:ea typeface="+mn-ea"/>
+                <a:cs typeface="+mn-cs"/>
+              </a:defRPr>
+            </a:lvl4pPr>
+            <a:lvl5pPr marL="630000" indent="-270000" algn="l" defTabSz="914400" rtl="0" eaLnBrk="1" latinLnBrk="0" hangingPunct="1">
+              <a:lnSpc>
+                <a:spcPct val="90000"/>
+              </a:lnSpc>
+              <a:spcBef>
+                <a:spcPts val="1000"/>
+              </a:spcBef>
+              <a:buFont typeface="Arial" panose="020B0604020202020204" pitchFamily="34" charset="0"/>
+              <a:buChar char="•"/>
+              <a:defRPr sz="1600" kern="1200">
+                <a:solidFill>
+                  <a:schemeClr val="tx2"/>
+                </a:solidFill>
+                <a:latin typeface="+mn-lt"/>
+                <a:ea typeface="+mn-ea"/>
+                <a:cs typeface="+mn-cs"/>
+              </a:defRPr>
+            </a:lvl5pPr>
+            <a:lvl6pPr marL="2514600" indent="-228600" algn="l" defTabSz="914400" rtl="0" eaLnBrk="1" latinLnBrk="0" hangingPunct="1">
+              <a:lnSpc>
+                <a:spcPct val="90000"/>
+              </a:lnSpc>
+              <a:spcBef>
+                <a:spcPts val="500"/>
+              </a:spcBef>
+              <a:buFont typeface="Arial" panose="020B0604020202020204" pitchFamily="34" charset="0"/>
+              <a:buChar char="•"/>
+              <a:defRPr sz="1800" kern="1200">
+                <a:solidFill>
+                  <a:schemeClr val="tx1"/>
+                </a:solidFill>
+                <a:latin typeface="+mn-lt"/>
+                <a:ea typeface="+mn-ea"/>
+                <a:cs typeface="+mn-cs"/>
+              </a:defRPr>
+            </a:lvl6pPr>
+            <a:lvl7pPr marL="2971800" indent="-228600" algn="l" defTabSz="914400" rtl="0" eaLnBrk="1" latinLnBrk="0" hangingPunct="1">
+              <a:lnSpc>
+                <a:spcPct val="90000"/>
+              </a:lnSpc>
+              <a:spcBef>
+                <a:spcPts val="500"/>
+              </a:spcBef>
+              <a:buFont typeface="Arial" panose="020B0604020202020204" pitchFamily="34" charset="0"/>
+              <a:buChar char="•"/>
+              <a:defRPr sz="1800" kern="1200">
+                <a:solidFill>
+                  <a:schemeClr val="tx1"/>
+                </a:solidFill>
+                <a:latin typeface="+mn-lt"/>
+                <a:ea typeface="+mn-ea"/>
+                <a:cs typeface="+mn-cs"/>
+              </a:defRPr>
+            </a:lvl7pPr>
+            <a:lvl8pPr marL="3429000" indent="-228600" algn="l" defTabSz="914400" rtl="0" eaLnBrk="1" latinLnBrk="0" hangingPunct="1">
+              <a:lnSpc>
+                <a:spcPct val="90000"/>
+              </a:lnSpc>
+              <a:spcBef>
+                <a:spcPts val="500"/>
+              </a:spcBef>
+              <a:buFont typeface="Arial" panose="020B0604020202020204" pitchFamily="34" charset="0"/>
+              <a:buChar char="•"/>
+              <a:defRPr sz="1800" kern="1200">
+                <a:solidFill>
+                  <a:schemeClr val="tx1"/>
+                </a:solidFill>
+                <a:latin typeface="+mn-lt"/>
+                <a:ea typeface="+mn-ea"/>
+                <a:cs typeface="+mn-cs"/>
+              </a:defRPr>
+            </a:lvl8pPr>
+            <a:lvl9pPr marL="3886200" indent="-228600" algn="l" defTabSz="914400" rtl="0" eaLnBrk="1" latinLnBrk="0" hangingPunct="1">
+              <a:lnSpc>
+                <a:spcPct val="90000"/>
+              </a:lnSpc>
+              <a:spcBef>
+                <a:spcPts val="500"/>
+              </a:spcBef>
+              <a:buFont typeface="Arial" panose="020B0604020202020204" pitchFamily="34" charset="0"/>
+              <a:buChar char="•"/>
+              <a:defRPr sz="1800" kern="1200">
+                <a:solidFill>
+                  <a:schemeClr val="tx1"/>
+                </a:solidFill>
+                <a:latin typeface="+mn-lt"/>
+                <a:ea typeface="+mn-ea"/>
+                <a:cs typeface="+mn-cs"/>
+              </a:defRPr>
+            </a:lvl9pPr>
+          </a:lstStyle>
+          <a:p>
+            <a:pPr marL="0" indent="0" algn="ctr">
+              <a:spcBef>
+                <a:spcPts val="600"/>
+              </a:spcBef>
+              <a:buNone/>
+            </a:pPr>
+            <a:r>
+              <a:rPr lang="fr-FR" sz="1600" dirty="0"/>
+              <a:t>Service</a:t>
+            </a:r>
+            <a:r>
+              <a:rPr lang="en-US" sz="1600" dirty="0"/>
+              <a:t> </a:t>
+            </a:r>
+          </a:p>
+          <a:p>
+            <a:pPr marL="288000" lvl="1" indent="-216000">
+              <a:spcBef>
+                <a:spcPts val="300"/>
+              </a:spcBef>
+            </a:pPr>
+            <a:r>
+              <a:rPr lang="en-US" sz="1400" dirty="0">
+                <a:ea typeface="+mn-lt"/>
+                <a:cs typeface="+mn-lt"/>
+              </a:rPr>
+              <a:t>Output. </a:t>
+            </a:r>
+            <a:r>
+              <a:rPr lang="en-US" sz="1400" dirty="0" err="1">
+                <a:ea typeface="+mn-lt"/>
+                <a:cs typeface="+mn-lt"/>
+              </a:rPr>
+              <a:t>IEnumerable</a:t>
+            </a:r>
+            <a:endParaRPr lang="en-US" sz="1400" dirty="0">
+              <a:ea typeface="+mn-lt"/>
+              <a:cs typeface="+mn-lt"/>
+            </a:endParaRPr>
+          </a:p>
+          <a:p>
+            <a:pPr marL="360000" lvl="3" indent="-216000">
+              <a:spcBef>
+                <a:spcPts val="300"/>
+              </a:spcBef>
+            </a:pPr>
+            <a:r>
+              <a:rPr lang="fr-LU" sz="1200" dirty="0">
+                <a:ea typeface="+mn-lt"/>
+                <a:cs typeface="+mn-lt"/>
+              </a:rPr>
+              <a:t>déporter la gestion de l'</a:t>
+            </a:r>
+            <a:r>
+              <a:rPr lang="fr-LU" sz="1200" dirty="0" err="1">
+                <a:ea typeface="+mn-lt"/>
+                <a:cs typeface="+mn-lt"/>
+              </a:rPr>
+              <a:t>exé</a:t>
+            </a:r>
+            <a:r>
+              <a:rPr lang="fr-LU" sz="1200" dirty="0">
+                <a:ea typeface="+mn-lt"/>
+                <a:cs typeface="+mn-lt"/>
+              </a:rPr>
+              <a:t> du côté framework</a:t>
+            </a:r>
+          </a:p>
+          <a:p>
+            <a:pPr marL="288000" lvl="2" indent="-216000">
+              <a:spcBef>
+                <a:spcPts val="600"/>
+              </a:spcBef>
+            </a:pPr>
+            <a:r>
+              <a:rPr lang="fr-LU" sz="1400" dirty="0" err="1">
+                <a:solidFill>
+                  <a:schemeClr val="tx2"/>
+                </a:solidFill>
+                <a:ea typeface="+mn-lt"/>
+                <a:cs typeface="+mn-lt"/>
+              </a:rPr>
+              <a:t>Throughput</a:t>
+            </a:r>
+            <a:r>
+              <a:rPr lang="fr-LU" sz="1400" dirty="0">
+                <a:solidFill>
+                  <a:schemeClr val="tx2"/>
+                </a:solidFill>
+                <a:ea typeface="+mn-lt"/>
+                <a:cs typeface="+mn-lt"/>
+              </a:rPr>
+              <a:t>. List</a:t>
+            </a:r>
+            <a:endParaRPr lang="en-US" sz="1400" dirty="0">
+              <a:solidFill>
+                <a:schemeClr val="tx2"/>
+              </a:solidFill>
+              <a:ea typeface="+mn-lt"/>
+              <a:cs typeface="+mn-lt"/>
+            </a:endParaRPr>
+          </a:p>
+        </p:txBody>
+      </p:sp>
+      <p:sp>
+        <p:nvSpPr>
+          <p:cNvPr id="25" name="Text Placeholder 22">
+            <a:extLst>
+              <a:ext uri="{FF2B5EF4-FFF2-40B4-BE49-F238E27FC236}">
+                <a16:creationId xmlns:a16="http://schemas.microsoft.com/office/drawing/2014/main" id="{3874EF87-7FEE-2D48-E3F0-1639F19ACFA6}"/>
+              </a:ext>
+            </a:extLst>
+          </p:cNvPr>
+          <p:cNvSpPr txBox="1">
+            <a:spLocks/>
+          </p:cNvSpPr>
+          <p:nvPr/>
+        </p:nvSpPr>
+        <p:spPr>
+          <a:xfrm>
+            <a:off x="6130693" y="1089499"/>
+            <a:ext cx="5144311" cy="4889102"/>
+          </a:xfrm>
+          <a:prstGeom prst="roundRect">
+            <a:avLst>
+              <a:gd name="adj" fmla="val 5069"/>
+            </a:avLst>
+          </a:prstGeom>
+          <a:ln w="15875">
+            <a:solidFill>
+              <a:schemeClr val="accent1"/>
+            </a:solidFill>
+          </a:ln>
+        </p:spPr>
+        <p:txBody>
+          <a:bodyPr vert="horz" lIns="0" tIns="0" rIns="0" bIns="0" rtlCol="0">
+            <a:noAutofit/>
+          </a:bodyPr>
+          <a:lstStyle>
+            <a:lvl1pPr marL="360000" indent="-360000" algn="l" defTabSz="914400" rtl="0" eaLnBrk="1" latinLnBrk="0" hangingPunct="1">
+              <a:lnSpc>
+                <a:spcPct val="90000"/>
+              </a:lnSpc>
+              <a:spcBef>
+                <a:spcPts val="1000"/>
+              </a:spcBef>
+              <a:buFont typeface="Arial" panose="020B0604020202020204" pitchFamily="34" charset="0"/>
+              <a:buChar char="•"/>
+              <a:defRPr sz="2000" b="1" kern="1200">
+                <a:solidFill>
+                  <a:schemeClr val="tx1"/>
+                </a:solidFill>
+                <a:latin typeface="+mn-lt"/>
+                <a:ea typeface="+mn-ea"/>
+                <a:cs typeface="+mn-cs"/>
+              </a:defRPr>
+            </a:lvl1pPr>
+            <a:lvl2pPr marL="648000" indent="-360000" algn="l" defTabSz="914400" rtl="0" eaLnBrk="1" latinLnBrk="0" hangingPunct="1">
+              <a:lnSpc>
+                <a:spcPct val="90000"/>
+              </a:lnSpc>
+              <a:spcBef>
+                <a:spcPts val="1200"/>
+              </a:spcBef>
+              <a:buFont typeface="Arial" panose="020B0604020202020204" pitchFamily="34" charset="0"/>
+              <a:buChar char="•"/>
+              <a:defRPr sz="1800" b="1" kern="1200">
+                <a:solidFill>
+                  <a:schemeClr val="tx2"/>
+                </a:solidFill>
+                <a:latin typeface="+mn-lt"/>
+                <a:ea typeface="+mn-ea"/>
+                <a:cs typeface="+mn-cs"/>
+              </a:defRPr>
+            </a:lvl2pPr>
+            <a:lvl3pPr marL="648000" indent="-360000" algn="l" defTabSz="914400" rtl="0" eaLnBrk="1" latinLnBrk="0" hangingPunct="1">
+              <a:lnSpc>
+                <a:spcPct val="90000"/>
+              </a:lnSpc>
+              <a:spcBef>
+                <a:spcPts val="1200"/>
+              </a:spcBef>
+              <a:buFont typeface="Arial" panose="020B0604020202020204" pitchFamily="34" charset="0"/>
+              <a:buChar char="•"/>
+              <a:defRPr sz="1800" b="1" kern="1200">
+                <a:solidFill>
+                  <a:schemeClr val="bg1">
+                    <a:lumMod val="65000"/>
+                  </a:schemeClr>
+                </a:solidFill>
+                <a:latin typeface="+mn-lt"/>
+                <a:ea typeface="+mn-ea"/>
+                <a:cs typeface="+mn-cs"/>
+              </a:defRPr>
+            </a:lvl3pPr>
+            <a:lvl4pPr marL="720000" indent="-270000" algn="l" defTabSz="914400" rtl="0" eaLnBrk="1" latinLnBrk="0" hangingPunct="1">
+              <a:lnSpc>
+                <a:spcPct val="90000"/>
+              </a:lnSpc>
+              <a:spcBef>
+                <a:spcPts val="1000"/>
+              </a:spcBef>
+              <a:buFont typeface="Arial" panose="020B0604020202020204" pitchFamily="34" charset="0"/>
+              <a:buChar char="•"/>
+              <a:defRPr sz="1600" kern="1200">
+                <a:solidFill>
+                  <a:schemeClr val="tx2"/>
+                </a:solidFill>
+                <a:latin typeface="+mn-lt"/>
+                <a:ea typeface="+mn-ea"/>
+                <a:cs typeface="+mn-cs"/>
+              </a:defRPr>
+            </a:lvl4pPr>
+            <a:lvl5pPr marL="630000" indent="-270000" algn="l" defTabSz="914400" rtl="0" eaLnBrk="1" latinLnBrk="0" hangingPunct="1">
+              <a:lnSpc>
+                <a:spcPct val="90000"/>
+              </a:lnSpc>
+              <a:spcBef>
+                <a:spcPts val="1000"/>
+              </a:spcBef>
+              <a:buFont typeface="Arial" panose="020B0604020202020204" pitchFamily="34" charset="0"/>
+              <a:buChar char="•"/>
+              <a:defRPr sz="1600" kern="1200">
+                <a:solidFill>
+                  <a:schemeClr val="tx2"/>
+                </a:solidFill>
+                <a:latin typeface="+mn-lt"/>
+                <a:ea typeface="+mn-ea"/>
+                <a:cs typeface="+mn-cs"/>
+              </a:defRPr>
+            </a:lvl5pPr>
+            <a:lvl6pPr marL="2514600" indent="-228600" algn="l" defTabSz="914400" rtl="0" eaLnBrk="1" latinLnBrk="0" hangingPunct="1">
+              <a:lnSpc>
+                <a:spcPct val="90000"/>
+              </a:lnSpc>
+              <a:spcBef>
+                <a:spcPts val="500"/>
+              </a:spcBef>
+              <a:buFont typeface="Arial" panose="020B0604020202020204" pitchFamily="34" charset="0"/>
+              <a:buChar char="•"/>
+              <a:defRPr sz="1800" kern="1200">
+                <a:solidFill>
+                  <a:schemeClr val="tx1"/>
+                </a:solidFill>
+                <a:latin typeface="+mn-lt"/>
+                <a:ea typeface="+mn-ea"/>
+                <a:cs typeface="+mn-cs"/>
+              </a:defRPr>
+            </a:lvl6pPr>
+            <a:lvl7pPr marL="2971800" indent="-228600" algn="l" defTabSz="914400" rtl="0" eaLnBrk="1" latinLnBrk="0" hangingPunct="1">
+              <a:lnSpc>
+                <a:spcPct val="90000"/>
+              </a:lnSpc>
+              <a:spcBef>
+                <a:spcPts val="500"/>
+              </a:spcBef>
+              <a:buFont typeface="Arial" panose="020B0604020202020204" pitchFamily="34" charset="0"/>
+              <a:buChar char="•"/>
+              <a:defRPr sz="1800" kern="1200">
+                <a:solidFill>
+                  <a:schemeClr val="tx1"/>
+                </a:solidFill>
+                <a:latin typeface="+mn-lt"/>
+                <a:ea typeface="+mn-ea"/>
+                <a:cs typeface="+mn-cs"/>
+              </a:defRPr>
+            </a:lvl7pPr>
+            <a:lvl8pPr marL="3429000" indent="-228600" algn="l" defTabSz="914400" rtl="0" eaLnBrk="1" latinLnBrk="0" hangingPunct="1">
+              <a:lnSpc>
+                <a:spcPct val="90000"/>
+              </a:lnSpc>
+              <a:spcBef>
+                <a:spcPts val="500"/>
+              </a:spcBef>
+              <a:buFont typeface="Arial" panose="020B0604020202020204" pitchFamily="34" charset="0"/>
+              <a:buChar char="•"/>
+              <a:defRPr sz="1800" kern="1200">
+                <a:solidFill>
+                  <a:schemeClr val="tx1"/>
+                </a:solidFill>
+                <a:latin typeface="+mn-lt"/>
+                <a:ea typeface="+mn-ea"/>
+                <a:cs typeface="+mn-cs"/>
+              </a:defRPr>
+            </a:lvl8pPr>
+            <a:lvl9pPr marL="3886200" indent="-228600" algn="l" defTabSz="914400" rtl="0" eaLnBrk="1" latinLnBrk="0" hangingPunct="1">
+              <a:lnSpc>
+                <a:spcPct val="90000"/>
+              </a:lnSpc>
+              <a:spcBef>
+                <a:spcPts val="500"/>
+              </a:spcBef>
+              <a:buFont typeface="Arial" panose="020B0604020202020204" pitchFamily="34" charset="0"/>
+              <a:buChar char="•"/>
+              <a:defRPr sz="1800" kern="1200">
+                <a:solidFill>
+                  <a:schemeClr val="tx1"/>
+                </a:solidFill>
+                <a:latin typeface="+mn-lt"/>
+                <a:ea typeface="+mn-ea"/>
+                <a:cs typeface="+mn-cs"/>
+              </a:defRPr>
+            </a:lvl9pPr>
+          </a:lstStyle>
+          <a:p>
+            <a:pPr marL="0" indent="0" algn="ctr">
+              <a:buFont typeface="Arial" panose="020B0604020202020204" pitchFamily="34" charset="0"/>
+              <a:buNone/>
+            </a:pPr>
+            <a:r>
+              <a:rPr lang="en-US" dirty="0"/>
+              <a:t>Infrastructure</a:t>
+            </a:r>
+          </a:p>
+        </p:txBody>
+      </p:sp>
     </p:spTree>
     <p:extLst>
       <p:ext uri="{BB962C8B-B14F-4D97-AF65-F5344CB8AC3E}">
-        <p14:creationId xmlns:p14="http://schemas.microsoft.com/office/powerpoint/2010/main" val="810205662"/>
+        <p14:creationId xmlns:p14="http://schemas.microsoft.com/office/powerpoint/2010/main" val="3606372723"/>
       </p:ext>
     </p:extLst>
   </p:cSld>
@@ -32098,26 +34628,6 @@
 </file>
 
 <file path=customXml/item1.xml><?xml version="1.0" encoding="utf-8"?>
-<p:properties xmlns:p="http://schemas.microsoft.com/office/2006/metadata/properties" xmlns:xsi="http://www.w3.org/2001/XMLSchema-instance" xmlns:pc="http://schemas.microsoft.com/office/infopath/2007/PartnerControls">
-  <documentManagement>
-    <lcf76f155ced4ddcb4097134ff3c332f xmlns="4686bda6-deda-4a53-9ce5-2ab192257292">
-      <Terms xmlns="http://schemas.microsoft.com/office/infopath/2007/PartnerControls"/>
-    </lcf76f155ced4ddcb4097134ff3c332f>
-    <TaxCatchAll xmlns="718058b2-8753-44ce-95b0-d0067b5629da" xsi:nil="true"/>
-  </documentManagement>
-</p:properties>
-</file>
-
-<file path=customXml/item2.xml><?xml version="1.0" encoding="utf-8"?>
-<?mso-contentType ?>
-<FormTemplates xmlns="http://schemas.microsoft.com/sharepoint/v3/contenttype/forms">
-  <Display>DocumentLibraryForm</Display>
-  <Edit>DocumentLibraryForm</Edit>
-  <New>DocumentLibraryForm</New>
-</FormTemplates>
-</file>
-
-<file path=customXml/item3.xml><?xml version="1.0" encoding="utf-8"?>
 <ct:contentTypeSchema xmlns:ct="http://schemas.microsoft.com/office/2006/metadata/contentType" xmlns:ma="http://schemas.microsoft.com/office/2006/metadata/properties/metaAttributes" ct:_="" ma:_="" ma:contentTypeName="Document" ma:contentTypeID="0x010100318DB2E71BFB0A4FA8A357A8AE5B4C86" ma:contentTypeVersion="14" ma:contentTypeDescription="Crée un document." ma:contentTypeScope="" ma:versionID="5cc352c475e29e879957a58ceb39f927">
   <xsd:schema xmlns:xsd="http://www.w3.org/2001/XMLSchema" xmlns:xs="http://www.w3.org/2001/XMLSchema" xmlns:p="http://schemas.microsoft.com/office/2006/metadata/properties" xmlns:ns2="4686bda6-deda-4a53-9ce5-2ab192257292" xmlns:ns3="718058b2-8753-44ce-95b0-d0067b5629da" targetNamespace="http://schemas.microsoft.com/office/2006/metadata/properties" ma:root="true" ma:fieldsID="3475224a8dc04886dc3b8fc290b213f6" ns2:_="" ns3:_="">
     <xsd:import namespace="4686bda6-deda-4a53-9ce5-2ab192257292"/>
@@ -32346,26 +34856,27 @@
 </ct:contentTypeSchema>
 </file>
 
-<file path=customXml/itemProps1.xml><?xml version="1.0" encoding="utf-8"?>
-<ds:datastoreItem xmlns:ds="http://schemas.openxmlformats.org/officeDocument/2006/customXml" ds:itemID="{04039FE3-5222-47C8-842D-2F3B0E099BAA}">
-  <ds:schemaRefs>
-    <ds:schemaRef ds:uri="4686bda6-deda-4a53-9ce5-2ab192257292"/>
-    <ds:schemaRef ds:uri="718058b2-8753-44ce-95b0-d0067b5629da"/>
-    <ds:schemaRef ds:uri="http://schemas.microsoft.com/office/2006/metadata/properties"/>
-    <ds:schemaRef ds:uri="http://schemas.microsoft.com/office/infopath/2007/PartnerControls"/>
-  </ds:schemaRefs>
-</ds:datastoreItem>
+<file path=customXml/item2.xml><?xml version="1.0" encoding="utf-8"?>
+<?mso-contentType ?>
+<FormTemplates xmlns="http://schemas.microsoft.com/sharepoint/v3/contenttype/forms">
+  <Display>DocumentLibraryForm</Display>
+  <Edit>DocumentLibraryForm</Edit>
+  <New>DocumentLibraryForm</New>
+</FormTemplates>
 </file>
 
-<file path=customXml/itemProps2.xml><?xml version="1.0" encoding="utf-8"?>
-<ds:datastoreItem xmlns:ds="http://schemas.openxmlformats.org/officeDocument/2006/customXml" ds:itemID="{34397568-BCFC-4083-81F0-E6CAD2F36C27}">
-  <ds:schemaRefs>
-    <ds:schemaRef ds:uri="http://schemas.microsoft.com/sharepoint/v3/contenttype/forms"/>
-  </ds:schemaRefs>
-</ds:datastoreItem>
+<file path=customXml/item3.xml><?xml version="1.0" encoding="utf-8"?>
+<p:properties xmlns:p="http://schemas.microsoft.com/office/2006/metadata/properties" xmlns:xsi="http://www.w3.org/2001/XMLSchema-instance" xmlns:pc="http://schemas.microsoft.com/office/infopath/2007/PartnerControls">
+  <documentManagement>
+    <lcf76f155ced4ddcb4097134ff3c332f xmlns="4686bda6-deda-4a53-9ce5-2ab192257292">
+      <Terms xmlns="http://schemas.microsoft.com/office/infopath/2007/PartnerControls"/>
+    </lcf76f155ced4ddcb4097134ff3c332f>
+    <TaxCatchAll xmlns="718058b2-8753-44ce-95b0-d0067b5629da" xsi:nil="true"/>
+  </documentManagement>
+</p:properties>
 </file>
 
-<file path=customXml/itemProps3.xml><?xml version="1.0" encoding="utf-8"?>
+<file path=customXml/itemProps1.xml><?xml version="1.0" encoding="utf-8"?>
 <ds:datastoreItem xmlns:ds="http://schemas.openxmlformats.org/officeDocument/2006/customXml" ds:itemID="{58D250B6-F169-4D8C-B790-4B2FA593FBD8}">
   <ds:schemaRefs>
     <ds:schemaRef ds:uri="4686bda6-deda-4a53-9ce5-2ab192257292"/>
@@ -32384,6 +34895,25 @@
 </ds:datastoreItem>
 </file>
 
+<file path=customXml/itemProps2.xml><?xml version="1.0" encoding="utf-8"?>
+<ds:datastoreItem xmlns:ds="http://schemas.openxmlformats.org/officeDocument/2006/customXml" ds:itemID="{34397568-BCFC-4083-81F0-E6CAD2F36C27}">
+  <ds:schemaRefs>
+    <ds:schemaRef ds:uri="http://schemas.microsoft.com/sharepoint/v3/contenttype/forms"/>
+  </ds:schemaRefs>
+</ds:datastoreItem>
+</file>
+
+<file path=customXml/itemProps3.xml><?xml version="1.0" encoding="utf-8"?>
+<ds:datastoreItem xmlns:ds="http://schemas.openxmlformats.org/officeDocument/2006/customXml" ds:itemID="{04039FE3-5222-47C8-842D-2F3B0E099BAA}">
+  <ds:schemaRefs>
+    <ds:schemaRef ds:uri="4686bda6-deda-4a53-9ce5-2ab192257292"/>
+    <ds:schemaRef ds:uri="718058b2-8753-44ce-95b0-d0067b5629da"/>
+    <ds:schemaRef ds:uri="http://schemas.microsoft.com/office/2006/metadata/properties"/>
+    <ds:schemaRef ds:uri="http://schemas.microsoft.com/office/infopath/2007/PartnerControls"/>
+  </ds:schemaRefs>
+</ds:datastoreItem>
+</file>
+
 <file path=docMetadata/LabelInfo.xml><?xml version="1.0" encoding="utf-8"?>
 <clbl:labelList xmlns:clbl="http://schemas.microsoft.com/office/2020/mipLabelMetadata">
   <clbl:label id="{378055ef-7607-46e5-9564-5469035a1b2e}" enabled="1" method="Standard" siteId="{eb3c68b9-0935-4046-8550-8bcaa4167e2e}" removed="0"/>
